--- a/Data Science - Disney World assignment.pptx
+++ b/Data Science - Disney World assignment.pptx
@@ -5344,7 +5344,7 @@
         </p:nvSpPr>
         <p:spPr>
           <a:xfrm rot="0">
-            <a:off x="2155972" y="5504180"/>
+            <a:off x="2157181" y="6422376"/>
             <a:ext cx="4199874" cy="1073785"/>
           </a:xfrm>
           <a:prstGeom prst="rect">
@@ -5388,7 +5388,7 @@
         </p:nvSpPr>
         <p:spPr>
           <a:xfrm rot="0">
-            <a:off x="7044063" y="6498576"/>
+            <a:off x="7044063" y="7416772"/>
             <a:ext cx="4199874" cy="1627251"/>
           </a:xfrm>
           <a:prstGeom prst="rect">
@@ -5525,7 +5525,7 @@
         </p:nvSpPr>
         <p:spPr>
           <a:xfrm rot="0">
-            <a:off x="2158389" y="6498576"/>
+            <a:off x="2159597" y="7416772"/>
             <a:ext cx="4199874" cy="655701"/>
           </a:xfrm>
           <a:prstGeom prst="rect">
@@ -5566,7 +5566,7 @@
         </p:nvSpPr>
         <p:spPr>
           <a:xfrm rot="0">
-            <a:off x="7044063" y="5504180"/>
+            <a:off x="7044063" y="6422376"/>
             <a:ext cx="4199874" cy="530860"/>
           </a:xfrm>
           <a:prstGeom prst="rect">
@@ -5610,7 +5610,7 @@
         </p:nvSpPr>
         <p:spPr>
           <a:xfrm rot="0">
-            <a:off x="12598473" y="6498576"/>
+            <a:off x="12475041" y="7505686"/>
             <a:ext cx="4199874" cy="979551"/>
           </a:xfrm>
           <a:prstGeom prst="rect">
@@ -5675,7 +5675,7 @@
         </p:nvSpPr>
         <p:spPr>
           <a:xfrm rot="0">
-            <a:off x="12598473" y="5415266"/>
+            <a:off x="12475041" y="6422376"/>
             <a:ext cx="4611314" cy="1073785"/>
           </a:xfrm>
           <a:prstGeom prst="rect">
@@ -6624,7 +6624,7 @@
                 <a:cs typeface="Handy Casual"/>
                 <a:sym typeface="Handy Casual"/>
               </a:rPr>
-              <a:t>Attraction features (Thrill Rides, Family Rides, .. )</a:t>
+              <a:t>Attraction features (Rides, ... )</a:t>
             </a:r>
           </a:p>
         </p:txBody>
@@ -7178,6 +7178,263 @@
                 <a:sym typeface="Handy Casual"/>
               </a:rPr>
               <a:t>data/waiting times</a:t>
+            </a:r>
+          </a:p>
+        </p:txBody>
+      </p:sp>
+      <p:sp>
+        <p:nvSpPr>
+          <p:cNvPr name="Freeform 31" id="31"/>
+          <p:cNvSpPr/>
+          <p:nvPr/>
+        </p:nvSpPr>
+        <p:spPr>
+          <a:xfrm flipH="false" flipV="false" rot="0">
+            <a:off x="15006845" y="355001"/>
+            <a:ext cx="2931729" cy="1210357"/>
+          </a:xfrm>
+          <a:custGeom>
+            <a:avLst/>
+            <a:gdLst/>
+            <a:ahLst/>
+            <a:cxnLst/>
+            <a:rect r="r" b="b" t="t" l="l"/>
+            <a:pathLst>
+              <a:path h="1210357" w="2931729">
+                <a:moveTo>
+                  <a:pt x="0" y="0"/>
+                </a:moveTo>
+                <a:lnTo>
+                  <a:pt x="2931729" y="0"/>
+                </a:lnTo>
+                <a:lnTo>
+                  <a:pt x="2931729" y="1210357"/>
+                </a:lnTo>
+                <a:lnTo>
+                  <a:pt x="0" y="1210357"/>
+                </a:lnTo>
+                <a:lnTo>
+                  <a:pt x="0" y="0"/>
+                </a:lnTo>
+                <a:close/>
+              </a:path>
+            </a:pathLst>
+          </a:custGeom>
+          <a:blipFill>
+            <a:blip r:embed="rId7">
+              <a:extLst>
+                <a:ext uri="{96DAC541-7B7A-43D3-8B79-37D633B846F1}">
+                  <asvg:svgBlip xmlns:asvg="http://schemas.microsoft.com/office/drawing/2016/SVG/main" r:embed="rId8"/>
+                </a:ext>
+              </a:extLst>
+            </a:blip>
+            <a:stretch>
+              <a:fillRect l="0" t="0" r="0" b="0"/>
+            </a:stretch>
+          </a:blipFill>
+        </p:spPr>
+      </p:sp>
+      <p:sp>
+        <p:nvSpPr>
+          <p:cNvPr name="TextBox 32" id="32"/>
+          <p:cNvSpPr txBox="true"/>
+          <p:nvPr/>
+        </p:nvSpPr>
+        <p:spPr>
+          <a:xfrm rot="0">
+            <a:off x="15302120" y="764576"/>
+            <a:ext cx="2367625" cy="331851"/>
+          </a:xfrm>
+          <a:prstGeom prst="rect">
+            <a:avLst/>
+          </a:prstGeom>
+        </p:spPr>
+        <p:txBody>
+          <a:bodyPr anchor="t" rtlCol="false" tIns="0" lIns="0" bIns="0" rIns="0">
+            <a:spAutoFit/>
+          </a:bodyPr>
+          <a:lstStyle/>
+          <a:p>
+            <a:pPr algn="just">
+              <a:lnSpc>
+                <a:spcPts val="2622"/>
+              </a:lnSpc>
+            </a:pPr>
+            <a:r>
+              <a:rPr lang="en-US" sz="2300">
+                <a:solidFill>
+                  <a:srgbClr val="000000"/>
+                </a:solidFill>
+                <a:latin typeface="Handy Casual"/>
+                <a:ea typeface="Handy Casual"/>
+                <a:cs typeface="Handy Casual"/>
+                <a:sym typeface="Handy Casual"/>
+              </a:rPr>
+              <a:t>Frontend and Output</a:t>
+            </a:r>
+          </a:p>
+        </p:txBody>
+      </p:sp>
+      <p:sp>
+        <p:nvSpPr>
+          <p:cNvPr name="TextBox 33" id="33"/>
+          <p:cNvSpPr txBox="true"/>
+          <p:nvPr/>
+        </p:nvSpPr>
+        <p:spPr>
+          <a:xfrm rot="0">
+            <a:off x="15006845" y="3027589"/>
+            <a:ext cx="4685531" cy="331851"/>
+          </a:xfrm>
+          <a:prstGeom prst="rect">
+            <a:avLst/>
+          </a:prstGeom>
+        </p:spPr>
+        <p:txBody>
+          <a:bodyPr anchor="t" rtlCol="false" tIns="0" lIns="0" bIns="0" rIns="0">
+            <a:spAutoFit/>
+          </a:bodyPr>
+          <a:lstStyle/>
+          <a:p>
+            <a:pPr algn="just">
+              <a:lnSpc>
+                <a:spcPts val="2622"/>
+              </a:lnSpc>
+            </a:pPr>
+            <a:r>
+              <a:rPr lang="en-US" sz="2300">
+                <a:solidFill>
+                  <a:srgbClr val="000000"/>
+                </a:solidFill>
+                <a:latin typeface="Handy Casual"/>
+                <a:ea typeface="Handy Casual"/>
+                <a:cs typeface="Handy Casual"/>
+                <a:sym typeface="Handy Casual"/>
+              </a:rPr>
+              <a:t>Flask routes (/home, /planning)</a:t>
+            </a:r>
+          </a:p>
+        </p:txBody>
+      </p:sp>
+      <p:sp>
+        <p:nvSpPr>
+          <p:cNvPr name="TextBox 34" id="34"/>
+          <p:cNvSpPr txBox="true"/>
+          <p:nvPr/>
+        </p:nvSpPr>
+        <p:spPr>
+          <a:xfrm rot="0">
+            <a:off x="15006845" y="2281782"/>
+            <a:ext cx="4685531" cy="411861"/>
+          </a:xfrm>
+          <a:prstGeom prst="rect">
+            <a:avLst/>
+          </a:prstGeom>
+        </p:spPr>
+        <p:txBody>
+          <a:bodyPr anchor="t" rtlCol="false" tIns="0" lIns="0" bIns="0" rIns="0">
+            <a:spAutoFit/>
+          </a:bodyPr>
+          <a:lstStyle/>
+          <a:p>
+            <a:pPr algn="just">
+              <a:lnSpc>
+                <a:spcPts val="3191"/>
+              </a:lnSpc>
+            </a:pPr>
+            <a:r>
+              <a:rPr lang="en-US" sz="2799">
+                <a:solidFill>
+                  <a:srgbClr val="000000"/>
+                </a:solidFill>
+                <a:latin typeface="Handy Casual"/>
+                <a:ea typeface="Handy Casual"/>
+                <a:cs typeface="Handy Casual"/>
+                <a:sym typeface="Handy Casual"/>
+              </a:rPr>
+              <a:t>Front end</a:t>
+            </a:r>
+          </a:p>
+        </p:txBody>
+      </p:sp>
+      <p:sp>
+        <p:nvSpPr>
+          <p:cNvPr name="TextBox 35" id="35"/>
+          <p:cNvSpPr txBox="true"/>
+          <p:nvPr/>
+        </p:nvSpPr>
+        <p:spPr>
+          <a:xfrm rot="0">
+            <a:off x="15006845" y="3491982"/>
+            <a:ext cx="3060342" cy="655701"/>
+          </a:xfrm>
+          <a:prstGeom prst="rect">
+            <a:avLst/>
+          </a:prstGeom>
+        </p:spPr>
+        <p:txBody>
+          <a:bodyPr anchor="t" rtlCol="false" tIns="0" lIns="0" bIns="0" rIns="0">
+            <a:spAutoFit/>
+          </a:bodyPr>
+          <a:lstStyle/>
+          <a:p>
+            <a:pPr algn="just">
+              <a:lnSpc>
+                <a:spcPts val="2622"/>
+              </a:lnSpc>
+            </a:pPr>
+            <a:r>
+              <a:rPr lang="en-US" sz="2300">
+                <a:solidFill>
+                  <a:srgbClr val="000000"/>
+                </a:solidFill>
+                <a:latin typeface="Handy Casual"/>
+                <a:ea typeface="Handy Casual"/>
+                <a:cs typeface="Handy Casual"/>
+                <a:sym typeface="Handy Casual"/>
+              </a:rPr>
+              <a:t>User inputs: Dates, weather preferences, attractions.</a:t>
+            </a:r>
+          </a:p>
+        </p:txBody>
+      </p:sp>
+      <p:sp>
+        <p:nvSpPr>
+          <p:cNvPr name="TextBox 36" id="36"/>
+          <p:cNvSpPr txBox="true"/>
+          <p:nvPr/>
+        </p:nvSpPr>
+        <p:spPr>
+          <a:xfrm rot="0">
+            <a:off x="15006845" y="4582852"/>
+            <a:ext cx="4685531" cy="411861"/>
+          </a:xfrm>
+          <a:prstGeom prst="rect">
+            <a:avLst/>
+          </a:prstGeom>
+        </p:spPr>
+        <p:txBody>
+          <a:bodyPr anchor="t" rtlCol="false" tIns="0" lIns="0" bIns="0" rIns="0">
+            <a:spAutoFit/>
+          </a:bodyPr>
+          <a:lstStyle/>
+          <a:p>
+            <a:pPr algn="just">
+              <a:lnSpc>
+                <a:spcPts val="3191"/>
+              </a:lnSpc>
+            </a:pPr>
+            <a:r>
+              <a:rPr lang="en-US" sz="2799">
+                <a:solidFill>
+                  <a:srgbClr val="000000"/>
+                </a:solidFill>
+                <a:latin typeface="Handy Casual"/>
+                <a:ea typeface="Handy Casual"/>
+                <a:cs typeface="Handy Casual"/>
+                <a:sym typeface="Handy Casual"/>
+              </a:rPr>
+              <a:t>Front end</a:t>
             </a:r>
           </a:p>
         </p:txBody>

--- a/Data Science - Disney World assignment.pptx
+++ b/Data Science - Disney World assignment.pptx
@@ -3575,14 +3575,58 @@
       </p:grpSpPr>
       <p:sp>
         <p:nvSpPr>
-          <p:cNvPr name="Freeform 2" id="2"/>
+          <p:cNvPr name="TextBox 2" id="2"/>
+          <p:cNvSpPr txBox="true"/>
+          <p:nvPr/>
+        </p:nvSpPr>
+        <p:spPr>
+          <a:xfrm rot="0">
+            <a:off x="540185" y="751937"/>
+            <a:ext cx="15258928" cy="2905125"/>
+          </a:xfrm>
+          <a:prstGeom prst="rect">
+            <a:avLst/>
+          </a:prstGeom>
+        </p:spPr>
+        <p:txBody>
+          <a:bodyPr anchor="t" rtlCol="false" tIns="0" lIns="0" bIns="0" rIns="0">
+            <a:spAutoFit/>
+          </a:bodyPr>
+          <a:lstStyle/>
+          <a:p>
+            <a:pPr algn="l">
+              <a:lnSpc>
+                <a:spcPts val="11400"/>
+              </a:lnSpc>
+              <a:spcBef>
+                <a:spcPct val="0"/>
+              </a:spcBef>
+            </a:pPr>
+            <a:r>
+              <a:rPr lang="en-US" sz="9500">
+                <a:solidFill>
+                  <a:srgbClr val="000000"/>
+                </a:solidFill>
+                <a:latin typeface="TAN Headline"/>
+                <a:ea typeface="TAN Headline"/>
+                <a:cs typeface="TAN Headline"/>
+                <a:sym typeface="TAN Headline"/>
+              </a:rPr>
+              <a:t>Flask user input and trip recommendation</a:t>
+            </a:r>
+          </a:p>
+        </p:txBody>
+      </p:sp>
+      <p:sp>
+        <p:nvSpPr>
+          <p:cNvPr name="Freeform 3" id="3"/>
           <p:cNvSpPr/>
           <p:nvPr/>
         </p:nvSpPr>
         <p:spPr>
           <a:xfrm flipH="false" flipV="false" rot="0">
-            <a:off x="2069991" y="1943867"/>
-            <a:ext cx="7347649" cy="7187337"/>
+            <a:off x="15054886" y="1359829"/>
+            <a:ext cx="1488455" cy="1291398"/>
           </a:xfrm>
           <a:custGeom>
             <a:avLst/>
@@ -3591,18 +3635,18 @@
             <a:cxnLst/>
             <a:rect r="r" b="b" t="t" l="l"/>
             <a:pathLst>
-              <a:path h="7187337" w="7347649">
+              <a:path h="1291398" w="1488455">
                 <a:moveTo>
                   <a:pt x="0" y="0"/>
                 </a:moveTo>
                 <a:lnTo>
-                  <a:pt x="7347650" y="0"/>
-                </a:lnTo>
-                <a:lnTo>
-                  <a:pt x="7347650" y="7187337"/>
-                </a:lnTo>
-                <a:lnTo>
-                  <a:pt x="0" y="7187337"/>
+                  <a:pt x="1488455" y="0"/>
+                </a:lnTo>
+                <a:lnTo>
+                  <a:pt x="1488455" y="1291398"/>
+                </a:lnTo>
+                <a:lnTo>
+                  <a:pt x="0" y="1291398"/>
                 </a:lnTo>
                 <a:lnTo>
                   <a:pt x="0" y="0"/>
@@ -3627,145 +3671,14 @@
       </p:sp>
       <p:sp>
         <p:nvSpPr>
-          <p:cNvPr name="TextBox 3" id="3"/>
-          <p:cNvSpPr txBox="true"/>
-          <p:nvPr/>
-        </p:nvSpPr>
-        <p:spPr>
-          <a:xfrm rot="0">
-            <a:off x="9777789" y="2968828"/>
-            <a:ext cx="7627468" cy="1438275"/>
-          </a:xfrm>
-          <a:prstGeom prst="rect">
-            <a:avLst/>
-          </a:prstGeom>
-        </p:spPr>
-        <p:txBody>
-          <a:bodyPr anchor="t" rtlCol="false" tIns="0" lIns="0" bIns="0" rIns="0">
-            <a:spAutoFit/>
-          </a:bodyPr>
-          <a:lstStyle/>
-          <a:p>
-            <a:pPr algn="l">
-              <a:lnSpc>
-                <a:spcPts val="11399"/>
-              </a:lnSpc>
-              <a:spcBef>
-                <a:spcPct val="0"/>
-              </a:spcBef>
-            </a:pPr>
-            <a:r>
-              <a:rPr lang="en-US" sz="9499">
-                <a:solidFill>
-                  <a:srgbClr val="000000"/>
-                </a:solidFill>
-                <a:latin typeface="TAN Headline"/>
-                <a:ea typeface="TAN Headline"/>
-                <a:cs typeface="TAN Headline"/>
-                <a:sym typeface="TAN Headline"/>
-              </a:rPr>
-              <a:t>User input</a:t>
-            </a:r>
-          </a:p>
-        </p:txBody>
-      </p:sp>
-      <p:sp>
-        <p:nvSpPr>
-          <p:cNvPr name="TextBox 4" id="4"/>
-          <p:cNvSpPr txBox="true"/>
-          <p:nvPr/>
-        </p:nvSpPr>
-        <p:spPr>
-          <a:xfrm rot="0">
-            <a:off x="2211760" y="7914319"/>
-            <a:ext cx="6247020" cy="759813"/>
-          </a:xfrm>
-          <a:prstGeom prst="rect">
-            <a:avLst/>
-          </a:prstGeom>
-        </p:spPr>
-        <p:txBody>
-          <a:bodyPr anchor="t" rtlCol="false" tIns="0" lIns="0" bIns="0" rIns="0">
-            <a:spAutoFit/>
-          </a:bodyPr>
-          <a:lstStyle/>
-          <a:p>
-            <a:pPr algn="ctr">
-              <a:lnSpc>
-                <a:spcPts val="5975"/>
-              </a:lnSpc>
-              <a:spcBef>
-                <a:spcPct val="0"/>
-              </a:spcBef>
-            </a:pPr>
-            <a:r>
-              <a:rPr lang="en-US" sz="4979">
-                <a:solidFill>
-                  <a:srgbClr val="000000"/>
-                </a:solidFill>
-                <a:latin typeface="Handy Casual"/>
-                <a:ea typeface="Handy Casual"/>
-                <a:cs typeface="Handy Casual"/>
-                <a:sym typeface="Handy Casual"/>
-              </a:rPr>
-              <a:t>Flask</a:t>
-            </a:r>
-          </a:p>
-        </p:txBody>
-      </p:sp>
-      <p:sp>
-        <p:nvSpPr>
-          <p:cNvPr name="TextBox 5" id="5"/>
-          <p:cNvSpPr txBox="true"/>
-          <p:nvPr/>
-        </p:nvSpPr>
-        <p:spPr>
-          <a:xfrm rot="0">
-            <a:off x="9777789" y="4316554"/>
-            <a:ext cx="5920958" cy="1190625"/>
-          </a:xfrm>
-          <a:prstGeom prst="rect">
-            <a:avLst/>
-          </a:prstGeom>
-        </p:spPr>
-        <p:txBody>
-          <a:bodyPr anchor="t" rtlCol="false" tIns="0" lIns="0" bIns="0" rIns="0">
-            <a:spAutoFit/>
-          </a:bodyPr>
-          <a:lstStyle/>
-          <a:p>
-            <a:pPr algn="l" marL="848605" indent="-424303" lvl="1">
-              <a:lnSpc>
-                <a:spcPts val="4716"/>
-              </a:lnSpc>
-              <a:buFont typeface="Arial"/>
-              <a:buChar char="•"/>
-            </a:pPr>
-            <a:r>
-              <a:rPr lang="en-US" sz="3930">
-                <a:solidFill>
-                  <a:srgbClr val="000000"/>
-                </a:solidFill>
-                <a:latin typeface="Handy Casual"/>
-                <a:ea typeface="Handy Casual"/>
-                <a:cs typeface="Handy Casual"/>
-                <a:sym typeface="Handy Casual"/>
-              </a:rPr>
-              <a:t>User selects dates, preferences, and attractions</a:t>
-            </a:r>
-          </a:p>
-        </p:txBody>
-      </p:sp>
-      <p:sp>
-        <p:nvSpPr>
-          <p:cNvPr name="Freeform 6" id="6"/>
+          <p:cNvPr name="Freeform 4" id="4"/>
           <p:cNvSpPr/>
           <p:nvPr/>
         </p:nvSpPr>
         <p:spPr>
-          <a:xfrm flipH="false" flipV="false" rot="0">
-            <a:off x="15408091" y="1028700"/>
-            <a:ext cx="1488455" cy="1291398"/>
+          <a:xfrm flipH="false" flipV="true" rot="-3556088">
+            <a:off x="15154953" y="6177736"/>
+            <a:ext cx="3750634" cy="3974660"/>
           </a:xfrm>
           <a:custGeom>
             <a:avLst/>
@@ -3774,21 +3687,21 @@
             <a:cxnLst/>
             <a:rect r="r" b="b" t="t" l="l"/>
             <a:pathLst>
-              <a:path h="1291398" w="1488455">
+              <a:path h="3974660" w="3750634">
                 <a:moveTo>
+                  <a:pt x="0" y="3974660"/>
+                </a:moveTo>
+                <a:lnTo>
+                  <a:pt x="3750634" y="3974660"/>
+                </a:lnTo>
+                <a:lnTo>
+                  <a:pt x="3750634" y="0"/>
+                </a:lnTo>
+                <a:lnTo>
                   <a:pt x="0" y="0"/>
-                </a:moveTo>
-                <a:lnTo>
-                  <a:pt x="1488455" y="0"/>
-                </a:lnTo>
-                <a:lnTo>
-                  <a:pt x="1488455" y="1291398"/>
-                </a:lnTo>
-                <a:lnTo>
-                  <a:pt x="0" y="1291398"/>
-                </a:lnTo>
-                <a:lnTo>
-                  <a:pt x="0" y="0"/>
+                </a:lnTo>
+                <a:lnTo>
+                  <a:pt x="0" y="3974660"/>
                 </a:lnTo>
                 <a:close/>
               </a:path>
@@ -3810,14 +3723,14 @@
       </p:sp>
       <p:sp>
         <p:nvSpPr>
-          <p:cNvPr name="Freeform 7" id="7"/>
+          <p:cNvPr name="Freeform 5" id="5"/>
           <p:cNvSpPr/>
           <p:nvPr/>
         </p:nvSpPr>
         <p:spPr>
-          <a:xfrm flipH="false" flipV="true" rot="-3556088">
-            <a:off x="15154953" y="6177736"/>
-            <a:ext cx="3750634" cy="3974660"/>
+          <a:xfrm flipH="false" flipV="false" rot="0">
+            <a:off x="10796962" y="4379337"/>
+            <a:ext cx="3305923" cy="5056118"/>
           </a:xfrm>
           <a:custGeom>
             <a:avLst/>
@@ -3826,34 +3739,28 @@
             <a:cxnLst/>
             <a:rect r="r" b="b" t="t" l="l"/>
             <a:pathLst>
-              <a:path h="3974660" w="3750634">
+              <a:path h="5056118" w="3305923">
                 <a:moveTo>
-                  <a:pt x="0" y="3974660"/>
+                  <a:pt x="0" y="0"/>
                 </a:moveTo>
                 <a:lnTo>
-                  <a:pt x="3750634" y="3974660"/>
-                </a:lnTo>
-                <a:lnTo>
-                  <a:pt x="3750634" y="0"/>
+                  <a:pt x="3305923" y="0"/>
+                </a:lnTo>
+                <a:lnTo>
+                  <a:pt x="3305923" y="5056118"/>
+                </a:lnTo>
+                <a:lnTo>
+                  <a:pt x="0" y="5056118"/>
                 </a:lnTo>
                 <a:lnTo>
                   <a:pt x="0" y="0"/>
-                </a:lnTo>
-                <a:lnTo>
-                  <a:pt x="0" y="3974660"/>
                 </a:lnTo>
                 <a:close/>
               </a:path>
             </a:pathLst>
           </a:custGeom>
           <a:blipFill>
-            <a:blip r:embed="rId6">
-              <a:extLst>
-                <a:ext uri="{96DAC541-7B7A-43D3-8B79-37D633B846F1}">
-                  <asvg:svgBlip xmlns:asvg="http://schemas.microsoft.com/office/drawing/2016/SVG/main" r:embed="rId7"/>
-                </a:ext>
-              </a:extLst>
-            </a:blip>
+            <a:blip r:embed="rId6"/>
             <a:stretch>
               <a:fillRect l="0" t="0" r="0" b="0"/>
             </a:stretch>
@@ -4340,7 +4247,7 @@
         <p:spPr>
           <a:xfrm rot="0">
             <a:off x="6050185" y="2993269"/>
-            <a:ext cx="7404819" cy="4233787"/>
+            <a:ext cx="7404819" cy="5083883"/>
           </a:xfrm>
           <a:prstGeom prst="rect">
             <a:avLst/>
@@ -4409,6 +4316,26 @@
                 <a:sym typeface="Handy Casual"/>
               </a:rPr>
               <a:t>ML predictions</a:t>
+            </a:r>
+          </a:p>
+          <a:p>
+            <a:pPr algn="l" marL="1090187" indent="-545094" lvl="1">
+              <a:lnSpc>
+                <a:spcPts val="6715"/>
+              </a:lnSpc>
+              <a:buAutoNum type="arabicPeriod" startAt="1"/>
+            </a:pPr>
+            <a:r>
+              <a:rPr lang="en-US" sz="5049" spc="111">
+                <a:solidFill>
+                  <a:srgbClr val="FFFFFF"/>
+                </a:solidFill>
+                <a:latin typeface="Handy Casual"/>
+                <a:ea typeface="Handy Casual"/>
+                <a:cs typeface="Handy Casual"/>
+                <a:sym typeface="Handy Casual"/>
+              </a:rPr>
+              <a:t>Planning algorithm</a:t>
             </a:r>
           </a:p>
           <a:p>
@@ -4959,8 +4886,8 @@
         </p:nvSpPr>
         <p:spPr>
           <a:xfrm flipH="false" flipV="false" rot="0">
-            <a:off x="2069991" y="1943867"/>
-            <a:ext cx="7347649" cy="7187337"/>
+            <a:off x="15408091" y="1028700"/>
+            <a:ext cx="1488455" cy="1291398"/>
           </a:xfrm>
           <a:custGeom>
             <a:avLst/>
@@ -4969,18 +4896,18 @@
             <a:cxnLst/>
             <a:rect r="r" b="b" t="t" l="l"/>
             <a:pathLst>
-              <a:path h="7187337" w="7347649">
+              <a:path h="1291398" w="1488455">
                 <a:moveTo>
                   <a:pt x="0" y="0"/>
                 </a:moveTo>
                 <a:lnTo>
-                  <a:pt x="7347650" y="0"/>
-                </a:lnTo>
-                <a:lnTo>
-                  <a:pt x="7347650" y="7187337"/>
-                </a:lnTo>
-                <a:lnTo>
-                  <a:pt x="0" y="7187337"/>
+                  <a:pt x="1488455" y="0"/>
+                </a:lnTo>
+                <a:lnTo>
+                  <a:pt x="1488455" y="1291398"/>
+                </a:lnTo>
+                <a:lnTo>
+                  <a:pt x="0" y="1291398"/>
                 </a:lnTo>
                 <a:lnTo>
                   <a:pt x="0" y="0"/>
@@ -5005,187 +4932,14 @@
       </p:sp>
       <p:sp>
         <p:nvSpPr>
-          <p:cNvPr name="TextBox 3" id="3"/>
-          <p:cNvSpPr txBox="true"/>
-          <p:nvPr/>
-        </p:nvSpPr>
-        <p:spPr>
-          <a:xfrm rot="0">
-            <a:off x="9777789" y="2959303"/>
-            <a:ext cx="7627468" cy="1140740"/>
-          </a:xfrm>
-          <a:prstGeom prst="rect">
-            <a:avLst/>
-          </a:prstGeom>
-        </p:spPr>
-        <p:txBody>
-          <a:bodyPr anchor="t" rtlCol="false" tIns="0" lIns="0" bIns="0" rIns="0">
-            <a:spAutoFit/>
-          </a:bodyPr>
-          <a:lstStyle/>
-          <a:p>
-            <a:pPr algn="l">
-              <a:lnSpc>
-                <a:spcPts val="8958"/>
-              </a:lnSpc>
-              <a:spcBef>
-                <a:spcPct val="0"/>
-              </a:spcBef>
-            </a:pPr>
-            <a:r>
-              <a:rPr lang="en-US" sz="7465">
-                <a:solidFill>
-                  <a:srgbClr val="000000"/>
-                </a:solidFill>
-                <a:latin typeface="TAN Headline"/>
-                <a:ea typeface="TAN Headline"/>
-                <a:cs typeface="TAN Headline"/>
-                <a:sym typeface="TAN Headline"/>
-              </a:rPr>
-              <a:t>End goal</a:t>
-            </a:r>
-          </a:p>
-        </p:txBody>
-      </p:sp>
-      <p:sp>
-        <p:nvSpPr>
-          <p:cNvPr name="TextBox 4" id="4"/>
-          <p:cNvSpPr txBox="true"/>
-          <p:nvPr/>
-        </p:nvSpPr>
-        <p:spPr>
-          <a:xfrm rot="0">
-            <a:off x="2211760" y="7914319"/>
-            <a:ext cx="6247020" cy="759813"/>
-          </a:xfrm>
-          <a:prstGeom prst="rect">
-            <a:avLst/>
-          </a:prstGeom>
-        </p:spPr>
-        <p:txBody>
-          <a:bodyPr anchor="t" rtlCol="false" tIns="0" lIns="0" bIns="0" rIns="0">
-            <a:spAutoFit/>
-          </a:bodyPr>
-          <a:lstStyle/>
-          <a:p>
-            <a:pPr algn="ctr">
-              <a:lnSpc>
-                <a:spcPts val="5975"/>
-              </a:lnSpc>
-              <a:spcBef>
-                <a:spcPct val="0"/>
-              </a:spcBef>
-            </a:pPr>
-            <a:r>
-              <a:rPr lang="en-US" sz="4979">
-                <a:solidFill>
-                  <a:srgbClr val="000000"/>
-                </a:solidFill>
-                <a:latin typeface="Handy Casual"/>
-                <a:ea typeface="Handy Casual"/>
-                <a:cs typeface="Handy Casual"/>
-                <a:sym typeface="Handy Casual"/>
-              </a:rPr>
-              <a:t>Trip Recommendation</a:t>
-            </a:r>
-          </a:p>
-        </p:txBody>
-      </p:sp>
-      <p:sp>
-        <p:nvSpPr>
-          <p:cNvPr name="TextBox 5" id="5"/>
-          <p:cNvSpPr txBox="true"/>
-          <p:nvPr/>
-        </p:nvSpPr>
-        <p:spPr>
-          <a:xfrm rot="0">
-            <a:off x="9777789" y="4316554"/>
-            <a:ext cx="5920958" cy="4733925"/>
-          </a:xfrm>
-          <a:prstGeom prst="rect">
-            <a:avLst/>
-          </a:prstGeom>
-        </p:spPr>
-        <p:txBody>
-          <a:bodyPr anchor="t" rtlCol="false" tIns="0" lIns="0" bIns="0" rIns="0">
-            <a:spAutoFit/>
-          </a:bodyPr>
-          <a:lstStyle/>
-          <a:p>
-            <a:pPr algn="l" marL="848605" indent="-424303" lvl="1">
-              <a:lnSpc>
-                <a:spcPts val="4716"/>
-              </a:lnSpc>
-              <a:buFont typeface="Arial"/>
-              <a:buChar char="•"/>
-            </a:pPr>
-            <a:r>
-              <a:rPr lang="en-US" sz="3930">
-                <a:solidFill>
-                  <a:srgbClr val="000000"/>
-                </a:solidFill>
-                <a:latin typeface="Handy Casual"/>
-                <a:ea typeface="Handy Casual"/>
-                <a:cs typeface="Handy Casual"/>
-                <a:sym typeface="Handy Casual"/>
-              </a:rPr>
-              <a:t>An interactive Flask application that helps users plan optimal days at Disney World.</a:t>
-            </a:r>
-          </a:p>
-          <a:p>
-            <a:pPr algn="l" marL="848605" indent="-424303" lvl="1">
-              <a:lnSpc>
-                <a:spcPts val="4716"/>
-              </a:lnSpc>
-              <a:buFont typeface="Arial"/>
-              <a:buChar char="•"/>
-            </a:pPr>
-            <a:r>
-              <a:rPr lang="en-US" sz="3930">
-                <a:solidFill>
-                  <a:srgbClr val="000000"/>
-                </a:solidFill>
-                <a:latin typeface="Handy Casual"/>
-                <a:ea typeface="Handy Casual"/>
-                <a:cs typeface="Handy Casual"/>
-                <a:sym typeface="Handy Casual"/>
-              </a:rPr>
-              <a:t>Integration of weather forecasting, crowd prediction, and attraction preferences.</a:t>
-            </a:r>
-          </a:p>
-          <a:p>
-            <a:pPr algn="l" marL="848605" indent="-424303" lvl="1">
-              <a:lnSpc>
-                <a:spcPts val="4716"/>
-              </a:lnSpc>
-              <a:buFont typeface="Arial"/>
-              <a:buChar char="•"/>
-            </a:pPr>
-            <a:r>
-              <a:rPr lang="en-US" sz="3930">
-                <a:solidFill>
-                  <a:srgbClr val="000000"/>
-                </a:solidFill>
-                <a:latin typeface="Handy Casual"/>
-                <a:ea typeface="Handy Casual"/>
-                <a:cs typeface="Handy Casual"/>
-                <a:sym typeface="Handy Casual"/>
-              </a:rPr>
-              <a:t>Clear visual tools (e.g., Flask) for an enhanced experience.</a:t>
-            </a:r>
-          </a:p>
-        </p:txBody>
-      </p:sp>
-      <p:sp>
-        <p:nvSpPr>
-          <p:cNvPr name="Freeform 6" id="6"/>
+          <p:cNvPr name="Freeform 3" id="3"/>
           <p:cNvSpPr/>
           <p:nvPr/>
         </p:nvSpPr>
         <p:spPr>
-          <a:xfrm flipH="false" flipV="false" rot="0">
-            <a:off x="15408091" y="1028700"/>
-            <a:ext cx="1488455" cy="1291398"/>
+          <a:xfrm flipH="false" flipV="true" rot="-3556088">
+            <a:off x="15154953" y="6177736"/>
+            <a:ext cx="3750634" cy="3974660"/>
           </a:xfrm>
           <a:custGeom>
             <a:avLst/>
@@ -5194,21 +4948,21 @@
             <a:cxnLst/>
             <a:rect r="r" b="b" t="t" l="l"/>
             <a:pathLst>
-              <a:path h="1291398" w="1488455">
+              <a:path h="3974660" w="3750634">
                 <a:moveTo>
+                  <a:pt x="0" y="3974660"/>
+                </a:moveTo>
+                <a:lnTo>
+                  <a:pt x="3750634" y="3974660"/>
+                </a:lnTo>
+                <a:lnTo>
+                  <a:pt x="3750634" y="0"/>
+                </a:lnTo>
+                <a:lnTo>
                   <a:pt x="0" y="0"/>
-                </a:moveTo>
-                <a:lnTo>
-                  <a:pt x="1488455" y="0"/>
-                </a:lnTo>
-                <a:lnTo>
-                  <a:pt x="1488455" y="1291398"/>
-                </a:lnTo>
-                <a:lnTo>
-                  <a:pt x="0" y="1291398"/>
-                </a:lnTo>
-                <a:lnTo>
-                  <a:pt x="0" y="0"/>
+                </a:lnTo>
+                <a:lnTo>
+                  <a:pt x="0" y="3974660"/>
                 </a:lnTo>
                 <a:close/>
               </a:path>
@@ -5230,14 +4984,14 @@
       </p:sp>
       <p:sp>
         <p:nvSpPr>
-          <p:cNvPr name="Freeform 7" id="7"/>
+          <p:cNvPr name="Freeform 4" id="4"/>
           <p:cNvSpPr/>
           <p:nvPr/>
         </p:nvSpPr>
         <p:spPr>
-          <a:xfrm flipH="false" flipV="true" rot="-3556088">
-            <a:off x="15154953" y="6177736"/>
-            <a:ext cx="3750634" cy="3974660"/>
+          <a:xfrm flipH="false" flipV="false" rot="0">
+            <a:off x="183329" y="2047089"/>
+            <a:ext cx="9275282" cy="5739081"/>
           </a:xfrm>
           <a:custGeom>
             <a:avLst/>
@@ -5246,34 +5000,28 @@
             <a:cxnLst/>
             <a:rect r="r" b="b" t="t" l="l"/>
             <a:pathLst>
-              <a:path h="3974660" w="3750634">
+              <a:path h="5739081" w="9275282">
                 <a:moveTo>
-                  <a:pt x="0" y="3974660"/>
+                  <a:pt x="0" y="0"/>
                 </a:moveTo>
                 <a:lnTo>
-                  <a:pt x="3750634" y="3974660"/>
-                </a:lnTo>
-                <a:lnTo>
-                  <a:pt x="3750634" y="0"/>
+                  <a:pt x="9275282" y="0"/>
+                </a:lnTo>
+                <a:lnTo>
+                  <a:pt x="9275282" y="5739081"/>
+                </a:lnTo>
+                <a:lnTo>
+                  <a:pt x="0" y="5739081"/>
                 </a:lnTo>
                 <a:lnTo>
                   <a:pt x="0" y="0"/>
-                </a:lnTo>
-                <a:lnTo>
-                  <a:pt x="0" y="3974660"/>
                 </a:lnTo>
                 <a:close/>
               </a:path>
             </a:pathLst>
           </a:custGeom>
           <a:blipFill>
-            <a:blip r:embed="rId6">
-              <a:extLst>
-                <a:ext uri="{96DAC541-7B7A-43D3-8B79-37D633B846F1}">
-                  <asvg:svgBlip xmlns:asvg="http://schemas.microsoft.com/office/drawing/2016/SVG/main" r:embed="rId7"/>
-                </a:ext>
-              </a:extLst>
-            </a:blip>
+            <a:blip r:embed="rId6"/>
             <a:stretch>
               <a:fillRect l="0" t="0" r="0" b="0"/>
             </a:stretch>
@@ -5282,27 +5030,134 @@
       </p:sp>
       <p:sp>
         <p:nvSpPr>
-          <p:cNvPr name="AutoShape 8" id="8"/>
-          <p:cNvSpPr/>
-          <p:nvPr/>
-        </p:nvSpPr>
-        <p:spPr>
-          <a:xfrm>
-            <a:off x="5897880" y="5143500"/>
-            <a:ext cx="6492240" cy="0"/>
-          </a:xfrm>
-          <a:prstGeom prst="line">
+          <p:cNvPr name="TextBox 5" id="5"/>
+          <p:cNvSpPr txBox="true"/>
+          <p:nvPr/>
+        </p:nvSpPr>
+        <p:spPr>
+          <a:xfrm rot="0">
+            <a:off x="9777789" y="2968828"/>
+            <a:ext cx="7627468" cy="1438275"/>
+          </a:xfrm>
+          <a:prstGeom prst="rect">
             <a:avLst/>
           </a:prstGeom>
-          <a:ln cap="flat" w="38100">
-            <a:solidFill>
-              <a:srgbClr val="000000"/>
-            </a:solidFill>
-            <a:prstDash val="solid"/>
-            <a:headEnd type="none" len="sm" w="sm"/>
-            <a:tailEnd type="none" len="sm" w="sm"/>
-          </a:ln>
-        </p:spPr>
+        </p:spPr>
+        <p:txBody>
+          <a:bodyPr anchor="t" rtlCol="false" tIns="0" lIns="0" bIns="0" rIns="0">
+            <a:spAutoFit/>
+          </a:bodyPr>
+          <a:lstStyle/>
+          <a:p>
+            <a:pPr algn="l">
+              <a:lnSpc>
+                <a:spcPts val="11399"/>
+              </a:lnSpc>
+              <a:spcBef>
+                <a:spcPct val="0"/>
+              </a:spcBef>
+            </a:pPr>
+            <a:r>
+              <a:rPr lang="en-US" sz="9499">
+                <a:solidFill>
+                  <a:srgbClr val="000000"/>
+                </a:solidFill>
+                <a:latin typeface="TAN Headline"/>
+                <a:ea typeface="TAN Headline"/>
+                <a:cs typeface="TAN Headline"/>
+                <a:sym typeface="TAN Headline"/>
+              </a:rPr>
+              <a:t>User input</a:t>
+            </a:r>
+          </a:p>
+        </p:txBody>
+      </p:sp>
+      <p:sp>
+        <p:nvSpPr>
+          <p:cNvPr name="TextBox 6" id="6"/>
+          <p:cNvSpPr txBox="true"/>
+          <p:nvPr/>
+        </p:nvSpPr>
+        <p:spPr>
+          <a:xfrm rot="0">
+            <a:off x="1697460" y="8155541"/>
+            <a:ext cx="6247020" cy="759813"/>
+          </a:xfrm>
+          <a:prstGeom prst="rect">
+            <a:avLst/>
+          </a:prstGeom>
+        </p:spPr>
+        <p:txBody>
+          <a:bodyPr anchor="t" rtlCol="false" tIns="0" lIns="0" bIns="0" rIns="0">
+            <a:spAutoFit/>
+          </a:bodyPr>
+          <a:lstStyle/>
+          <a:p>
+            <a:pPr algn="ctr">
+              <a:lnSpc>
+                <a:spcPts val="5975"/>
+              </a:lnSpc>
+              <a:spcBef>
+                <a:spcPct val="0"/>
+              </a:spcBef>
+            </a:pPr>
+            <a:r>
+              <a:rPr lang="en-US" sz="4979">
+                <a:solidFill>
+                  <a:srgbClr val="000000"/>
+                </a:solidFill>
+                <a:latin typeface="Handy Casual"/>
+                <a:ea typeface="Handy Casual"/>
+                <a:cs typeface="Handy Casual"/>
+                <a:sym typeface="Handy Casual"/>
+              </a:rPr>
+              <a:t>Flask</a:t>
+            </a:r>
+          </a:p>
+        </p:txBody>
+      </p:sp>
+      <p:sp>
+        <p:nvSpPr>
+          <p:cNvPr name="TextBox 7" id="7"/>
+          <p:cNvSpPr txBox="true"/>
+          <p:nvPr/>
+        </p:nvSpPr>
+        <p:spPr>
+          <a:xfrm rot="0">
+            <a:off x="9777789" y="4316554"/>
+            <a:ext cx="5920958" cy="1190625"/>
+          </a:xfrm>
+          <a:prstGeom prst="rect">
+            <a:avLst/>
+          </a:prstGeom>
+        </p:spPr>
+        <p:txBody>
+          <a:bodyPr anchor="t" rtlCol="false" tIns="0" lIns="0" bIns="0" rIns="0">
+            <a:spAutoFit/>
+          </a:bodyPr>
+          <a:lstStyle/>
+          <a:p>
+            <a:pPr algn="l" marL="848605" indent="-424303" lvl="1">
+              <a:lnSpc>
+                <a:spcPts val="4716"/>
+              </a:lnSpc>
+              <a:buFont typeface="Arial"/>
+              <a:buChar char="•"/>
+            </a:pPr>
+            <a:r>
+              <a:rPr lang="en-US" sz="3930">
+                <a:solidFill>
+                  <a:srgbClr val="000000"/>
+                </a:solidFill>
+                <a:latin typeface="Handy Casual"/>
+                <a:ea typeface="Handy Casual"/>
+                <a:cs typeface="Handy Casual"/>
+                <a:sym typeface="Handy Casual"/>
+              </a:rPr>
+              <a:t>User selects dates, preferences, and attractions</a:t>
+            </a:r>
+          </a:p>
+        </p:txBody>
       </p:sp>
     </p:spTree>
   </p:cSld>
@@ -5344,8 +5199,8 @@
         </p:nvSpPr>
         <p:spPr>
           <a:xfrm rot="0">
-            <a:off x="2157181" y="6422376"/>
-            <a:ext cx="4199874" cy="1073785"/>
+            <a:off x="9777789" y="4316554"/>
+            <a:ext cx="5920958" cy="4733925"/>
           </a:xfrm>
           <a:prstGeom prst="rect">
             <a:avLst/>
@@ -5357,57 +5212,15 @@
           </a:bodyPr>
           <a:lstStyle/>
           <a:p>
-            <a:pPr algn="ctr">
+            <a:pPr algn="l" marL="848605" indent="-424303" lvl="1">
               <a:lnSpc>
-                <a:spcPts val="4340"/>
+                <a:spcPts val="4716"/>
               </a:lnSpc>
-              <a:spcBef>
-                <a:spcPct val="0"/>
-              </a:spcBef>
+              <a:buFont typeface="Arial"/>
+              <a:buChar char="•"/>
             </a:pPr>
             <a:r>
-              <a:rPr lang="en-US" sz="3100">
-                <a:solidFill>
-                  <a:srgbClr val="000000"/>
-                </a:solidFill>
-                <a:latin typeface="TAN Headline"/>
-                <a:ea typeface="TAN Headline"/>
-                <a:cs typeface="TAN Headline"/>
-                <a:sym typeface="TAN Headline"/>
-              </a:rPr>
-              <a:t>USER INPUT VIA FLASK</a:t>
-            </a:r>
-          </a:p>
-        </p:txBody>
-      </p:sp>
-      <p:sp>
-        <p:nvSpPr>
-          <p:cNvPr name="TextBox 3" id="3"/>
-          <p:cNvSpPr txBox="true"/>
-          <p:nvPr/>
-        </p:nvSpPr>
-        <p:spPr>
-          <a:xfrm rot="0">
-            <a:off x="7044063" y="7416772"/>
-            <a:ext cx="4199874" cy="1627251"/>
-          </a:xfrm>
-          <a:prstGeom prst="rect">
-            <a:avLst/>
-          </a:prstGeom>
-        </p:spPr>
-        <p:txBody>
-          <a:bodyPr anchor="t" rtlCol="false" tIns="0" lIns="0" bIns="0" rIns="0">
-            <a:spAutoFit/>
-          </a:bodyPr>
-          <a:lstStyle/>
-          <a:p>
-            <a:pPr algn="just">
-              <a:lnSpc>
-                <a:spcPts val="2622"/>
-              </a:lnSpc>
-            </a:pPr>
-            <a:r>
-              <a:rPr lang="en-US" sz="2300">
+              <a:rPr lang="en-US" sz="3930">
                 <a:solidFill>
                   <a:srgbClr val="000000"/>
                 </a:solidFill>
@@ -5416,21 +5229,63 @@
                 <a:cs typeface="Handy Casual"/>
                 <a:sym typeface="Handy Casual"/>
               </a:rPr>
-              <a:t>Use Machine Learning technique “Multi output Random Forest Regressor / XGBoost with scikit learn”, using weather forecasts, attraction wait times, and user preferences.</a:t>
-            </a:r>
-          </a:p>
-        </p:txBody>
-      </p:sp>
-      <p:sp>
-        <p:nvSpPr>
-          <p:cNvPr name="Freeform 4" id="4"/>
+              <a:t>An interactive Flask application that helps users plan optimal days at Disney World.</a:t>
+            </a:r>
+          </a:p>
+          <a:p>
+            <a:pPr algn="l" marL="848605" indent="-424303" lvl="1">
+              <a:lnSpc>
+                <a:spcPts val="4716"/>
+              </a:lnSpc>
+              <a:buFont typeface="Arial"/>
+              <a:buChar char="•"/>
+            </a:pPr>
+            <a:r>
+              <a:rPr lang="en-US" sz="3930">
+                <a:solidFill>
+                  <a:srgbClr val="000000"/>
+                </a:solidFill>
+                <a:latin typeface="Handy Casual"/>
+                <a:ea typeface="Handy Casual"/>
+                <a:cs typeface="Handy Casual"/>
+                <a:sym typeface="Handy Casual"/>
+              </a:rPr>
+              <a:t>Integration of weather forecasting, crowd prediction, and attraction preferences.</a:t>
+            </a:r>
+          </a:p>
+          <a:p>
+            <a:pPr algn="l" marL="848605" indent="-424303" lvl="1">
+              <a:lnSpc>
+                <a:spcPts val="4716"/>
+              </a:lnSpc>
+              <a:buFont typeface="Arial"/>
+              <a:buChar char="•"/>
+            </a:pPr>
+            <a:r>
+              <a:rPr lang="en-US" sz="3930">
+                <a:solidFill>
+                  <a:srgbClr val="000000"/>
+                </a:solidFill>
+                <a:latin typeface="Handy Casual"/>
+                <a:ea typeface="Handy Casual"/>
+                <a:cs typeface="Handy Casual"/>
+                <a:sym typeface="Handy Casual"/>
+              </a:rPr>
+              <a:t>Clear visual tools (e.g., Flask) for an enhanced experience.</a:t>
+            </a:r>
+          </a:p>
+        </p:txBody>
+      </p:sp>
+      <p:sp>
+        <p:nvSpPr>
+          <p:cNvPr name="Freeform 3" id="3"/>
           <p:cNvSpPr/>
           <p:nvPr/>
         </p:nvSpPr>
         <p:spPr>
           <a:xfrm flipH="false" flipV="false" rot="0">
-            <a:off x="4593322" y="1589776"/>
-            <a:ext cx="9699658" cy="3103890"/>
+            <a:off x="15408091" y="1028700"/>
+            <a:ext cx="1488455" cy="1291398"/>
           </a:xfrm>
           <a:custGeom>
             <a:avLst/>
@@ -5439,18 +5294,18 @@
             <a:cxnLst/>
             <a:rect r="r" b="b" t="t" l="l"/>
             <a:pathLst>
-              <a:path h="3103890" w="9699658">
+              <a:path h="1291398" w="1488455">
                 <a:moveTo>
                   <a:pt x="0" y="0"/>
                 </a:moveTo>
                 <a:lnTo>
-                  <a:pt x="9699658" y="0"/>
-                </a:lnTo>
-                <a:lnTo>
-                  <a:pt x="9699658" y="3103891"/>
-                </a:lnTo>
-                <a:lnTo>
-                  <a:pt x="0" y="3103891"/>
+                  <a:pt x="1488455" y="0"/>
+                </a:lnTo>
+                <a:lnTo>
+                  <a:pt x="1488455" y="1291398"/>
+                </a:lnTo>
+                <a:lnTo>
+                  <a:pt x="0" y="1291398"/>
                 </a:lnTo>
                 <a:lnTo>
                   <a:pt x="0" y="0"/>
@@ -5475,252 +5330,14 @@
       </p:sp>
       <p:sp>
         <p:nvSpPr>
-          <p:cNvPr name="TextBox 5" id="5"/>
-          <p:cNvSpPr txBox="true"/>
-          <p:nvPr/>
-        </p:nvSpPr>
-        <p:spPr>
-          <a:xfrm rot="-166726">
-            <a:off x="4768944" y="517822"/>
-            <a:ext cx="9365337" cy="4828857"/>
-          </a:xfrm>
-          <a:prstGeom prst="rect">
-            <a:avLst/>
-          </a:prstGeom>
-        </p:spPr>
-        <p:txBody>
-          <a:bodyPr anchor="t" rtlCol="false" tIns="0" lIns="0" bIns="0" rIns="0">
-            <a:spAutoFit/>
-          </a:bodyPr>
-          <a:lstStyle/>
-          <a:p>
-            <a:pPr algn="ctr">
-              <a:lnSpc>
-                <a:spcPts val="7667"/>
-              </a:lnSpc>
-              <a:spcBef>
-                <a:spcPct val="0"/>
-              </a:spcBef>
-            </a:pPr>
-            <a:r>
-              <a:rPr lang="en-US" sz="5477" spc="213">
-                <a:solidFill>
-                  <a:srgbClr val="000000"/>
-                </a:solidFill>
-                <a:latin typeface="TAN Headline"/>
-                <a:ea typeface="TAN Headline"/>
-                <a:cs typeface="TAN Headline"/>
-                <a:sym typeface="TAN Headline"/>
-              </a:rPr>
-              <a:t>SUGGEST THE BEST DAY TO GO TO DISNEY WORLD USING A FLASK TEMPLATE </a:t>
-            </a:r>
-          </a:p>
-        </p:txBody>
-      </p:sp>
-      <p:sp>
-        <p:nvSpPr>
-          <p:cNvPr name="TextBox 6" id="6"/>
-          <p:cNvSpPr txBox="true"/>
-          <p:nvPr/>
-        </p:nvSpPr>
-        <p:spPr>
-          <a:xfrm rot="0">
-            <a:off x="2159597" y="7416772"/>
-            <a:ext cx="4199874" cy="655701"/>
-          </a:xfrm>
-          <a:prstGeom prst="rect">
-            <a:avLst/>
-          </a:prstGeom>
-        </p:spPr>
-        <p:txBody>
-          <a:bodyPr anchor="t" rtlCol="false" tIns="0" lIns="0" bIns="0" rIns="0">
-            <a:spAutoFit/>
-          </a:bodyPr>
-          <a:lstStyle/>
-          <a:p>
-            <a:pPr algn="just">
-              <a:lnSpc>
-                <a:spcPts val="2622"/>
-              </a:lnSpc>
-            </a:pPr>
-            <a:r>
-              <a:rPr lang="en-US" sz="2300">
-                <a:solidFill>
-                  <a:srgbClr val="000000"/>
-                </a:solidFill>
-                <a:latin typeface="Handy Casual"/>
-                <a:ea typeface="Handy Casual"/>
-                <a:cs typeface="Handy Casual"/>
-                <a:sym typeface="Handy Casual"/>
-              </a:rPr>
-              <a:t>Create a Flask app (web-interface) to get the user preferences input</a:t>
-            </a:r>
-          </a:p>
-        </p:txBody>
-      </p:sp>
-      <p:sp>
-        <p:nvSpPr>
-          <p:cNvPr name="TextBox 7" id="7"/>
-          <p:cNvSpPr txBox="true"/>
-          <p:nvPr/>
-        </p:nvSpPr>
-        <p:spPr>
-          <a:xfrm rot="0">
-            <a:off x="7044063" y="6422376"/>
-            <a:ext cx="4199874" cy="530860"/>
-          </a:xfrm>
-          <a:prstGeom prst="rect">
-            <a:avLst/>
-          </a:prstGeom>
-        </p:spPr>
-        <p:txBody>
-          <a:bodyPr anchor="t" rtlCol="false" tIns="0" lIns="0" bIns="0" rIns="0">
-            <a:spAutoFit/>
-          </a:bodyPr>
-          <a:lstStyle/>
-          <a:p>
-            <a:pPr algn="ctr">
-              <a:lnSpc>
-                <a:spcPts val="4340"/>
-              </a:lnSpc>
-              <a:spcBef>
-                <a:spcPct val="0"/>
-              </a:spcBef>
-            </a:pPr>
-            <a:r>
-              <a:rPr lang="en-US" sz="3100">
-                <a:solidFill>
-                  <a:srgbClr val="000000"/>
-                </a:solidFill>
-                <a:latin typeface="TAN Headline"/>
-                <a:ea typeface="TAN Headline"/>
-                <a:cs typeface="TAN Headline"/>
-                <a:sym typeface="TAN Headline"/>
-              </a:rPr>
-              <a:t>RANDOM FOREST</a:t>
-            </a:r>
-          </a:p>
-        </p:txBody>
-      </p:sp>
-      <p:sp>
-        <p:nvSpPr>
-          <p:cNvPr name="TextBox 8" id="8"/>
-          <p:cNvSpPr txBox="true"/>
-          <p:nvPr/>
-        </p:nvSpPr>
-        <p:spPr>
-          <a:xfrm rot="0">
-            <a:off x="12475041" y="7505686"/>
-            <a:ext cx="4199874" cy="979551"/>
-          </a:xfrm>
-          <a:prstGeom prst="rect">
-            <a:avLst/>
-          </a:prstGeom>
-        </p:spPr>
-        <p:txBody>
-          <a:bodyPr anchor="t" rtlCol="false" tIns="0" lIns="0" bIns="0" rIns="0">
-            <a:spAutoFit/>
-          </a:bodyPr>
-          <a:lstStyle/>
-          <a:p>
-            <a:pPr algn="just">
-              <a:lnSpc>
-                <a:spcPts val="2622"/>
-              </a:lnSpc>
-            </a:pPr>
-            <a:r>
-              <a:rPr lang="en-US" sz="2300">
-                <a:solidFill>
-                  <a:srgbClr val="000000"/>
-                </a:solidFill>
-                <a:latin typeface="Handy Casual"/>
-                <a:ea typeface="Handy Casual"/>
-                <a:cs typeface="Handy Casual"/>
-                <a:sym typeface="Handy Casual"/>
-              </a:rPr>
-              <a:t>Recommend optimal visiting times </a:t>
-            </a:r>
-            <a:r>
-              <a:rPr lang="en-US" sz="2300">
-                <a:solidFill>
-                  <a:srgbClr val="000000"/>
-                </a:solidFill>
-                <a:latin typeface="Handy Casual"/>
-                <a:ea typeface="Handy Casual"/>
-                <a:cs typeface="Handy Casual"/>
-                <a:sym typeface="Handy Casual"/>
-              </a:rPr>
-              <a:t>by weather and attraction metrics</a:t>
-            </a:r>
-            <a:r>
-              <a:rPr lang="en-US" sz="2300">
-                <a:solidFill>
-                  <a:srgbClr val="000000"/>
-                </a:solidFill>
-                <a:latin typeface="Handy Casual"/>
-                <a:ea typeface="Handy Casual"/>
-                <a:cs typeface="Handy Casual"/>
-                <a:sym typeface="Handy Casual"/>
-              </a:rPr>
-              <a:t>, displayed via Flask templates.</a:t>
-            </a:r>
-          </a:p>
-        </p:txBody>
-      </p:sp>
-      <p:sp>
-        <p:nvSpPr>
-          <p:cNvPr name="TextBox 9" id="9"/>
-          <p:cNvSpPr txBox="true"/>
-          <p:nvPr/>
-        </p:nvSpPr>
-        <p:spPr>
-          <a:xfrm rot="0">
-            <a:off x="12475041" y="6422376"/>
-            <a:ext cx="4611314" cy="1073785"/>
-          </a:xfrm>
-          <a:prstGeom prst="rect">
-            <a:avLst/>
-          </a:prstGeom>
-        </p:spPr>
-        <p:txBody>
-          <a:bodyPr anchor="t" rtlCol="false" tIns="0" lIns="0" bIns="0" rIns="0">
-            <a:spAutoFit/>
-          </a:bodyPr>
-          <a:lstStyle/>
-          <a:p>
-            <a:pPr algn="ctr">
-              <a:lnSpc>
-                <a:spcPts val="4340"/>
-              </a:lnSpc>
-              <a:spcBef>
-                <a:spcPct val="0"/>
-              </a:spcBef>
-            </a:pPr>
-            <a:r>
-              <a:rPr lang="en-US" sz="3100">
-                <a:solidFill>
-                  <a:srgbClr val="000000"/>
-                </a:solidFill>
-                <a:latin typeface="TAN Headline"/>
-                <a:ea typeface="TAN Headline"/>
-                <a:cs typeface="TAN Headline"/>
-                <a:sym typeface="TAN Headline"/>
-              </a:rPr>
-              <a:t>TRIP RECOMMENDATION </a:t>
-            </a:r>
-          </a:p>
-        </p:txBody>
-      </p:sp>
-      <p:sp>
-        <p:nvSpPr>
-          <p:cNvPr name="Freeform 10" id="10"/>
+          <p:cNvPr name="Freeform 4" id="4"/>
           <p:cNvSpPr/>
           <p:nvPr/>
         </p:nvSpPr>
         <p:spPr>
-          <a:xfrm flipH="false" flipV="false" rot="0">
-            <a:off x="11708006" y="3655167"/>
-            <a:ext cx="2537821" cy="1172012"/>
+          <a:xfrm flipH="false" flipV="true" rot="-3556088">
+            <a:off x="15154953" y="6177736"/>
+            <a:ext cx="3750634" cy="3974660"/>
           </a:xfrm>
           <a:custGeom>
             <a:avLst/>
@@ -5729,21 +5346,21 @@
             <a:cxnLst/>
             <a:rect r="r" b="b" t="t" l="l"/>
             <a:pathLst>
-              <a:path h="1172012" w="2537821">
+              <a:path h="3974660" w="3750634">
                 <a:moveTo>
+                  <a:pt x="0" y="3974660"/>
+                </a:moveTo>
+                <a:lnTo>
+                  <a:pt x="3750634" y="3974660"/>
+                </a:lnTo>
+                <a:lnTo>
+                  <a:pt x="3750634" y="0"/>
+                </a:lnTo>
+                <a:lnTo>
                   <a:pt x="0" y="0"/>
-                </a:moveTo>
-                <a:lnTo>
-                  <a:pt x="2537820" y="0"/>
-                </a:lnTo>
-                <a:lnTo>
-                  <a:pt x="2537820" y="1172011"/>
-                </a:lnTo>
-                <a:lnTo>
-                  <a:pt x="0" y="1172011"/>
-                </a:lnTo>
-                <a:lnTo>
-                  <a:pt x="0" y="0"/>
+                </a:lnTo>
+                <a:lnTo>
+                  <a:pt x="0" y="3974660"/>
                 </a:lnTo>
                 <a:close/>
               </a:path>
@@ -5765,14 +5382,38 @@
       </p:sp>
       <p:sp>
         <p:nvSpPr>
-          <p:cNvPr name="Freeform 11" id="11"/>
+          <p:cNvPr name="AutoShape 5" id="5"/>
           <p:cNvSpPr/>
           <p:nvPr/>
         </p:nvSpPr>
         <p:spPr>
-          <a:xfrm flipH="false" flipV="false" rot="-491967">
-            <a:off x="4392492" y="950145"/>
-            <a:ext cx="2241878" cy="2042147"/>
+          <a:xfrm>
+            <a:off x="5897880" y="5143500"/>
+            <a:ext cx="6492240" cy="0"/>
+          </a:xfrm>
+          <a:prstGeom prst="line">
+            <a:avLst/>
+          </a:prstGeom>
+          <a:ln cap="flat" w="38100">
+            <a:solidFill>
+              <a:srgbClr val="000000"/>
+            </a:solidFill>
+            <a:prstDash val="solid"/>
+            <a:headEnd type="none" len="sm" w="sm"/>
+            <a:tailEnd type="none" len="sm" w="sm"/>
+          </a:ln>
+        </p:spPr>
+      </p:sp>
+      <p:sp>
+        <p:nvSpPr>
+          <p:cNvPr name="Freeform 6" id="6"/>
+          <p:cNvSpPr/>
+          <p:nvPr/>
+        </p:nvSpPr>
+        <p:spPr>
+          <a:xfrm flipH="false" flipV="false" rot="0">
+            <a:off x="217076" y="2968828"/>
+            <a:ext cx="9293277" cy="4502869"/>
           </a:xfrm>
           <a:custGeom>
             <a:avLst/>
@@ -5781,18 +5422,18 @@
             <a:cxnLst/>
             <a:rect r="r" b="b" t="t" l="l"/>
             <a:pathLst>
-              <a:path h="2042147" w="2241878">
+              <a:path h="4502869" w="9293277">
                 <a:moveTo>
                   <a:pt x="0" y="0"/>
                 </a:moveTo>
                 <a:lnTo>
-                  <a:pt x="2241878" y="0"/>
-                </a:lnTo>
-                <a:lnTo>
-                  <a:pt x="2241878" y="2042147"/>
-                </a:lnTo>
-                <a:lnTo>
-                  <a:pt x="0" y="2042147"/>
+                  <a:pt x="9293277" y="0"/>
+                </a:lnTo>
+                <a:lnTo>
+                  <a:pt x="9293277" y="4502869"/>
+                </a:lnTo>
+                <a:lnTo>
+                  <a:pt x="0" y="4502869"/>
                 </a:lnTo>
                 <a:lnTo>
                   <a:pt x="0" y="0"/>
@@ -5802,13 +5443,7 @@
             </a:pathLst>
           </a:custGeom>
           <a:blipFill>
-            <a:blip r:embed="rId6">
-              <a:extLst>
-                <a:ext uri="{96DAC541-7B7A-43D3-8B79-37D633B846F1}">
-                  <asvg:svgBlip xmlns:asvg="http://schemas.microsoft.com/office/drawing/2016/SVG/main" r:embed="rId7"/>
-                </a:ext>
-              </a:extLst>
-            </a:blip>
+            <a:blip r:embed="rId6"/>
             <a:stretch>
               <a:fillRect l="0" t="0" r="0" b="0"/>
             </a:stretch>
@@ -5817,211 +5452,91 @@
       </p:sp>
       <p:sp>
         <p:nvSpPr>
-          <p:cNvPr name="Freeform 12" id="12"/>
-          <p:cNvSpPr/>
-          <p:nvPr/>
-        </p:nvSpPr>
-        <p:spPr>
-          <a:xfrm flipH="false" flipV="true" rot="4706294">
-            <a:off x="-104297" y="1286525"/>
-            <a:ext cx="3895386" cy="4128059"/>
-          </a:xfrm>
-          <a:custGeom>
-            <a:avLst/>
-            <a:gdLst/>
-            <a:ahLst/>
-            <a:cxnLst/>
-            <a:rect r="r" b="b" t="t" l="l"/>
-            <a:pathLst>
-              <a:path h="4128059" w="3895386">
-                <a:moveTo>
-                  <a:pt x="0" y="4128058"/>
-                </a:moveTo>
-                <a:lnTo>
-                  <a:pt x="3895387" y="4128058"/>
-                </a:lnTo>
-                <a:lnTo>
-                  <a:pt x="3895387" y="0"/>
-                </a:lnTo>
-                <a:lnTo>
-                  <a:pt x="0" y="0"/>
-                </a:lnTo>
-                <a:lnTo>
-                  <a:pt x="0" y="4128058"/>
-                </a:lnTo>
-                <a:close/>
-              </a:path>
-            </a:pathLst>
-          </a:custGeom>
-          <a:blipFill>
-            <a:blip r:embed="rId8">
-              <a:extLst>
-                <a:ext uri="{96DAC541-7B7A-43D3-8B79-37D633B846F1}">
-                  <asvg:svgBlip xmlns:asvg="http://schemas.microsoft.com/office/drawing/2016/SVG/main" r:embed="rId9"/>
-                </a:ext>
-              </a:extLst>
-            </a:blip>
-            <a:stretch>
-              <a:fillRect l="0" t="0" r="0" b="0"/>
-            </a:stretch>
-          </a:blipFill>
-        </p:spPr>
-      </p:sp>
-      <p:sp>
-        <p:nvSpPr>
-          <p:cNvPr name="Freeform 13" id="13"/>
-          <p:cNvSpPr/>
-          <p:nvPr/>
-        </p:nvSpPr>
-        <p:spPr>
-          <a:xfrm flipH="false" flipV="false" rot="-1568932">
-            <a:off x="15725241" y="2538573"/>
-            <a:ext cx="1447775" cy="2075662"/>
-          </a:xfrm>
-          <a:custGeom>
-            <a:avLst/>
-            <a:gdLst/>
-            <a:ahLst/>
-            <a:cxnLst/>
-            <a:rect r="r" b="b" t="t" l="l"/>
-            <a:pathLst>
-              <a:path h="2075662" w="1447775">
-                <a:moveTo>
-                  <a:pt x="0" y="0"/>
-                </a:moveTo>
-                <a:lnTo>
-                  <a:pt x="1447774" y="0"/>
-                </a:lnTo>
-                <a:lnTo>
-                  <a:pt x="1447774" y="2075662"/>
-                </a:lnTo>
-                <a:lnTo>
-                  <a:pt x="0" y="2075662"/>
-                </a:lnTo>
-                <a:lnTo>
-                  <a:pt x="0" y="0"/>
-                </a:lnTo>
-                <a:close/>
-              </a:path>
-            </a:pathLst>
-          </a:custGeom>
-          <a:blipFill>
-            <a:blip r:embed="rId10">
-              <a:extLst>
-                <a:ext uri="{96DAC541-7B7A-43D3-8B79-37D633B846F1}">
-                  <asvg:svgBlip xmlns:asvg="http://schemas.microsoft.com/office/drawing/2016/SVG/main" r:embed="rId11"/>
-                </a:ext>
-              </a:extLst>
-            </a:blip>
-            <a:stretch>
-              <a:fillRect l="0" t="0" r="0" b="0"/>
-            </a:stretch>
-          </a:blipFill>
-        </p:spPr>
-      </p:sp>
-      <p:sp>
-        <p:nvSpPr>
-          <p:cNvPr name="Freeform 14" id="14"/>
-          <p:cNvSpPr/>
-          <p:nvPr/>
-        </p:nvSpPr>
-        <p:spPr>
-          <a:xfrm flipH="false" flipV="false" rot="0">
-            <a:off x="10538197" y="0"/>
-            <a:ext cx="10083238" cy="1393320"/>
-          </a:xfrm>
-          <a:custGeom>
-            <a:avLst/>
-            <a:gdLst/>
-            <a:ahLst/>
-            <a:cxnLst/>
-            <a:rect r="r" b="b" t="t" l="l"/>
-            <a:pathLst>
-              <a:path h="1393320" w="10083238">
-                <a:moveTo>
-                  <a:pt x="0" y="0"/>
-                </a:moveTo>
-                <a:lnTo>
-                  <a:pt x="10083238" y="0"/>
-                </a:lnTo>
-                <a:lnTo>
-                  <a:pt x="10083238" y="1393320"/>
-                </a:lnTo>
-                <a:lnTo>
-                  <a:pt x="0" y="1393320"/>
-                </a:lnTo>
-                <a:lnTo>
-                  <a:pt x="0" y="0"/>
-                </a:lnTo>
-                <a:close/>
-              </a:path>
-            </a:pathLst>
-          </a:custGeom>
-          <a:blipFill>
-            <a:blip r:embed="rId12">
-              <a:extLst>
-                <a:ext uri="{96DAC541-7B7A-43D3-8B79-37D633B846F1}">
-                  <asvg:svgBlip xmlns:asvg="http://schemas.microsoft.com/office/drawing/2016/SVG/main" r:embed="rId13"/>
-                </a:ext>
-              </a:extLst>
-            </a:blip>
-            <a:stretch>
-              <a:fillRect l="0" t="0" r="0" b="0"/>
-            </a:stretch>
-          </a:blipFill>
-        </p:spPr>
-      </p:sp>
-      <p:sp>
-        <p:nvSpPr>
-          <p:cNvPr name="Freeform 15" id="15"/>
-          <p:cNvSpPr/>
-          <p:nvPr/>
-        </p:nvSpPr>
-        <p:spPr>
-          <a:xfrm flipH="false" flipV="false" rot="-10800000">
-            <a:off x="-4098675" y="8905418"/>
-            <a:ext cx="9279203" cy="2078243"/>
-          </a:xfrm>
-          <a:custGeom>
-            <a:avLst/>
-            <a:gdLst/>
-            <a:ahLst/>
-            <a:cxnLst/>
-            <a:rect r="r" b="b" t="t" l="l"/>
-            <a:pathLst>
-              <a:path h="2078243" w="9279203">
-                <a:moveTo>
-                  <a:pt x="0" y="0"/>
-                </a:moveTo>
-                <a:lnTo>
-                  <a:pt x="9279203" y="0"/>
-                </a:lnTo>
-                <a:lnTo>
-                  <a:pt x="9279203" y="2078242"/>
-                </a:lnTo>
-                <a:lnTo>
-                  <a:pt x="0" y="2078242"/>
-                </a:lnTo>
-                <a:lnTo>
-                  <a:pt x="0" y="0"/>
-                </a:lnTo>
-                <a:close/>
-              </a:path>
-            </a:pathLst>
-          </a:custGeom>
-          <a:blipFill>
-            <a:blip r:embed="rId12">
-              <a:extLst>
-                <a:ext uri="{96DAC541-7B7A-43D3-8B79-37D633B846F1}">
-                  <asvg:svgBlip xmlns:asvg="http://schemas.microsoft.com/office/drawing/2016/SVG/main" r:embed="rId13"/>
-                </a:ext>
-              </a:extLst>
-            </a:blip>
-            <a:stretch>
-              <a:fillRect l="-62081" t="0" r="0" b="0"/>
-            </a:stretch>
-          </a:blipFill>
-        </p:spPr>
+          <p:cNvPr name="TextBox 7" id="7"/>
+          <p:cNvSpPr txBox="true"/>
+          <p:nvPr/>
+        </p:nvSpPr>
+        <p:spPr>
+          <a:xfrm rot="0">
+            <a:off x="9777789" y="2959303"/>
+            <a:ext cx="7627468" cy="1140740"/>
+          </a:xfrm>
+          <a:prstGeom prst="rect">
+            <a:avLst/>
+          </a:prstGeom>
+        </p:spPr>
+        <p:txBody>
+          <a:bodyPr anchor="t" rtlCol="false" tIns="0" lIns="0" bIns="0" rIns="0">
+            <a:spAutoFit/>
+          </a:bodyPr>
+          <a:lstStyle/>
+          <a:p>
+            <a:pPr algn="l">
+              <a:lnSpc>
+                <a:spcPts val="8958"/>
+              </a:lnSpc>
+              <a:spcBef>
+                <a:spcPct val="0"/>
+              </a:spcBef>
+            </a:pPr>
+            <a:r>
+              <a:rPr lang="en-US" sz="7465">
+                <a:solidFill>
+                  <a:srgbClr val="000000"/>
+                </a:solidFill>
+                <a:latin typeface="TAN Headline"/>
+                <a:ea typeface="TAN Headline"/>
+                <a:cs typeface="TAN Headline"/>
+                <a:sym typeface="TAN Headline"/>
+              </a:rPr>
+              <a:t>End goal</a:t>
+            </a:r>
+          </a:p>
+        </p:txBody>
+      </p:sp>
+      <p:sp>
+        <p:nvSpPr>
+          <p:cNvPr name="TextBox 8" id="8"/>
+          <p:cNvSpPr txBox="true"/>
+          <p:nvPr/>
+        </p:nvSpPr>
+        <p:spPr>
+          <a:xfrm rot="0">
+            <a:off x="1740204" y="7462172"/>
+            <a:ext cx="6247020" cy="759813"/>
+          </a:xfrm>
+          <a:prstGeom prst="rect">
+            <a:avLst/>
+          </a:prstGeom>
+        </p:spPr>
+        <p:txBody>
+          <a:bodyPr anchor="t" rtlCol="false" tIns="0" lIns="0" bIns="0" rIns="0">
+            <a:spAutoFit/>
+          </a:bodyPr>
+          <a:lstStyle/>
+          <a:p>
+            <a:pPr algn="ctr">
+              <a:lnSpc>
+                <a:spcPts val="5975"/>
+              </a:lnSpc>
+              <a:spcBef>
+                <a:spcPct val="0"/>
+              </a:spcBef>
+            </a:pPr>
+            <a:r>
+              <a:rPr lang="en-US" sz="4979">
+                <a:solidFill>
+                  <a:srgbClr val="000000"/>
+                </a:solidFill>
+                <a:latin typeface="Handy Casual"/>
+                <a:ea typeface="Handy Casual"/>
+                <a:cs typeface="Handy Casual"/>
+                <a:sym typeface="Handy Casual"/>
+              </a:rPr>
+              <a:t>Trip Recommendation</a:t>
+            </a:r>
+          </a:p>
+        </p:txBody>
       </p:sp>
     </p:spTree>
   </p:cSld>
@@ -6057,260 +5572,58 @@
       </p:grpSpPr>
       <p:sp>
         <p:nvSpPr>
-          <p:cNvPr name="Freeform 2" id="2"/>
-          <p:cNvSpPr/>
-          <p:nvPr/>
-        </p:nvSpPr>
-        <p:spPr>
-          <a:xfrm flipH="false" flipV="false" rot="0">
-            <a:off x="1028700" y="2045267"/>
-            <a:ext cx="1147738" cy="1275265"/>
-          </a:xfrm>
-          <a:custGeom>
-            <a:avLst/>
-            <a:gdLst/>
-            <a:ahLst/>
-            <a:cxnLst/>
-            <a:rect r="r" b="b" t="t" l="l"/>
-            <a:pathLst>
-              <a:path h="1275265" w="1147738">
-                <a:moveTo>
-                  <a:pt x="0" y="0"/>
-                </a:moveTo>
-                <a:lnTo>
-                  <a:pt x="1147738" y="0"/>
-                </a:lnTo>
-                <a:lnTo>
-                  <a:pt x="1147738" y="1275265"/>
-                </a:lnTo>
-                <a:lnTo>
-                  <a:pt x="0" y="1275265"/>
-                </a:lnTo>
-                <a:lnTo>
-                  <a:pt x="0" y="0"/>
-                </a:lnTo>
-                <a:close/>
-              </a:path>
-            </a:pathLst>
-          </a:custGeom>
-          <a:blipFill>
-            <a:blip r:embed="rId2"/>
-            <a:stretch>
-              <a:fillRect l="0" t="0" r="0" b="0"/>
-            </a:stretch>
-          </a:blipFill>
-        </p:spPr>
-      </p:sp>
-      <p:sp>
-        <p:nvSpPr>
-          <p:cNvPr name="Freeform 3" id="3"/>
-          <p:cNvSpPr/>
-          <p:nvPr/>
-        </p:nvSpPr>
-        <p:spPr>
-          <a:xfrm flipH="false" flipV="false" rot="0">
-            <a:off x="1028700" y="4341945"/>
-            <a:ext cx="1626615" cy="1738027"/>
-          </a:xfrm>
-          <a:custGeom>
-            <a:avLst/>
-            <a:gdLst/>
-            <a:ahLst/>
-            <a:cxnLst/>
-            <a:rect r="r" b="b" t="t" l="l"/>
-            <a:pathLst>
-              <a:path h="1738027" w="1626615">
-                <a:moveTo>
-                  <a:pt x="0" y="0"/>
-                </a:moveTo>
-                <a:lnTo>
-                  <a:pt x="1626615" y="0"/>
-                </a:lnTo>
-                <a:lnTo>
-                  <a:pt x="1626615" y="1738027"/>
-                </a:lnTo>
-                <a:lnTo>
-                  <a:pt x="0" y="1738027"/>
-                </a:lnTo>
-                <a:lnTo>
-                  <a:pt x="0" y="0"/>
-                </a:lnTo>
-                <a:close/>
-              </a:path>
-            </a:pathLst>
-          </a:custGeom>
-          <a:blipFill>
-            <a:blip r:embed="rId3"/>
-            <a:stretch>
-              <a:fillRect l="0" t="0" r="0" b="0"/>
-            </a:stretch>
-          </a:blipFill>
-        </p:spPr>
-      </p:sp>
-      <p:pic>
-        <p:nvPicPr>
-          <p:cNvPr name="Picture 4" id="4"/>
-          <p:cNvPicPr>
-            <a:picLocks noChangeAspect="true"/>
-          </p:cNvPicPr>
-          <p:nvPr/>
-        </p:nvPicPr>
-        <p:blipFill>
-          <a:blip r:embed="rId4"/>
-          <a:srcRect l="0" t="0" r="0" b="0"/>
-          <a:stretch>
-            <a:fillRect/>
-          </a:stretch>
-        </p:blipFill>
-        <p:spPr>
-          <a:xfrm flipH="false" flipV="false" rot="0">
-            <a:off x="4336767" y="2045267"/>
-            <a:ext cx="1275265" cy="1275265"/>
+          <p:cNvPr name="TextBox 2" id="2"/>
+          <p:cNvSpPr txBox="true"/>
+          <p:nvPr/>
+        </p:nvSpPr>
+        <p:spPr>
+          <a:xfrm rot="0">
+            <a:off x="2157181" y="6422376"/>
+            <a:ext cx="4199874" cy="1073785"/>
           </a:xfrm>
           <a:prstGeom prst="rect">
             <a:avLst/>
           </a:prstGeom>
         </p:spPr>
-      </p:pic>
-      <p:pic>
-        <p:nvPicPr>
-          <p:cNvPr name="Picture 5" id="5"/>
-          <p:cNvPicPr>
-            <a:picLocks noChangeAspect="true"/>
-          </p:cNvPicPr>
-          <p:nvPr/>
-        </p:nvPicPr>
-        <p:blipFill>
-          <a:blip r:embed="rId4"/>
-          <a:srcRect l="0" t="0" r="0" b="0"/>
-          <a:stretch>
-            <a:fillRect/>
-          </a:stretch>
-        </p:blipFill>
-        <p:spPr>
-          <a:xfrm flipH="false" flipV="false" rot="0">
-            <a:off x="4533317" y="4573327"/>
-            <a:ext cx="1275265" cy="1275265"/>
-          </a:xfrm>
-          <a:prstGeom prst="rect">
-            <a:avLst/>
-          </a:prstGeom>
-        </p:spPr>
-      </p:pic>
-      <p:sp>
-        <p:nvSpPr>
-          <p:cNvPr name="Freeform 6" id="6"/>
-          <p:cNvSpPr/>
-          <p:nvPr/>
-        </p:nvSpPr>
-        <p:spPr>
-          <a:xfrm flipH="false" flipV="false" rot="0">
-            <a:off x="4336767" y="7553512"/>
-            <a:ext cx="1610559" cy="1610559"/>
-          </a:xfrm>
-          <a:custGeom>
-            <a:avLst/>
-            <a:gdLst/>
-            <a:ahLst/>
-            <a:cxnLst/>
-            <a:rect r="r" b="b" t="t" l="l"/>
-            <a:pathLst>
-              <a:path h="1610559" w="1610559">
-                <a:moveTo>
-                  <a:pt x="0" y="0"/>
-                </a:moveTo>
-                <a:lnTo>
-                  <a:pt x="1610558" y="0"/>
-                </a:lnTo>
-                <a:lnTo>
-                  <a:pt x="1610558" y="1610559"/>
-                </a:lnTo>
-                <a:lnTo>
-                  <a:pt x="0" y="1610559"/>
-                </a:lnTo>
-                <a:lnTo>
-                  <a:pt x="0" y="0"/>
-                </a:lnTo>
-                <a:close/>
-              </a:path>
-            </a:pathLst>
-          </a:custGeom>
-          <a:blipFill>
-            <a:blip r:embed="rId5">
-              <a:extLst>
-                <a:ext uri="{96DAC541-7B7A-43D3-8B79-37D633B846F1}">
-                  <asvg:svgBlip xmlns:asvg="http://schemas.microsoft.com/office/drawing/2016/SVG/main" r:embed="rId6"/>
-                </a:ext>
-              </a:extLst>
-            </a:blip>
-            <a:stretch>
-              <a:fillRect l="0" t="0" r="0" b="0"/>
-            </a:stretch>
-          </a:blipFill>
-        </p:spPr>
-      </p:sp>
-      <p:sp>
-        <p:nvSpPr>
-          <p:cNvPr name="Freeform 7" id="7"/>
-          <p:cNvSpPr/>
-          <p:nvPr/>
-        </p:nvSpPr>
-        <p:spPr>
-          <a:xfrm flipH="false" flipV="false" rot="0">
-            <a:off x="7485436" y="355001"/>
-            <a:ext cx="2931729" cy="1210357"/>
-          </a:xfrm>
-          <a:custGeom>
-            <a:avLst/>
-            <a:gdLst/>
-            <a:ahLst/>
-            <a:cxnLst/>
-            <a:rect r="r" b="b" t="t" l="l"/>
-            <a:pathLst>
-              <a:path h="1210357" w="2931729">
-                <a:moveTo>
-                  <a:pt x="0" y="0"/>
-                </a:moveTo>
-                <a:lnTo>
-                  <a:pt x="2931729" y="0"/>
-                </a:lnTo>
-                <a:lnTo>
-                  <a:pt x="2931729" y="1210357"/>
-                </a:lnTo>
-                <a:lnTo>
-                  <a:pt x="0" y="1210357"/>
-                </a:lnTo>
-                <a:lnTo>
-                  <a:pt x="0" y="0"/>
-                </a:lnTo>
-                <a:close/>
-              </a:path>
-            </a:pathLst>
-          </a:custGeom>
-          <a:blipFill>
-            <a:blip r:embed="rId7">
-              <a:extLst>
-                <a:ext uri="{96DAC541-7B7A-43D3-8B79-37D633B846F1}">
-                  <asvg:svgBlip xmlns:asvg="http://schemas.microsoft.com/office/drawing/2016/SVG/main" r:embed="rId8"/>
-                </a:ext>
-              </a:extLst>
-            </a:blip>
-            <a:stretch>
-              <a:fillRect l="0" t="0" r="0" b="0"/>
-            </a:stretch>
-          </a:blipFill>
-        </p:spPr>
-      </p:sp>
-      <p:sp>
-        <p:nvSpPr>
-          <p:cNvPr name="TextBox 8" id="8"/>
+        <p:txBody>
+          <a:bodyPr anchor="t" rtlCol="false" tIns="0" lIns="0" bIns="0" rIns="0">
+            <a:spAutoFit/>
+          </a:bodyPr>
+          <a:lstStyle/>
+          <a:p>
+            <a:pPr algn="ctr">
+              <a:lnSpc>
+                <a:spcPts val="4340"/>
+              </a:lnSpc>
+              <a:spcBef>
+                <a:spcPct val="0"/>
+              </a:spcBef>
+            </a:pPr>
+            <a:r>
+              <a:rPr lang="en-US" sz="3100">
+                <a:solidFill>
+                  <a:srgbClr val="000000"/>
+                </a:solidFill>
+                <a:latin typeface="TAN Headline"/>
+                <a:ea typeface="TAN Headline"/>
+                <a:cs typeface="TAN Headline"/>
+                <a:sym typeface="TAN Headline"/>
+              </a:rPr>
+              <a:t>USER INPUT VIA FLASK</a:t>
+            </a:r>
+          </a:p>
+        </p:txBody>
+      </p:sp>
+      <p:sp>
+        <p:nvSpPr>
+          <p:cNvPr name="TextBox 3" id="3"/>
           <p:cNvSpPr txBox="true"/>
           <p:nvPr/>
         </p:nvSpPr>
         <p:spPr>
           <a:xfrm rot="0">
-            <a:off x="1028700" y="6998340"/>
-            <a:ext cx="2853281" cy="331851"/>
+            <a:off x="7044063" y="7416772"/>
+            <a:ext cx="4199874" cy="1303401"/>
           </a:xfrm>
           <a:prstGeom prst="rect">
             <a:avLst/>
@@ -6337,21 +5650,117 @@
                 <a:cs typeface="Handy Casual"/>
                 <a:sym typeface="Handy Casual"/>
               </a:rPr>
-              <a:t>data/overview data</a:t>
-            </a:r>
-          </a:p>
-        </p:txBody>
-      </p:sp>
-      <p:sp>
-        <p:nvSpPr>
-          <p:cNvPr name="TextBox 9" id="9"/>
+              <a:t>Use Machine Learning technique “Multi output XGBoost with scikit learn”, using weather forecasts, attraction wait times, and user preferences.</a:t>
+            </a:r>
+          </a:p>
+        </p:txBody>
+      </p:sp>
+      <p:sp>
+        <p:nvSpPr>
+          <p:cNvPr name="Freeform 4" id="4"/>
+          <p:cNvSpPr/>
+          <p:nvPr/>
+        </p:nvSpPr>
+        <p:spPr>
+          <a:xfrm flipH="false" flipV="false" rot="0">
+            <a:off x="4593322" y="1589776"/>
+            <a:ext cx="9699658" cy="3103890"/>
+          </a:xfrm>
+          <a:custGeom>
+            <a:avLst/>
+            <a:gdLst/>
+            <a:ahLst/>
+            <a:cxnLst/>
+            <a:rect r="r" b="b" t="t" l="l"/>
+            <a:pathLst>
+              <a:path h="3103890" w="9699658">
+                <a:moveTo>
+                  <a:pt x="0" y="0"/>
+                </a:moveTo>
+                <a:lnTo>
+                  <a:pt x="9699658" y="0"/>
+                </a:lnTo>
+                <a:lnTo>
+                  <a:pt x="9699658" y="3103891"/>
+                </a:lnTo>
+                <a:lnTo>
+                  <a:pt x="0" y="3103891"/>
+                </a:lnTo>
+                <a:lnTo>
+                  <a:pt x="0" y="0"/>
+                </a:lnTo>
+                <a:close/>
+              </a:path>
+            </a:pathLst>
+          </a:custGeom>
+          <a:blipFill>
+            <a:blip r:embed="rId2">
+              <a:extLst>
+                <a:ext uri="{96DAC541-7B7A-43D3-8B79-37D633B846F1}">
+                  <asvg:svgBlip xmlns:asvg="http://schemas.microsoft.com/office/drawing/2016/SVG/main" r:embed="rId3"/>
+                </a:ext>
+              </a:extLst>
+            </a:blip>
+            <a:stretch>
+              <a:fillRect l="0" t="0" r="0" b="0"/>
+            </a:stretch>
+          </a:blipFill>
+        </p:spPr>
+      </p:sp>
+      <p:sp>
+        <p:nvSpPr>
+          <p:cNvPr name="TextBox 5" id="5"/>
           <p:cNvSpPr txBox="true"/>
           <p:nvPr/>
         </p:nvSpPr>
         <p:spPr>
+          <a:xfrm rot="-166726">
+            <a:off x="4768944" y="517822"/>
+            <a:ext cx="9365337" cy="4828857"/>
+          </a:xfrm>
+          <a:prstGeom prst="rect">
+            <a:avLst/>
+          </a:prstGeom>
+        </p:spPr>
+        <p:txBody>
+          <a:bodyPr anchor="t" rtlCol="false" tIns="0" lIns="0" bIns="0" rIns="0">
+            <a:spAutoFit/>
+          </a:bodyPr>
+          <a:lstStyle/>
+          <a:p>
+            <a:pPr algn="ctr">
+              <a:lnSpc>
+                <a:spcPts val="7667"/>
+              </a:lnSpc>
+              <a:spcBef>
+                <a:spcPct val="0"/>
+              </a:spcBef>
+            </a:pPr>
+            <a:r>
+              <a:rPr lang="en-US" sz="5477" spc="213">
+                <a:solidFill>
+                  <a:srgbClr val="000000"/>
+                </a:solidFill>
+                <a:latin typeface="TAN Headline"/>
+                <a:ea typeface="TAN Headline"/>
+                <a:cs typeface="TAN Headline"/>
+                <a:sym typeface="TAN Headline"/>
+              </a:rPr>
+              <a:t>SUGGEST THE BEST DAY TO GO TO DISNEY WORLD USING A FLASK WEBBASED APP </a:t>
+            </a:r>
+          </a:p>
+        </p:txBody>
+      </p:sp>
+      <p:sp>
+        <p:nvSpPr>
+          <p:cNvPr name="TextBox 6" id="6"/>
+          <p:cNvSpPr txBox="true"/>
+          <p:nvPr/>
+        </p:nvSpPr>
+        <p:spPr>
           <a:xfrm rot="0">
-            <a:off x="4336767" y="3330057"/>
-            <a:ext cx="2168947" cy="331851"/>
+            <a:off x="2159597" y="7416772"/>
+            <a:ext cx="4199874" cy="655701"/>
           </a:xfrm>
           <a:prstGeom prst="rect">
             <a:avLst/>
@@ -6378,21 +5787,65 @@
                 <a:cs typeface="Handy Casual"/>
                 <a:sym typeface="Handy Casual"/>
               </a:rPr>
-              <a:t>Clean Weather Data</a:t>
-            </a:r>
-          </a:p>
-        </p:txBody>
-      </p:sp>
-      <p:sp>
-        <p:nvSpPr>
-          <p:cNvPr name="TextBox 10" id="10"/>
+              <a:t>Create a Flask app (web-interface) to get the user preferences input</a:t>
+            </a:r>
+          </a:p>
+        </p:txBody>
+      </p:sp>
+      <p:sp>
+        <p:nvSpPr>
+          <p:cNvPr name="TextBox 7" id="7"/>
           <p:cNvSpPr txBox="true"/>
           <p:nvPr/>
         </p:nvSpPr>
         <p:spPr>
           <a:xfrm rot="0">
-            <a:off x="4336767" y="6089497"/>
-            <a:ext cx="2367625" cy="331851"/>
+            <a:off x="7044063" y="6422376"/>
+            <a:ext cx="4199874" cy="530860"/>
+          </a:xfrm>
+          <a:prstGeom prst="rect">
+            <a:avLst/>
+          </a:prstGeom>
+        </p:spPr>
+        <p:txBody>
+          <a:bodyPr anchor="t" rtlCol="false" tIns="0" lIns="0" bIns="0" rIns="0">
+            <a:spAutoFit/>
+          </a:bodyPr>
+          <a:lstStyle/>
+          <a:p>
+            <a:pPr algn="ctr">
+              <a:lnSpc>
+                <a:spcPts val="4340"/>
+              </a:lnSpc>
+              <a:spcBef>
+                <a:spcPct val="0"/>
+              </a:spcBef>
+            </a:pPr>
+            <a:r>
+              <a:rPr lang="en-US" sz="3100">
+                <a:solidFill>
+                  <a:srgbClr val="000000"/>
+                </a:solidFill>
+                <a:latin typeface="TAN Headline"/>
+                <a:ea typeface="TAN Headline"/>
+                <a:cs typeface="TAN Headline"/>
+                <a:sym typeface="TAN Headline"/>
+              </a:rPr>
+              <a:t>XG BOOST</a:t>
+            </a:r>
+          </a:p>
+        </p:txBody>
+      </p:sp>
+      <p:sp>
+        <p:nvSpPr>
+          <p:cNvPr name="TextBox 8" id="8"/>
+          <p:cNvSpPr txBox="true"/>
+          <p:nvPr/>
+        </p:nvSpPr>
+        <p:spPr>
+          <a:xfrm rot="0">
+            <a:off x="12475041" y="7505686"/>
+            <a:ext cx="4199874" cy="979551"/>
           </a:xfrm>
           <a:prstGeom prst="rect">
             <a:avLst/>
@@ -6419,37 +5872,8 @@
                 <a:cs typeface="Handy Casual"/>
                 <a:sym typeface="Handy Casual"/>
               </a:rPr>
-              <a:t>Clean Attraction Data</a:t>
-            </a:r>
-          </a:p>
-        </p:txBody>
-      </p:sp>
-      <p:sp>
-        <p:nvSpPr>
-          <p:cNvPr name="TextBox 11" id="11"/>
-          <p:cNvSpPr txBox="true"/>
-          <p:nvPr/>
-        </p:nvSpPr>
-        <p:spPr>
-          <a:xfrm rot="0">
-            <a:off x="4336767" y="9173596"/>
-            <a:ext cx="2831206" cy="331851"/>
-          </a:xfrm>
-          <a:prstGeom prst="rect">
-            <a:avLst/>
-          </a:prstGeom>
-        </p:spPr>
-        <p:txBody>
-          <a:bodyPr anchor="t" rtlCol="false" tIns="0" lIns="0" bIns="0" rIns="0">
-            <a:spAutoFit/>
-          </a:bodyPr>
-          <a:lstStyle/>
-          <a:p>
-            <a:pPr algn="just">
-              <a:lnSpc>
-                <a:spcPts val="2622"/>
-              </a:lnSpc>
-            </a:pPr>
+              <a:t>Recommend optimal visiting times </a:t>
+            </a:r>
             <a:r>
               <a:rPr lang="en-US" sz="2300">
                 <a:solidFill>
@@ -6460,37 +5884,8 @@
                 <a:cs typeface="Handy Casual"/>
                 <a:sym typeface="Handy Casual"/>
               </a:rPr>
-              <a:t>Merge Cleaned DataFrames</a:t>
-            </a:r>
-          </a:p>
-        </p:txBody>
-      </p:sp>
-      <p:sp>
-        <p:nvSpPr>
-          <p:cNvPr name="TextBox 12" id="12"/>
-          <p:cNvSpPr txBox="true"/>
-          <p:nvPr/>
-        </p:nvSpPr>
-        <p:spPr>
-          <a:xfrm rot="0">
-            <a:off x="7779918" y="764576"/>
-            <a:ext cx="2367625" cy="331851"/>
-          </a:xfrm>
-          <a:prstGeom prst="rect">
-            <a:avLst/>
-          </a:prstGeom>
-        </p:spPr>
-        <p:txBody>
-          <a:bodyPr anchor="t" rtlCol="false" tIns="0" lIns="0" bIns="0" rIns="0">
-            <a:spAutoFit/>
-          </a:bodyPr>
-          <a:lstStyle/>
-          <a:p>
-            <a:pPr algn="just">
-              <a:lnSpc>
-                <a:spcPts val="2622"/>
-              </a:lnSpc>
-            </a:pPr>
+              <a:t>by weather and attraction metrics</a:t>
+            </a:r>
             <a:r>
               <a:rPr lang="en-US" sz="2300">
                 <a:solidFill>
@@ -6501,21 +5896,21 @@
                 <a:cs typeface="Handy Casual"/>
                 <a:sym typeface="Handy Casual"/>
               </a:rPr>
-              <a:t>Feature Engineering</a:t>
-            </a:r>
-          </a:p>
-        </p:txBody>
-      </p:sp>
-      <p:sp>
-        <p:nvSpPr>
-          <p:cNvPr name="TextBox 13" id="13"/>
+              <a:t>, displayed via Flask templates.</a:t>
+            </a:r>
+          </a:p>
+        </p:txBody>
+      </p:sp>
+      <p:sp>
+        <p:nvSpPr>
+          <p:cNvPr name="TextBox 9" id="9"/>
           <p:cNvSpPr txBox="true"/>
           <p:nvPr/>
         </p:nvSpPr>
         <p:spPr>
           <a:xfrm rot="0">
-            <a:off x="7167973" y="2281782"/>
-            <a:ext cx="4685531" cy="331851"/>
+            <a:off x="12475041" y="6422376"/>
+            <a:ext cx="4611314" cy="1073785"/>
           </a:xfrm>
           <a:prstGeom prst="rect">
             <a:avLst/>
@@ -6527,118 +5922,39 @@
           </a:bodyPr>
           <a:lstStyle/>
           <a:p>
-            <a:pPr algn="just">
+            <a:pPr algn="ctr">
               <a:lnSpc>
-                <a:spcPts val="2622"/>
+                <a:spcPts val="4340"/>
               </a:lnSpc>
+              <a:spcBef>
+                <a:spcPct val="0"/>
+              </a:spcBef>
             </a:pPr>
             <a:r>
-              <a:rPr lang="en-US" sz="2300">
+              <a:rPr lang="en-US" sz="3100">
                 <a:solidFill>
                   <a:srgbClr val="000000"/>
                 </a:solidFill>
-                <a:latin typeface="Handy Casual"/>
-                <a:ea typeface="Handy Casual"/>
-                <a:cs typeface="Handy Casual"/>
-                <a:sym typeface="Handy Casual"/>
+                <a:latin typeface="TAN Headline"/>
+                <a:ea typeface="TAN Headline"/>
+                <a:cs typeface="TAN Headline"/>
+                <a:sym typeface="TAN Headline"/>
               </a:rPr>
-              <a:t>Weather features (temperature, precipitation, ..)</a:t>
-            </a:r>
-          </a:p>
-        </p:txBody>
-      </p:sp>
-      <p:sp>
-        <p:nvSpPr>
-          <p:cNvPr name="TextBox 14" id="14"/>
-          <p:cNvSpPr txBox="true"/>
-          <p:nvPr/>
-        </p:nvSpPr>
-        <p:spPr>
-          <a:xfrm rot="0">
-            <a:off x="7167973" y="2856901"/>
-            <a:ext cx="4685531" cy="331851"/>
-          </a:xfrm>
-          <a:prstGeom prst="rect">
-            <a:avLst/>
-          </a:prstGeom>
-        </p:spPr>
-        <p:txBody>
-          <a:bodyPr anchor="t" rtlCol="false" tIns="0" lIns="0" bIns="0" rIns="0">
-            <a:spAutoFit/>
-          </a:bodyPr>
-          <a:lstStyle/>
-          <a:p>
-            <a:pPr algn="just">
-              <a:lnSpc>
-                <a:spcPts val="2622"/>
-              </a:lnSpc>
-            </a:pPr>
-            <a:r>
-              <a:rPr lang="en-US" sz="2300">
-                <a:solidFill>
-                  <a:srgbClr val="000000"/>
-                </a:solidFill>
-                <a:latin typeface="Handy Casual"/>
-                <a:ea typeface="Handy Casual"/>
-                <a:cs typeface="Handy Casual"/>
-                <a:sym typeface="Handy Casual"/>
-              </a:rPr>
-              <a:t>Date features (hour_of_day, day_of_week, ..)</a:t>
-            </a:r>
-          </a:p>
-        </p:txBody>
-      </p:sp>
-      <p:sp>
-        <p:nvSpPr>
-          <p:cNvPr name="TextBox 15" id="15"/>
-          <p:cNvSpPr txBox="true"/>
-          <p:nvPr/>
-        </p:nvSpPr>
-        <p:spPr>
-          <a:xfrm rot="0">
-            <a:off x="7167973" y="3491982"/>
-            <a:ext cx="5013876" cy="331851"/>
-          </a:xfrm>
-          <a:prstGeom prst="rect">
-            <a:avLst/>
-          </a:prstGeom>
-        </p:spPr>
-        <p:txBody>
-          <a:bodyPr anchor="t" rtlCol="false" tIns="0" lIns="0" bIns="0" rIns="0">
-            <a:spAutoFit/>
-          </a:bodyPr>
-          <a:lstStyle/>
-          <a:p>
-            <a:pPr algn="just">
-              <a:lnSpc>
-                <a:spcPts val="2622"/>
-              </a:lnSpc>
-            </a:pPr>
-            <a:r>
-              <a:rPr lang="en-US" sz="2300">
-                <a:solidFill>
-                  <a:srgbClr val="000000"/>
-                </a:solidFill>
-                <a:latin typeface="Handy Casual"/>
-                <a:ea typeface="Handy Casual"/>
-                <a:cs typeface="Handy Casual"/>
-                <a:sym typeface="Handy Casual"/>
-              </a:rPr>
-              <a:t>Attraction features (Rides, ... )</a:t>
-            </a:r>
-          </a:p>
-        </p:txBody>
-      </p:sp>
-      <p:sp>
-        <p:nvSpPr>
-          <p:cNvPr name="Freeform 16" id="16"/>
+              <a:t>TRIP RECOMMENDATION </a:t>
+            </a:r>
+          </a:p>
+        </p:txBody>
+      </p:sp>
+      <p:sp>
+        <p:nvSpPr>
+          <p:cNvPr name="Freeform 10" id="10"/>
           <p:cNvSpPr/>
           <p:nvPr/>
         </p:nvSpPr>
         <p:spPr>
           <a:xfrm flipH="false" flipV="false" rot="0">
-            <a:off x="3772663" y="320561"/>
-            <a:ext cx="2931729" cy="1210357"/>
+            <a:off x="11708006" y="3655167"/>
+            <a:ext cx="2537821" cy="1172012"/>
           </a:xfrm>
           <a:custGeom>
             <a:avLst/>
@@ -6647,18 +5963,18 @@
             <a:cxnLst/>
             <a:rect r="r" b="b" t="t" l="l"/>
             <a:pathLst>
-              <a:path h="1210357" w="2931729">
+              <a:path h="1172012" w="2537821">
                 <a:moveTo>
                   <a:pt x="0" y="0"/>
                 </a:moveTo>
                 <a:lnTo>
-                  <a:pt x="2931729" y="0"/>
-                </a:lnTo>
-                <a:lnTo>
-                  <a:pt x="2931729" y="1210356"/>
-                </a:lnTo>
-                <a:lnTo>
-                  <a:pt x="0" y="1210356"/>
+                  <a:pt x="2537820" y="0"/>
+                </a:lnTo>
+                <a:lnTo>
+                  <a:pt x="2537820" y="1172011"/>
+                </a:lnTo>
+                <a:lnTo>
+                  <a:pt x="0" y="1172011"/>
                 </a:lnTo>
                 <a:lnTo>
                   <a:pt x="0" y="0"/>
@@ -6668,10 +5984,10 @@
             </a:pathLst>
           </a:custGeom>
           <a:blipFill>
-            <a:blip r:embed="rId7">
+            <a:blip r:embed="rId4">
               <a:extLst>
                 <a:ext uri="{96DAC541-7B7A-43D3-8B79-37D633B846F1}">
-                  <asvg:svgBlip xmlns:asvg="http://schemas.microsoft.com/office/drawing/2016/SVG/main" r:embed="rId8"/>
+                  <asvg:svgBlip xmlns:asvg="http://schemas.microsoft.com/office/drawing/2016/SVG/main" r:embed="rId5"/>
                 </a:ext>
               </a:extLst>
             </a:blip>
@@ -6683,121 +5999,14 @@
       </p:sp>
       <p:sp>
         <p:nvSpPr>
-          <p:cNvPr name="TextBox 17" id="17"/>
-          <p:cNvSpPr txBox="true"/>
-          <p:nvPr/>
-        </p:nvSpPr>
-        <p:spPr>
-          <a:xfrm rot="0">
-            <a:off x="4336767" y="799016"/>
-            <a:ext cx="2367625" cy="331851"/>
-          </a:xfrm>
-          <a:prstGeom prst="rect">
-            <a:avLst/>
-          </a:prstGeom>
-        </p:spPr>
-        <p:txBody>
-          <a:bodyPr anchor="t" rtlCol="false" tIns="0" lIns="0" bIns="0" rIns="0">
-            <a:spAutoFit/>
-          </a:bodyPr>
-          <a:lstStyle/>
-          <a:p>
-            <a:pPr algn="just">
-              <a:lnSpc>
-                <a:spcPts val="2622"/>
-              </a:lnSpc>
-            </a:pPr>
-            <a:r>
-              <a:rPr lang="en-US" sz="2300">
-                <a:solidFill>
-                  <a:srgbClr val="000000"/>
-                </a:solidFill>
-                <a:latin typeface="Handy Casual"/>
-                <a:ea typeface="Handy Casual"/>
-                <a:cs typeface="Handy Casual"/>
-                <a:sym typeface="Handy Casual"/>
-              </a:rPr>
-              <a:t>Data clean up</a:t>
-            </a:r>
-          </a:p>
-        </p:txBody>
-      </p:sp>
-      <p:pic>
-        <p:nvPicPr>
-          <p:cNvPr name="Picture 18" id="18"/>
-          <p:cNvPicPr>
-            <a:picLocks noChangeAspect="true"/>
-          </p:cNvPicPr>
-          <p:nvPr/>
-        </p:nvPicPr>
-        <p:blipFill>
-          <a:blip r:embed="rId4"/>
-          <a:srcRect l="0" t="0" r="0" b="0"/>
-          <a:stretch>
-            <a:fillRect/>
-          </a:stretch>
-        </p:blipFill>
-        <p:spPr>
-          <a:xfrm flipH="false" flipV="false" rot="0">
-            <a:off x="8326098" y="7721159"/>
-            <a:ext cx="1275265" cy="1275265"/>
-          </a:xfrm>
-          <a:prstGeom prst="rect">
-            <a:avLst/>
-          </a:prstGeom>
-        </p:spPr>
-      </p:pic>
-      <p:sp>
-        <p:nvSpPr>
-          <p:cNvPr name="TextBox 19" id="19"/>
-          <p:cNvSpPr txBox="true"/>
-          <p:nvPr/>
-        </p:nvSpPr>
-        <p:spPr>
-          <a:xfrm rot="0">
-            <a:off x="7485436" y="9173596"/>
-            <a:ext cx="3526578" cy="331851"/>
-          </a:xfrm>
-          <a:prstGeom prst="rect">
-            <a:avLst/>
-          </a:prstGeom>
-        </p:spPr>
-        <p:txBody>
-          <a:bodyPr anchor="t" rtlCol="false" tIns="0" lIns="0" bIns="0" rIns="0">
-            <a:spAutoFit/>
-          </a:bodyPr>
-          <a:lstStyle/>
-          <a:p>
-            <a:pPr algn="just">
-              <a:lnSpc>
-                <a:spcPts val="2622"/>
-              </a:lnSpc>
-            </a:pPr>
-            <a:r>
-              <a:rPr lang="en-US" sz="2300">
-                <a:solidFill>
-                  <a:srgbClr val="000000"/>
-                </a:solidFill>
-                <a:latin typeface="Handy Casual"/>
-                <a:ea typeface="Handy Casual"/>
-                <a:cs typeface="Handy Casual"/>
-                <a:sym typeface="Handy Casual"/>
-              </a:rPr>
-              <a:t>Feature Engineering</a:t>
-            </a:r>
-          </a:p>
-        </p:txBody>
-      </p:sp>
-      <p:sp>
-        <p:nvSpPr>
-          <p:cNvPr name="Freeform 20" id="20"/>
+          <p:cNvPr name="Freeform 11" id="11"/>
           <p:cNvSpPr/>
           <p:nvPr/>
         </p:nvSpPr>
         <p:spPr>
-          <a:xfrm flipH="false" flipV="false" rot="0">
-            <a:off x="11294066" y="355001"/>
-            <a:ext cx="2931729" cy="1210357"/>
+          <a:xfrm flipH="false" flipV="false" rot="-491967">
+            <a:off x="4392492" y="950145"/>
+            <a:ext cx="2241878" cy="2042147"/>
           </a:xfrm>
           <a:custGeom>
             <a:avLst/>
@@ -6806,18 +6015,18 @@
             <a:cxnLst/>
             <a:rect r="r" b="b" t="t" l="l"/>
             <a:pathLst>
-              <a:path h="1210357" w="2931729">
+              <a:path h="2042147" w="2241878">
                 <a:moveTo>
                   <a:pt x="0" y="0"/>
                 </a:moveTo>
                 <a:lnTo>
-                  <a:pt x="2931729" y="0"/>
-                </a:lnTo>
-                <a:lnTo>
-                  <a:pt x="2931729" y="1210357"/>
-                </a:lnTo>
-                <a:lnTo>
-                  <a:pt x="0" y="1210357"/>
+                  <a:pt x="2241878" y="0"/>
+                </a:lnTo>
+                <a:lnTo>
+                  <a:pt x="2241878" y="2042147"/>
+                </a:lnTo>
+                <a:lnTo>
+                  <a:pt x="0" y="2042147"/>
                 </a:lnTo>
                 <a:lnTo>
                   <a:pt x="0" y="0"/>
@@ -6827,10 +6036,10 @@
             </a:pathLst>
           </a:custGeom>
           <a:blipFill>
-            <a:blip r:embed="rId7">
+            <a:blip r:embed="rId6">
               <a:extLst>
                 <a:ext uri="{96DAC541-7B7A-43D3-8B79-37D633B846F1}">
-                  <asvg:svgBlip xmlns:asvg="http://schemas.microsoft.com/office/drawing/2016/SVG/main" r:embed="rId8"/>
+                  <asvg:svgBlip xmlns:asvg="http://schemas.microsoft.com/office/drawing/2016/SVG/main" r:embed="rId7"/>
                 </a:ext>
               </a:extLst>
             </a:blip>
@@ -6842,356 +6051,14 @@
       </p:sp>
       <p:sp>
         <p:nvSpPr>
-          <p:cNvPr name="TextBox 21" id="21"/>
-          <p:cNvSpPr txBox="true"/>
-          <p:nvPr/>
-        </p:nvSpPr>
-        <p:spPr>
-          <a:xfrm rot="0">
-            <a:off x="11588548" y="764576"/>
-            <a:ext cx="2367625" cy="331851"/>
-          </a:xfrm>
-          <a:prstGeom prst="rect">
-            <a:avLst/>
-          </a:prstGeom>
-        </p:spPr>
-        <p:txBody>
-          <a:bodyPr anchor="t" rtlCol="false" tIns="0" lIns="0" bIns="0" rIns="0">
-            <a:spAutoFit/>
-          </a:bodyPr>
-          <a:lstStyle/>
-          <a:p>
-            <a:pPr algn="just">
-              <a:lnSpc>
-                <a:spcPts val="2622"/>
-              </a:lnSpc>
-            </a:pPr>
-            <a:r>
-              <a:rPr lang="en-US" sz="2300">
-                <a:solidFill>
-                  <a:srgbClr val="000000"/>
-                </a:solidFill>
-                <a:latin typeface="Handy Casual"/>
-                <a:ea typeface="Handy Casual"/>
-                <a:cs typeface="Handy Casual"/>
-                <a:sym typeface="Handy Casual"/>
-              </a:rPr>
-              <a:t>Machine Learning</a:t>
-            </a:r>
-          </a:p>
-        </p:txBody>
-      </p:sp>
-      <p:sp>
-        <p:nvSpPr>
-          <p:cNvPr name="AutoShape 22" id="22"/>
+          <p:cNvPr name="Freeform 12" id="12"/>
           <p:cNvSpPr/>
           <p:nvPr/>
         </p:nvSpPr>
         <p:spPr>
-          <a:xfrm flipV="true">
-            <a:off x="3070354" y="2682900"/>
-            <a:ext cx="1266413" cy="0"/>
-          </a:xfrm>
-          <a:prstGeom prst="line">
-            <a:avLst/>
-          </a:prstGeom>
-          <a:ln cap="flat" w="38100">
-            <a:solidFill>
-              <a:srgbClr val="000000"/>
-            </a:solidFill>
-            <a:prstDash val="solid"/>
-            <a:headEnd type="none" len="sm" w="sm"/>
-            <a:tailEnd type="triangle" len="med" w="lg"/>
-          </a:ln>
-        </p:spPr>
-      </p:sp>
-      <p:sp>
-        <p:nvSpPr>
-          <p:cNvPr name="AutoShape 23" id="23"/>
-          <p:cNvSpPr/>
-          <p:nvPr/>
-        </p:nvSpPr>
-        <p:spPr>
-          <a:xfrm>
-            <a:off x="3070354" y="5230009"/>
-            <a:ext cx="1266413" cy="0"/>
-          </a:xfrm>
-          <a:prstGeom prst="line">
-            <a:avLst/>
-          </a:prstGeom>
-          <a:ln cap="flat" w="38100">
-            <a:solidFill>
-              <a:srgbClr val="000000"/>
-            </a:solidFill>
-            <a:prstDash val="solid"/>
-            <a:headEnd type="none" len="sm" w="sm"/>
-            <a:tailEnd type="triangle" len="med" w="lg"/>
-          </a:ln>
-        </p:spPr>
-      </p:sp>
-      <p:sp>
-        <p:nvSpPr>
-          <p:cNvPr name="AutoShape 24" id="24"/>
-          <p:cNvSpPr/>
-          <p:nvPr/>
-        </p:nvSpPr>
-        <p:spPr>
-          <a:xfrm>
-            <a:off x="4974399" y="6689570"/>
-            <a:ext cx="0" cy="640621"/>
-          </a:xfrm>
-          <a:prstGeom prst="line">
-            <a:avLst/>
-          </a:prstGeom>
-          <a:ln cap="flat" w="38100">
-            <a:solidFill>
-              <a:srgbClr val="000000"/>
-            </a:solidFill>
-            <a:prstDash val="solid"/>
-            <a:headEnd type="none" len="sm" w="sm"/>
-            <a:tailEnd type="triangle" len="med" w="lg"/>
-          </a:ln>
-        </p:spPr>
-      </p:sp>
-      <p:sp>
-        <p:nvSpPr>
-          <p:cNvPr name="AutoShape 25" id="25"/>
-          <p:cNvSpPr/>
-          <p:nvPr/>
-        </p:nvSpPr>
-        <p:spPr>
-          <a:xfrm>
-            <a:off x="6071185" y="8339741"/>
-            <a:ext cx="1266413" cy="0"/>
-          </a:xfrm>
-          <a:prstGeom prst="line">
-            <a:avLst/>
-          </a:prstGeom>
-          <a:ln cap="flat" w="38100">
-            <a:solidFill>
-              <a:srgbClr val="000000"/>
-            </a:solidFill>
-            <a:prstDash val="solid"/>
-            <a:headEnd type="none" len="sm" w="sm"/>
-            <a:tailEnd type="triangle" len="med" w="lg"/>
-          </a:ln>
-        </p:spPr>
-      </p:sp>
-      <p:sp>
-        <p:nvSpPr>
-          <p:cNvPr name="TextBox 26" id="26"/>
-          <p:cNvSpPr txBox="true"/>
-          <p:nvPr/>
-        </p:nvSpPr>
-        <p:spPr>
-          <a:xfrm rot="0">
-            <a:off x="1028700" y="3360785"/>
-            <a:ext cx="2168947" cy="331851"/>
-          </a:xfrm>
-          <a:prstGeom prst="rect">
-            <a:avLst/>
-          </a:prstGeom>
-        </p:spPr>
-        <p:txBody>
-          <a:bodyPr anchor="t" rtlCol="false" tIns="0" lIns="0" bIns="0" rIns="0">
-            <a:spAutoFit/>
-          </a:bodyPr>
-          <a:lstStyle/>
-          <a:p>
-            <a:pPr algn="just">
-              <a:lnSpc>
-                <a:spcPts val="2622"/>
-              </a:lnSpc>
-            </a:pPr>
-            <a:r>
-              <a:rPr lang="en-US" sz="2300">
-                <a:solidFill>
-                  <a:srgbClr val="000000"/>
-                </a:solidFill>
-                <a:latin typeface="Handy Casual"/>
-                <a:ea typeface="Handy Casual"/>
-                <a:cs typeface="Handy Casual"/>
-                <a:sym typeface="Handy Casual"/>
-              </a:rPr>
-              <a:t>Weather Data</a:t>
-            </a:r>
-          </a:p>
-        </p:txBody>
-      </p:sp>
-      <p:sp>
-        <p:nvSpPr>
-          <p:cNvPr name="TextBox 27" id="27"/>
-          <p:cNvSpPr txBox="true"/>
-          <p:nvPr/>
-        </p:nvSpPr>
-        <p:spPr>
-          <a:xfrm rot="0">
-            <a:off x="1038225" y="3730736"/>
-            <a:ext cx="2168947" cy="331851"/>
-          </a:xfrm>
-          <a:prstGeom prst="rect">
-            <a:avLst/>
-          </a:prstGeom>
-        </p:spPr>
-        <p:txBody>
-          <a:bodyPr anchor="t" rtlCol="false" tIns="0" lIns="0" bIns="0" rIns="0">
-            <a:spAutoFit/>
-          </a:bodyPr>
-          <a:lstStyle/>
-          <a:p>
-            <a:pPr algn="just">
-              <a:lnSpc>
-                <a:spcPts val="2622"/>
-              </a:lnSpc>
-            </a:pPr>
-            <a:r>
-              <a:rPr lang="en-US" sz="2300">
-                <a:solidFill>
-                  <a:srgbClr val="000000"/>
-                </a:solidFill>
-                <a:latin typeface="Handy Casual"/>
-                <a:ea typeface="Handy Casual"/>
-                <a:cs typeface="Handy Casual"/>
-                <a:sym typeface="Handy Casual"/>
-              </a:rPr>
-              <a:t>api.open-meteo.com</a:t>
-            </a:r>
-          </a:p>
-        </p:txBody>
-      </p:sp>
-      <p:sp>
-        <p:nvSpPr>
-          <p:cNvPr name="TextBox 28" id="28"/>
-          <p:cNvSpPr txBox="true"/>
-          <p:nvPr/>
-        </p:nvSpPr>
-        <p:spPr>
-          <a:xfrm rot="0">
-            <a:off x="1028700" y="5918809"/>
-            <a:ext cx="2853281" cy="331851"/>
-          </a:xfrm>
-          <a:prstGeom prst="rect">
-            <a:avLst/>
-          </a:prstGeom>
-        </p:spPr>
-        <p:txBody>
-          <a:bodyPr anchor="t" rtlCol="false" tIns="0" lIns="0" bIns="0" rIns="0">
-            <a:spAutoFit/>
-          </a:bodyPr>
-          <a:lstStyle/>
-          <a:p>
-            <a:pPr algn="just">
-              <a:lnSpc>
-                <a:spcPts val="2622"/>
-              </a:lnSpc>
-            </a:pPr>
-            <a:r>
-              <a:rPr lang="en-US" sz="2300">
-                <a:solidFill>
-                  <a:srgbClr val="000000"/>
-                </a:solidFill>
-                <a:latin typeface="Handy Casual"/>
-                <a:ea typeface="Handy Casual"/>
-                <a:cs typeface="Handy Casual"/>
-                <a:sym typeface="Handy Casual"/>
-              </a:rPr>
-              <a:t>Attraction Data</a:t>
-            </a:r>
-          </a:p>
-        </p:txBody>
-      </p:sp>
-      <p:sp>
-        <p:nvSpPr>
-          <p:cNvPr name="TextBox 29" id="29"/>
-          <p:cNvSpPr txBox="true"/>
-          <p:nvPr/>
-        </p:nvSpPr>
-        <p:spPr>
-          <a:xfrm rot="0">
-            <a:off x="1038225" y="6260185"/>
-            <a:ext cx="2853281" cy="331851"/>
-          </a:xfrm>
-          <a:prstGeom prst="rect">
-            <a:avLst/>
-          </a:prstGeom>
-        </p:spPr>
-        <p:txBody>
-          <a:bodyPr anchor="t" rtlCol="false" tIns="0" lIns="0" bIns="0" rIns="0">
-            <a:spAutoFit/>
-          </a:bodyPr>
-          <a:lstStyle/>
-          <a:p>
-            <a:pPr algn="just">
-              <a:lnSpc>
-                <a:spcPts val="2622"/>
-              </a:lnSpc>
-            </a:pPr>
-            <a:r>
-              <a:rPr lang="en-US" sz="2300">
-                <a:solidFill>
-                  <a:srgbClr val="000000"/>
-                </a:solidFill>
-                <a:latin typeface="Handy Casual"/>
-                <a:ea typeface="Handy Casual"/>
-                <a:cs typeface="Handy Casual"/>
-                <a:sym typeface="Handy Casual"/>
-              </a:rPr>
-              <a:t>Metadata</a:t>
-            </a:r>
-          </a:p>
-        </p:txBody>
-      </p:sp>
-      <p:sp>
-        <p:nvSpPr>
-          <p:cNvPr name="TextBox 30" id="30"/>
-          <p:cNvSpPr txBox="true"/>
-          <p:nvPr/>
-        </p:nvSpPr>
-        <p:spPr>
-          <a:xfrm rot="0">
-            <a:off x="1028700" y="6601561"/>
-            <a:ext cx="2853281" cy="331851"/>
-          </a:xfrm>
-          <a:prstGeom prst="rect">
-            <a:avLst/>
-          </a:prstGeom>
-        </p:spPr>
-        <p:txBody>
-          <a:bodyPr anchor="t" rtlCol="false" tIns="0" lIns="0" bIns="0" rIns="0">
-            <a:spAutoFit/>
-          </a:bodyPr>
-          <a:lstStyle/>
-          <a:p>
-            <a:pPr algn="just">
-              <a:lnSpc>
-                <a:spcPts val="2622"/>
-              </a:lnSpc>
-            </a:pPr>
-            <a:r>
-              <a:rPr lang="en-US" sz="2300">
-                <a:solidFill>
-                  <a:srgbClr val="000000"/>
-                </a:solidFill>
-                <a:latin typeface="Handy Casual"/>
-                <a:ea typeface="Handy Casual"/>
-                <a:cs typeface="Handy Casual"/>
-                <a:sym typeface="Handy Casual"/>
-              </a:rPr>
-              <a:t>data/waiting times</a:t>
-            </a:r>
-          </a:p>
-        </p:txBody>
-      </p:sp>
-      <p:sp>
-        <p:nvSpPr>
-          <p:cNvPr name="Freeform 31" id="31"/>
-          <p:cNvSpPr/>
-          <p:nvPr/>
-        </p:nvSpPr>
-        <p:spPr>
-          <a:xfrm flipH="false" flipV="false" rot="0">
-            <a:off x="15006845" y="355001"/>
-            <a:ext cx="2931729" cy="1210357"/>
+          <a:xfrm flipH="false" flipV="true" rot="4706294">
+            <a:off x="-104297" y="1286525"/>
+            <a:ext cx="3895386" cy="4128059"/>
           </a:xfrm>
           <a:custGeom>
             <a:avLst/>
@@ -7200,31 +6067,31 @@
             <a:cxnLst/>
             <a:rect r="r" b="b" t="t" l="l"/>
             <a:pathLst>
-              <a:path h="1210357" w="2931729">
+              <a:path h="4128059" w="3895386">
                 <a:moveTo>
+                  <a:pt x="0" y="4128058"/>
+                </a:moveTo>
+                <a:lnTo>
+                  <a:pt x="3895387" y="4128058"/>
+                </a:lnTo>
+                <a:lnTo>
+                  <a:pt x="3895387" y="0"/>
+                </a:lnTo>
+                <a:lnTo>
                   <a:pt x="0" y="0"/>
-                </a:moveTo>
-                <a:lnTo>
-                  <a:pt x="2931729" y="0"/>
-                </a:lnTo>
-                <a:lnTo>
-                  <a:pt x="2931729" y="1210357"/>
-                </a:lnTo>
-                <a:lnTo>
-                  <a:pt x="0" y="1210357"/>
-                </a:lnTo>
-                <a:lnTo>
-                  <a:pt x="0" y="0"/>
+                </a:lnTo>
+                <a:lnTo>
+                  <a:pt x="0" y="4128058"/>
                 </a:lnTo>
                 <a:close/>
               </a:path>
             </a:pathLst>
           </a:custGeom>
           <a:blipFill>
-            <a:blip r:embed="rId7">
+            <a:blip r:embed="rId8">
               <a:extLst>
                 <a:ext uri="{96DAC541-7B7A-43D3-8B79-37D633B846F1}">
-                  <asvg:svgBlip xmlns:asvg="http://schemas.microsoft.com/office/drawing/2016/SVG/main" r:embed="rId8"/>
+                  <asvg:svgBlip xmlns:asvg="http://schemas.microsoft.com/office/drawing/2016/SVG/main" r:embed="rId9"/>
                 </a:ext>
               </a:extLst>
             </a:blip>
@@ -7236,208 +6103,159 @@
       </p:sp>
       <p:sp>
         <p:nvSpPr>
-          <p:cNvPr name="TextBox 32" id="32"/>
-          <p:cNvSpPr txBox="true"/>
-          <p:nvPr/>
-        </p:nvSpPr>
-        <p:spPr>
-          <a:xfrm rot="0">
-            <a:off x="15302120" y="764576"/>
-            <a:ext cx="2367625" cy="331851"/>
-          </a:xfrm>
-          <a:prstGeom prst="rect">
-            <a:avLst/>
-          </a:prstGeom>
-        </p:spPr>
-        <p:txBody>
-          <a:bodyPr anchor="t" rtlCol="false" tIns="0" lIns="0" bIns="0" rIns="0">
-            <a:spAutoFit/>
-          </a:bodyPr>
-          <a:lstStyle/>
-          <a:p>
-            <a:pPr algn="just">
-              <a:lnSpc>
-                <a:spcPts val="2622"/>
-              </a:lnSpc>
-            </a:pPr>
-            <a:r>
-              <a:rPr lang="en-US" sz="2300">
-                <a:solidFill>
-                  <a:srgbClr val="000000"/>
-                </a:solidFill>
-                <a:latin typeface="Handy Casual"/>
-                <a:ea typeface="Handy Casual"/>
-                <a:cs typeface="Handy Casual"/>
-                <a:sym typeface="Handy Casual"/>
-              </a:rPr>
-              <a:t>Frontend and Output</a:t>
-            </a:r>
-          </a:p>
-        </p:txBody>
-      </p:sp>
-      <p:sp>
-        <p:nvSpPr>
-          <p:cNvPr name="TextBox 33" id="33"/>
-          <p:cNvSpPr txBox="true"/>
-          <p:nvPr/>
-        </p:nvSpPr>
-        <p:spPr>
-          <a:xfrm rot="0">
-            <a:off x="15006845" y="3027589"/>
-            <a:ext cx="4685531" cy="331851"/>
-          </a:xfrm>
-          <a:prstGeom prst="rect">
-            <a:avLst/>
-          </a:prstGeom>
-        </p:spPr>
-        <p:txBody>
-          <a:bodyPr anchor="t" rtlCol="false" tIns="0" lIns="0" bIns="0" rIns="0">
-            <a:spAutoFit/>
-          </a:bodyPr>
-          <a:lstStyle/>
-          <a:p>
-            <a:pPr algn="just">
-              <a:lnSpc>
-                <a:spcPts val="2622"/>
-              </a:lnSpc>
-            </a:pPr>
-            <a:r>
-              <a:rPr lang="en-US" sz="2300">
-                <a:solidFill>
-                  <a:srgbClr val="000000"/>
-                </a:solidFill>
-                <a:latin typeface="Handy Casual"/>
-                <a:ea typeface="Handy Casual"/>
-                <a:cs typeface="Handy Casual"/>
-                <a:sym typeface="Handy Casual"/>
-              </a:rPr>
-              <a:t>Flask routes (/home, /planning)</a:t>
-            </a:r>
-          </a:p>
-        </p:txBody>
-      </p:sp>
-      <p:sp>
-        <p:nvSpPr>
-          <p:cNvPr name="TextBox 34" id="34"/>
-          <p:cNvSpPr txBox="true"/>
-          <p:nvPr/>
-        </p:nvSpPr>
-        <p:spPr>
-          <a:xfrm rot="0">
-            <a:off x="15006845" y="2281782"/>
-            <a:ext cx="4685531" cy="411861"/>
-          </a:xfrm>
-          <a:prstGeom prst="rect">
-            <a:avLst/>
-          </a:prstGeom>
-        </p:spPr>
-        <p:txBody>
-          <a:bodyPr anchor="t" rtlCol="false" tIns="0" lIns="0" bIns="0" rIns="0">
-            <a:spAutoFit/>
-          </a:bodyPr>
-          <a:lstStyle/>
-          <a:p>
-            <a:pPr algn="just">
-              <a:lnSpc>
-                <a:spcPts val="3191"/>
-              </a:lnSpc>
-            </a:pPr>
-            <a:r>
-              <a:rPr lang="en-US" sz="2799">
-                <a:solidFill>
-                  <a:srgbClr val="000000"/>
-                </a:solidFill>
-                <a:latin typeface="Handy Casual"/>
-                <a:ea typeface="Handy Casual"/>
-                <a:cs typeface="Handy Casual"/>
-                <a:sym typeface="Handy Casual"/>
-              </a:rPr>
-              <a:t>Front end</a:t>
-            </a:r>
-          </a:p>
-        </p:txBody>
-      </p:sp>
-      <p:sp>
-        <p:nvSpPr>
-          <p:cNvPr name="TextBox 35" id="35"/>
-          <p:cNvSpPr txBox="true"/>
-          <p:nvPr/>
-        </p:nvSpPr>
-        <p:spPr>
-          <a:xfrm rot="0">
-            <a:off x="15006845" y="3491982"/>
-            <a:ext cx="3060342" cy="655701"/>
-          </a:xfrm>
-          <a:prstGeom prst="rect">
-            <a:avLst/>
-          </a:prstGeom>
-        </p:spPr>
-        <p:txBody>
-          <a:bodyPr anchor="t" rtlCol="false" tIns="0" lIns="0" bIns="0" rIns="0">
-            <a:spAutoFit/>
-          </a:bodyPr>
-          <a:lstStyle/>
-          <a:p>
-            <a:pPr algn="just">
-              <a:lnSpc>
-                <a:spcPts val="2622"/>
-              </a:lnSpc>
-            </a:pPr>
-            <a:r>
-              <a:rPr lang="en-US" sz="2300">
-                <a:solidFill>
-                  <a:srgbClr val="000000"/>
-                </a:solidFill>
-                <a:latin typeface="Handy Casual"/>
-                <a:ea typeface="Handy Casual"/>
-                <a:cs typeface="Handy Casual"/>
-                <a:sym typeface="Handy Casual"/>
-              </a:rPr>
-              <a:t>User inputs: Dates, weather preferences, attractions.</a:t>
-            </a:r>
-          </a:p>
-        </p:txBody>
-      </p:sp>
-      <p:sp>
-        <p:nvSpPr>
-          <p:cNvPr name="TextBox 36" id="36"/>
-          <p:cNvSpPr txBox="true"/>
-          <p:nvPr/>
-        </p:nvSpPr>
-        <p:spPr>
-          <a:xfrm rot="0">
-            <a:off x="15006845" y="4582852"/>
-            <a:ext cx="4685531" cy="411861"/>
-          </a:xfrm>
-          <a:prstGeom prst="rect">
-            <a:avLst/>
-          </a:prstGeom>
-        </p:spPr>
-        <p:txBody>
-          <a:bodyPr anchor="t" rtlCol="false" tIns="0" lIns="0" bIns="0" rIns="0">
-            <a:spAutoFit/>
-          </a:bodyPr>
-          <a:lstStyle/>
-          <a:p>
-            <a:pPr algn="just">
-              <a:lnSpc>
-                <a:spcPts val="3191"/>
-              </a:lnSpc>
-            </a:pPr>
-            <a:r>
-              <a:rPr lang="en-US" sz="2799">
-                <a:solidFill>
-                  <a:srgbClr val="000000"/>
-                </a:solidFill>
-                <a:latin typeface="Handy Casual"/>
-                <a:ea typeface="Handy Casual"/>
-                <a:cs typeface="Handy Casual"/>
-                <a:sym typeface="Handy Casual"/>
-              </a:rPr>
-              <a:t>Front end</a:t>
-            </a:r>
-          </a:p>
-        </p:txBody>
+          <p:cNvPr name="Freeform 13" id="13"/>
+          <p:cNvSpPr/>
+          <p:nvPr/>
+        </p:nvSpPr>
+        <p:spPr>
+          <a:xfrm flipH="false" flipV="false" rot="-1568932">
+            <a:off x="15725241" y="2538573"/>
+            <a:ext cx="1447775" cy="2075662"/>
+          </a:xfrm>
+          <a:custGeom>
+            <a:avLst/>
+            <a:gdLst/>
+            <a:ahLst/>
+            <a:cxnLst/>
+            <a:rect r="r" b="b" t="t" l="l"/>
+            <a:pathLst>
+              <a:path h="2075662" w="1447775">
+                <a:moveTo>
+                  <a:pt x="0" y="0"/>
+                </a:moveTo>
+                <a:lnTo>
+                  <a:pt x="1447774" y="0"/>
+                </a:lnTo>
+                <a:lnTo>
+                  <a:pt x="1447774" y="2075662"/>
+                </a:lnTo>
+                <a:lnTo>
+                  <a:pt x="0" y="2075662"/>
+                </a:lnTo>
+                <a:lnTo>
+                  <a:pt x="0" y="0"/>
+                </a:lnTo>
+                <a:close/>
+              </a:path>
+            </a:pathLst>
+          </a:custGeom>
+          <a:blipFill>
+            <a:blip r:embed="rId10">
+              <a:extLst>
+                <a:ext uri="{96DAC541-7B7A-43D3-8B79-37D633B846F1}">
+                  <asvg:svgBlip xmlns:asvg="http://schemas.microsoft.com/office/drawing/2016/SVG/main" r:embed="rId11"/>
+                </a:ext>
+              </a:extLst>
+            </a:blip>
+            <a:stretch>
+              <a:fillRect l="0" t="0" r="0" b="0"/>
+            </a:stretch>
+          </a:blipFill>
+        </p:spPr>
+      </p:sp>
+      <p:sp>
+        <p:nvSpPr>
+          <p:cNvPr name="Freeform 14" id="14"/>
+          <p:cNvSpPr/>
+          <p:nvPr/>
+        </p:nvSpPr>
+        <p:spPr>
+          <a:xfrm flipH="false" flipV="false" rot="0">
+            <a:off x="10538197" y="0"/>
+            <a:ext cx="10083238" cy="1393320"/>
+          </a:xfrm>
+          <a:custGeom>
+            <a:avLst/>
+            <a:gdLst/>
+            <a:ahLst/>
+            <a:cxnLst/>
+            <a:rect r="r" b="b" t="t" l="l"/>
+            <a:pathLst>
+              <a:path h="1393320" w="10083238">
+                <a:moveTo>
+                  <a:pt x="0" y="0"/>
+                </a:moveTo>
+                <a:lnTo>
+                  <a:pt x="10083238" y="0"/>
+                </a:lnTo>
+                <a:lnTo>
+                  <a:pt x="10083238" y="1393320"/>
+                </a:lnTo>
+                <a:lnTo>
+                  <a:pt x="0" y="1393320"/>
+                </a:lnTo>
+                <a:lnTo>
+                  <a:pt x="0" y="0"/>
+                </a:lnTo>
+                <a:close/>
+              </a:path>
+            </a:pathLst>
+          </a:custGeom>
+          <a:blipFill>
+            <a:blip r:embed="rId12">
+              <a:extLst>
+                <a:ext uri="{96DAC541-7B7A-43D3-8B79-37D633B846F1}">
+                  <asvg:svgBlip xmlns:asvg="http://schemas.microsoft.com/office/drawing/2016/SVG/main" r:embed="rId13"/>
+                </a:ext>
+              </a:extLst>
+            </a:blip>
+            <a:stretch>
+              <a:fillRect l="0" t="0" r="0" b="0"/>
+            </a:stretch>
+          </a:blipFill>
+        </p:spPr>
+      </p:sp>
+      <p:sp>
+        <p:nvSpPr>
+          <p:cNvPr name="Freeform 15" id="15"/>
+          <p:cNvSpPr/>
+          <p:nvPr/>
+        </p:nvSpPr>
+        <p:spPr>
+          <a:xfrm flipH="false" flipV="false" rot="-10800000">
+            <a:off x="-4098675" y="8905418"/>
+            <a:ext cx="9279203" cy="2078243"/>
+          </a:xfrm>
+          <a:custGeom>
+            <a:avLst/>
+            <a:gdLst/>
+            <a:ahLst/>
+            <a:cxnLst/>
+            <a:rect r="r" b="b" t="t" l="l"/>
+            <a:pathLst>
+              <a:path h="2078243" w="9279203">
+                <a:moveTo>
+                  <a:pt x="0" y="0"/>
+                </a:moveTo>
+                <a:lnTo>
+                  <a:pt x="9279203" y="0"/>
+                </a:lnTo>
+                <a:lnTo>
+                  <a:pt x="9279203" y="2078242"/>
+                </a:lnTo>
+                <a:lnTo>
+                  <a:pt x="0" y="2078242"/>
+                </a:lnTo>
+                <a:lnTo>
+                  <a:pt x="0" y="0"/>
+                </a:lnTo>
+                <a:close/>
+              </a:path>
+            </a:pathLst>
+          </a:custGeom>
+          <a:blipFill>
+            <a:blip r:embed="rId12">
+              <a:extLst>
+                <a:ext uri="{96DAC541-7B7A-43D3-8B79-37D633B846F1}">
+                  <asvg:svgBlip xmlns:asvg="http://schemas.microsoft.com/office/drawing/2016/SVG/main" r:embed="rId13"/>
+                </a:ext>
+              </a:extLst>
+            </a:blip>
+            <a:stretch>
+              <a:fillRect l="-62081" t="0" r="0" b="0"/>
+            </a:stretch>
+          </a:blipFill>
+        </p:spPr>
       </p:sp>
     </p:spTree>
   </p:cSld>
@@ -7473,58 +6291,14 @@
       </p:grpSpPr>
       <p:sp>
         <p:nvSpPr>
-          <p:cNvPr name="TextBox 2" id="2"/>
-          <p:cNvSpPr txBox="true"/>
-          <p:nvPr/>
-        </p:nvSpPr>
-        <p:spPr>
-          <a:xfrm rot="0">
-            <a:off x="2146328" y="1849572"/>
-            <a:ext cx="15258928" cy="1457325"/>
-          </a:xfrm>
-          <a:prstGeom prst="rect">
-            <a:avLst/>
-          </a:prstGeom>
-        </p:spPr>
-        <p:txBody>
-          <a:bodyPr anchor="t" rtlCol="false" tIns="0" lIns="0" bIns="0" rIns="0">
-            <a:spAutoFit/>
-          </a:bodyPr>
-          <a:lstStyle/>
-          <a:p>
-            <a:pPr algn="l">
-              <a:lnSpc>
-                <a:spcPts val="11400"/>
-              </a:lnSpc>
-              <a:spcBef>
-                <a:spcPct val="0"/>
-              </a:spcBef>
-            </a:pPr>
-            <a:r>
-              <a:rPr lang="en-US" sz="9500">
-                <a:solidFill>
-                  <a:srgbClr val="000000"/>
-                </a:solidFill>
-                <a:latin typeface="TAN Headline"/>
-                <a:ea typeface="TAN Headline"/>
-                <a:cs typeface="TAN Headline"/>
-                <a:sym typeface="TAN Headline"/>
-              </a:rPr>
-              <a:t>Working with github</a:t>
-            </a:r>
-          </a:p>
-        </p:txBody>
-      </p:sp>
-      <p:sp>
-        <p:nvSpPr>
-          <p:cNvPr name="Freeform 3" id="3"/>
+          <p:cNvPr name="Freeform 2" id="2"/>
           <p:cNvSpPr/>
           <p:nvPr/>
         </p:nvSpPr>
         <p:spPr>
           <a:xfrm flipH="false" flipV="false" rot="0">
-            <a:off x="15541815" y="567699"/>
-            <a:ext cx="1488455" cy="1291398"/>
+            <a:off x="798787" y="2103046"/>
+            <a:ext cx="1147738" cy="1275265"/>
           </a:xfrm>
           <a:custGeom>
             <a:avLst/>
@@ -7533,18 +6307,18 @@
             <a:cxnLst/>
             <a:rect r="r" b="b" t="t" l="l"/>
             <a:pathLst>
-              <a:path h="1291398" w="1488455">
+              <a:path h="1275265" w="1147738">
                 <a:moveTo>
                   <a:pt x="0" y="0"/>
                 </a:moveTo>
                 <a:lnTo>
-                  <a:pt x="1488455" y="0"/>
-                </a:lnTo>
-                <a:lnTo>
-                  <a:pt x="1488455" y="1291398"/>
-                </a:lnTo>
-                <a:lnTo>
-                  <a:pt x="0" y="1291398"/>
+                  <a:pt x="1147738" y="0"/>
+                </a:lnTo>
+                <a:lnTo>
+                  <a:pt x="1147738" y="1275265"/>
+                </a:lnTo>
+                <a:lnTo>
+                  <a:pt x="0" y="1275265"/>
                 </a:lnTo>
                 <a:lnTo>
                   <a:pt x="0" y="0"/>
@@ -7554,10 +6328,152 @@
             </a:pathLst>
           </a:custGeom>
           <a:blipFill>
-            <a:blip r:embed="rId2">
+            <a:blip r:embed="rId2"/>
+            <a:stretch>
+              <a:fillRect l="0" t="0" r="0" b="0"/>
+            </a:stretch>
+          </a:blipFill>
+        </p:spPr>
+      </p:sp>
+      <p:sp>
+        <p:nvSpPr>
+          <p:cNvPr name="Freeform 3" id="3"/>
+          <p:cNvSpPr/>
+          <p:nvPr/>
+        </p:nvSpPr>
+        <p:spPr>
+          <a:xfrm flipH="false" flipV="false" rot="0">
+            <a:off x="789262" y="4316423"/>
+            <a:ext cx="1626615" cy="1738027"/>
+          </a:xfrm>
+          <a:custGeom>
+            <a:avLst/>
+            <a:gdLst/>
+            <a:ahLst/>
+            <a:cxnLst/>
+            <a:rect r="r" b="b" t="t" l="l"/>
+            <a:pathLst>
+              <a:path h="1738027" w="1626615">
+                <a:moveTo>
+                  <a:pt x="0" y="0"/>
+                </a:moveTo>
+                <a:lnTo>
+                  <a:pt x="1626614" y="0"/>
+                </a:lnTo>
+                <a:lnTo>
+                  <a:pt x="1626614" y="1738026"/>
+                </a:lnTo>
+                <a:lnTo>
+                  <a:pt x="0" y="1738026"/>
+                </a:lnTo>
+                <a:lnTo>
+                  <a:pt x="0" y="0"/>
+                </a:lnTo>
+                <a:close/>
+              </a:path>
+            </a:pathLst>
+          </a:custGeom>
+          <a:blipFill>
+            <a:blip r:embed="rId3"/>
+            <a:stretch>
+              <a:fillRect l="0" t="0" r="0" b="0"/>
+            </a:stretch>
+          </a:blipFill>
+        </p:spPr>
+      </p:sp>
+      <p:pic>
+        <p:nvPicPr>
+          <p:cNvPr name="Picture 4" id="4"/>
+          <p:cNvPicPr>
+            <a:picLocks noChangeAspect="true"/>
+          </p:cNvPicPr>
+          <p:nvPr/>
+        </p:nvPicPr>
+        <p:blipFill>
+          <a:blip r:embed="rId4"/>
+          <a:srcRect l="0" t="0" r="0" b="0"/>
+          <a:stretch>
+            <a:fillRect/>
+          </a:stretch>
+        </p:blipFill>
+        <p:spPr>
+          <a:xfrm flipH="false" flipV="false" rot="0">
+            <a:off x="4145976" y="1913487"/>
+            <a:ext cx="1275265" cy="1275265"/>
+          </a:xfrm>
+          <a:prstGeom prst="rect">
+            <a:avLst/>
+          </a:prstGeom>
+        </p:spPr>
+      </p:pic>
+      <p:pic>
+        <p:nvPicPr>
+          <p:cNvPr name="Picture 5" id="5"/>
+          <p:cNvPicPr>
+            <a:picLocks noChangeAspect="true"/>
+          </p:cNvPicPr>
+          <p:nvPr/>
+        </p:nvPicPr>
+        <p:blipFill>
+          <a:blip r:embed="rId4"/>
+          <a:srcRect l="0" t="0" r="0" b="0"/>
+          <a:stretch>
+            <a:fillRect/>
+          </a:stretch>
+        </p:blipFill>
+        <p:spPr>
+          <a:xfrm flipH="false" flipV="false" rot="0">
+            <a:off x="4204972" y="4528754"/>
+            <a:ext cx="1275265" cy="1275265"/>
+          </a:xfrm>
+          <a:prstGeom prst="rect">
+            <a:avLst/>
+          </a:prstGeom>
+        </p:spPr>
+      </p:pic>
+      <p:sp>
+        <p:nvSpPr>
+          <p:cNvPr name="Freeform 6" id="6"/>
+          <p:cNvSpPr/>
+          <p:nvPr/>
+        </p:nvSpPr>
+        <p:spPr>
+          <a:xfrm flipH="false" flipV="false" rot="0">
+            <a:off x="4008422" y="7508939"/>
+            <a:ext cx="1610559" cy="1610559"/>
+          </a:xfrm>
+          <a:custGeom>
+            <a:avLst/>
+            <a:gdLst/>
+            <a:ahLst/>
+            <a:cxnLst/>
+            <a:rect r="r" b="b" t="t" l="l"/>
+            <a:pathLst>
+              <a:path h="1610559" w="1610559">
+                <a:moveTo>
+                  <a:pt x="0" y="0"/>
+                </a:moveTo>
+                <a:lnTo>
+                  <a:pt x="1610558" y="0"/>
+                </a:lnTo>
+                <a:lnTo>
+                  <a:pt x="1610558" y="1610559"/>
+                </a:lnTo>
+                <a:lnTo>
+                  <a:pt x="0" y="1610559"/>
+                </a:lnTo>
+                <a:lnTo>
+                  <a:pt x="0" y="0"/>
+                </a:lnTo>
+                <a:close/>
+              </a:path>
+            </a:pathLst>
+          </a:custGeom>
+          <a:blipFill>
+            <a:blip r:embed="rId5">
               <a:extLst>
                 <a:ext uri="{96DAC541-7B7A-43D3-8B79-37D633B846F1}">
-                  <asvg:svgBlip xmlns:asvg="http://schemas.microsoft.com/office/drawing/2016/SVG/main" r:embed="rId3"/>
+                  <asvg:svgBlip xmlns:asvg="http://schemas.microsoft.com/office/drawing/2016/SVG/main" r:embed="rId6"/>
                 </a:ext>
               </a:extLst>
             </a:blip>
@@ -7569,14 +6485,14 @@
       </p:sp>
       <p:sp>
         <p:nvSpPr>
-          <p:cNvPr name="Freeform 4" id="4"/>
+          <p:cNvPr name="Freeform 7" id="7"/>
           <p:cNvSpPr/>
           <p:nvPr/>
         </p:nvSpPr>
         <p:spPr>
-          <a:xfrm flipH="false" flipV="true" rot="-3556088">
-            <a:off x="15154953" y="6177736"/>
-            <a:ext cx="3750634" cy="3974660"/>
+          <a:xfrm flipH="false" flipV="false" rot="0">
+            <a:off x="6684380" y="355001"/>
+            <a:ext cx="2191077" cy="904581"/>
           </a:xfrm>
           <a:custGeom>
             <a:avLst/>
@@ -7585,31 +6501,31 @@
             <a:cxnLst/>
             <a:rect r="r" b="b" t="t" l="l"/>
             <a:pathLst>
-              <a:path h="3974660" w="3750634">
+              <a:path h="904581" w="2191077">
                 <a:moveTo>
-                  <a:pt x="0" y="3974660"/>
+                  <a:pt x="0" y="0"/>
                 </a:moveTo>
                 <a:lnTo>
-                  <a:pt x="3750634" y="3974660"/>
-                </a:lnTo>
-                <a:lnTo>
-                  <a:pt x="3750634" y="0"/>
+                  <a:pt x="2191076" y="0"/>
+                </a:lnTo>
+                <a:lnTo>
+                  <a:pt x="2191076" y="904581"/>
+                </a:lnTo>
+                <a:lnTo>
+                  <a:pt x="0" y="904581"/>
                 </a:lnTo>
                 <a:lnTo>
                   <a:pt x="0" y="0"/>
-                </a:lnTo>
-                <a:lnTo>
-                  <a:pt x="0" y="3974660"/>
                 </a:lnTo>
                 <a:close/>
               </a:path>
             </a:pathLst>
           </a:custGeom>
           <a:blipFill>
-            <a:blip r:embed="rId4">
+            <a:blip r:embed="rId7">
               <a:extLst>
                 <a:ext uri="{96DAC541-7B7A-43D3-8B79-37D633B846F1}">
-                  <asvg:svgBlip xmlns:asvg="http://schemas.microsoft.com/office/drawing/2016/SVG/main" r:embed="rId5"/>
+                  <asvg:svgBlip xmlns:asvg="http://schemas.microsoft.com/office/drawing/2016/SVG/main" r:embed="rId8"/>
                 </a:ext>
               </a:extLst>
             </a:blip>
@@ -7621,14 +6537,14 @@
       </p:sp>
       <p:sp>
         <p:nvSpPr>
-          <p:cNvPr name="Freeform 5" id="5"/>
+          <p:cNvPr name="Freeform 8" id="8"/>
           <p:cNvSpPr/>
           <p:nvPr/>
         </p:nvSpPr>
         <p:spPr>
           <a:xfrm flipH="false" flipV="false" rot="0">
-            <a:off x="10796962" y="4379337"/>
-            <a:ext cx="3305923" cy="5056118"/>
+            <a:off x="3772663" y="320561"/>
+            <a:ext cx="2274498" cy="939021"/>
           </a:xfrm>
           <a:custGeom>
             <a:avLst/>
@@ -7637,18 +6553,18 @@
             <a:cxnLst/>
             <a:rect r="r" b="b" t="t" l="l"/>
             <a:pathLst>
-              <a:path h="5056118" w="3305923">
+              <a:path h="939021" w="2274498">
                 <a:moveTo>
                   <a:pt x="0" y="0"/>
                 </a:moveTo>
                 <a:lnTo>
-                  <a:pt x="3305923" y="0"/>
-                </a:lnTo>
-                <a:lnTo>
-                  <a:pt x="3305923" y="5056118"/>
-                </a:lnTo>
-                <a:lnTo>
-                  <a:pt x="0" y="5056118"/>
+                  <a:pt x="2274498" y="0"/>
+                </a:lnTo>
+                <a:lnTo>
+                  <a:pt x="2274498" y="939021"/>
+                </a:lnTo>
+                <a:lnTo>
+                  <a:pt x="0" y="939021"/>
                 </a:lnTo>
                 <a:lnTo>
                   <a:pt x="0" y="0"/>
@@ -7658,12 +6574,1722 @@
             </a:pathLst>
           </a:custGeom>
           <a:blipFill>
-            <a:blip r:embed="rId6"/>
+            <a:blip r:embed="rId7">
+              <a:extLst>
+                <a:ext uri="{96DAC541-7B7A-43D3-8B79-37D633B846F1}">
+                  <asvg:svgBlip xmlns:asvg="http://schemas.microsoft.com/office/drawing/2016/SVG/main" r:embed="rId8"/>
+                </a:ext>
+              </a:extLst>
+            </a:blip>
             <a:stretch>
               <a:fillRect l="0" t="0" r="0" b="0"/>
             </a:stretch>
           </a:blipFill>
         </p:spPr>
+      </p:sp>
+      <p:pic>
+        <p:nvPicPr>
+          <p:cNvPr name="Picture 9" id="9"/>
+          <p:cNvPicPr>
+            <a:picLocks noChangeAspect="true"/>
+          </p:cNvPicPr>
+          <p:nvPr/>
+        </p:nvPicPr>
+        <p:blipFill>
+          <a:blip r:embed="rId4"/>
+          <a:srcRect l="0" t="0" r="0" b="0"/>
+          <a:stretch>
+            <a:fillRect/>
+          </a:stretch>
+        </p:blipFill>
+        <p:spPr>
+          <a:xfrm flipH="false" flipV="false" rot="0">
+            <a:off x="7525042" y="7676586"/>
+            <a:ext cx="1275265" cy="1275265"/>
+          </a:xfrm>
+          <a:prstGeom prst="rect">
+            <a:avLst/>
+          </a:prstGeom>
+        </p:spPr>
+      </p:pic>
+      <p:sp>
+        <p:nvSpPr>
+          <p:cNvPr name="Freeform 10" id="10"/>
+          <p:cNvSpPr/>
+          <p:nvPr/>
+        </p:nvSpPr>
+        <p:spPr>
+          <a:xfrm flipH="false" flipV="false" rot="0">
+            <a:off x="9772507" y="355001"/>
+            <a:ext cx="2191077" cy="904581"/>
+          </a:xfrm>
+          <a:custGeom>
+            <a:avLst/>
+            <a:gdLst/>
+            <a:ahLst/>
+            <a:cxnLst/>
+            <a:rect r="r" b="b" t="t" l="l"/>
+            <a:pathLst>
+              <a:path h="904581" w="2191077">
+                <a:moveTo>
+                  <a:pt x="0" y="0"/>
+                </a:moveTo>
+                <a:lnTo>
+                  <a:pt x="2191077" y="0"/>
+                </a:lnTo>
+                <a:lnTo>
+                  <a:pt x="2191077" y="904581"/>
+                </a:lnTo>
+                <a:lnTo>
+                  <a:pt x="0" y="904581"/>
+                </a:lnTo>
+                <a:lnTo>
+                  <a:pt x="0" y="0"/>
+                </a:lnTo>
+                <a:close/>
+              </a:path>
+            </a:pathLst>
+          </a:custGeom>
+          <a:blipFill>
+            <a:blip r:embed="rId7">
+              <a:extLst>
+                <a:ext uri="{96DAC541-7B7A-43D3-8B79-37D633B846F1}">
+                  <asvg:svgBlip xmlns:asvg="http://schemas.microsoft.com/office/drawing/2016/SVG/main" r:embed="rId8"/>
+                </a:ext>
+              </a:extLst>
+            </a:blip>
+            <a:stretch>
+              <a:fillRect l="0" t="0" r="0" b="0"/>
+            </a:stretch>
+          </a:blipFill>
+        </p:spPr>
+      </p:sp>
+      <p:sp>
+        <p:nvSpPr>
+          <p:cNvPr name="AutoShape 11" id="11"/>
+          <p:cNvSpPr/>
+          <p:nvPr/>
+        </p:nvSpPr>
+        <p:spPr>
+          <a:xfrm flipV="true">
+            <a:off x="2573966" y="2717314"/>
+            <a:ext cx="1266413" cy="0"/>
+          </a:xfrm>
+          <a:prstGeom prst="line">
+            <a:avLst/>
+          </a:prstGeom>
+          <a:ln cap="flat" w="38100">
+            <a:solidFill>
+              <a:srgbClr val="000000"/>
+            </a:solidFill>
+            <a:prstDash val="solid"/>
+            <a:headEnd type="none" len="sm" w="sm"/>
+            <a:tailEnd type="triangle" len="med" w="lg"/>
+          </a:ln>
+        </p:spPr>
+      </p:sp>
+      <p:sp>
+        <p:nvSpPr>
+          <p:cNvPr name="AutoShape 12" id="12"/>
+          <p:cNvSpPr/>
+          <p:nvPr/>
+        </p:nvSpPr>
+        <p:spPr>
+          <a:xfrm>
+            <a:off x="2742009" y="5185436"/>
+            <a:ext cx="1266413" cy="0"/>
+          </a:xfrm>
+          <a:prstGeom prst="line">
+            <a:avLst/>
+          </a:prstGeom>
+          <a:ln cap="flat" w="38100">
+            <a:solidFill>
+              <a:srgbClr val="000000"/>
+            </a:solidFill>
+            <a:prstDash val="solid"/>
+            <a:headEnd type="none" len="sm" w="sm"/>
+            <a:tailEnd type="triangle" len="med" w="lg"/>
+          </a:ln>
+        </p:spPr>
+      </p:sp>
+      <p:sp>
+        <p:nvSpPr>
+          <p:cNvPr name="AutoShape 13" id="13"/>
+          <p:cNvSpPr/>
+          <p:nvPr/>
+        </p:nvSpPr>
+        <p:spPr>
+          <a:xfrm>
+            <a:off x="4646054" y="6644998"/>
+            <a:ext cx="0" cy="640621"/>
+          </a:xfrm>
+          <a:prstGeom prst="line">
+            <a:avLst/>
+          </a:prstGeom>
+          <a:ln cap="flat" w="38100">
+            <a:solidFill>
+              <a:srgbClr val="000000"/>
+            </a:solidFill>
+            <a:prstDash val="solid"/>
+            <a:headEnd type="none" len="sm" w="sm"/>
+            <a:tailEnd type="triangle" len="med" w="lg"/>
+          </a:ln>
+        </p:spPr>
+      </p:sp>
+      <p:sp>
+        <p:nvSpPr>
+          <p:cNvPr name="AutoShape 14" id="14"/>
+          <p:cNvSpPr/>
+          <p:nvPr/>
+        </p:nvSpPr>
+        <p:spPr>
+          <a:xfrm>
+            <a:off x="5742840" y="8295168"/>
+            <a:ext cx="1266413" cy="0"/>
+          </a:xfrm>
+          <a:prstGeom prst="line">
+            <a:avLst/>
+          </a:prstGeom>
+          <a:ln cap="flat" w="38100">
+            <a:solidFill>
+              <a:srgbClr val="000000"/>
+            </a:solidFill>
+            <a:prstDash val="solid"/>
+            <a:headEnd type="none" len="sm" w="sm"/>
+            <a:tailEnd type="triangle" len="med" w="lg"/>
+          </a:ln>
+        </p:spPr>
+      </p:sp>
+      <p:sp>
+        <p:nvSpPr>
+          <p:cNvPr name="Freeform 15" id="15"/>
+          <p:cNvSpPr/>
+          <p:nvPr/>
+        </p:nvSpPr>
+        <p:spPr>
+          <a:xfrm flipH="false" flipV="false" rot="0">
+            <a:off x="15689723" y="355001"/>
+            <a:ext cx="2191077" cy="904581"/>
+          </a:xfrm>
+          <a:custGeom>
+            <a:avLst/>
+            <a:gdLst/>
+            <a:ahLst/>
+            <a:cxnLst/>
+            <a:rect r="r" b="b" t="t" l="l"/>
+            <a:pathLst>
+              <a:path h="904581" w="2191077">
+                <a:moveTo>
+                  <a:pt x="0" y="0"/>
+                </a:moveTo>
+                <a:lnTo>
+                  <a:pt x="2191076" y="0"/>
+                </a:lnTo>
+                <a:lnTo>
+                  <a:pt x="2191076" y="904581"/>
+                </a:lnTo>
+                <a:lnTo>
+                  <a:pt x="0" y="904581"/>
+                </a:lnTo>
+                <a:lnTo>
+                  <a:pt x="0" y="0"/>
+                </a:lnTo>
+                <a:close/>
+              </a:path>
+            </a:pathLst>
+          </a:custGeom>
+          <a:blipFill>
+            <a:blip r:embed="rId7">
+              <a:extLst>
+                <a:ext uri="{96DAC541-7B7A-43D3-8B79-37D633B846F1}">
+                  <asvg:svgBlip xmlns:asvg="http://schemas.microsoft.com/office/drawing/2016/SVG/main" r:embed="rId8"/>
+                </a:ext>
+              </a:extLst>
+            </a:blip>
+            <a:stretch>
+              <a:fillRect l="0" t="0" r="0" b="0"/>
+            </a:stretch>
+          </a:blipFill>
+        </p:spPr>
+      </p:sp>
+      <p:pic>
+        <p:nvPicPr>
+          <p:cNvPr name="Picture 16" id="16"/>
+          <p:cNvPicPr>
+            <a:picLocks noChangeAspect="true"/>
+          </p:cNvPicPr>
+          <p:nvPr/>
+        </p:nvPicPr>
+        <p:blipFill>
+          <a:blip r:embed="rId9"/>
+          <a:srcRect l="0" t="0" r="0" b="0"/>
+          <a:stretch>
+            <a:fillRect/>
+          </a:stretch>
+        </p:blipFill>
+        <p:spPr>
+          <a:xfrm flipH="false" flipV="false" rot="0">
+            <a:off x="15689723" y="1874579"/>
+            <a:ext cx="1482631" cy="1647368"/>
+          </a:xfrm>
+          <a:prstGeom prst="rect">
+            <a:avLst/>
+          </a:prstGeom>
+        </p:spPr>
+      </p:pic>
+      <p:sp>
+        <p:nvSpPr>
+          <p:cNvPr name="TextBox 17" id="17"/>
+          <p:cNvSpPr txBox="true"/>
+          <p:nvPr/>
+        </p:nvSpPr>
+        <p:spPr>
+          <a:xfrm rot="0">
+            <a:off x="6684380" y="3878659"/>
+            <a:ext cx="5013876" cy="331851"/>
+          </a:xfrm>
+          <a:prstGeom prst="rect">
+            <a:avLst/>
+          </a:prstGeom>
+        </p:spPr>
+        <p:txBody>
+          <a:bodyPr anchor="t" rtlCol="false" tIns="0" lIns="0" bIns="0" rIns="0">
+            <a:spAutoFit/>
+          </a:bodyPr>
+          <a:lstStyle/>
+          <a:p>
+            <a:pPr algn="just">
+              <a:lnSpc>
+                <a:spcPts val="2622"/>
+              </a:lnSpc>
+            </a:pPr>
+            <a:r>
+              <a:rPr lang="en-US" sz="2300">
+                <a:solidFill>
+                  <a:srgbClr val="000000"/>
+                </a:solidFill>
+                <a:latin typeface="Handy Casual"/>
+                <a:ea typeface="Handy Casual"/>
+                <a:cs typeface="Handy Casual"/>
+                <a:sym typeface="Handy Casual"/>
+              </a:rPr>
+              <a:t>Attraction features (Rides, ... )</a:t>
+            </a:r>
+          </a:p>
+        </p:txBody>
+      </p:sp>
+      <p:sp>
+        <p:nvSpPr>
+          <p:cNvPr name="Freeform 18" id="18"/>
+          <p:cNvSpPr/>
+          <p:nvPr/>
+        </p:nvSpPr>
+        <p:spPr>
+          <a:xfrm flipH="false" flipV="false" rot="0">
+            <a:off x="12860634" y="337781"/>
+            <a:ext cx="2191077" cy="904581"/>
+          </a:xfrm>
+          <a:custGeom>
+            <a:avLst/>
+            <a:gdLst/>
+            <a:ahLst/>
+            <a:cxnLst/>
+            <a:rect r="r" b="b" t="t" l="l"/>
+            <a:pathLst>
+              <a:path h="904581" w="2191077">
+                <a:moveTo>
+                  <a:pt x="0" y="0"/>
+                </a:moveTo>
+                <a:lnTo>
+                  <a:pt x="2191077" y="0"/>
+                </a:lnTo>
+                <a:lnTo>
+                  <a:pt x="2191077" y="904580"/>
+                </a:lnTo>
+                <a:lnTo>
+                  <a:pt x="0" y="904580"/>
+                </a:lnTo>
+                <a:lnTo>
+                  <a:pt x="0" y="0"/>
+                </a:lnTo>
+                <a:close/>
+              </a:path>
+            </a:pathLst>
+          </a:custGeom>
+          <a:blipFill>
+            <a:blip r:embed="rId7">
+              <a:extLst>
+                <a:ext uri="{96DAC541-7B7A-43D3-8B79-37D633B846F1}">
+                  <asvg:svgBlip xmlns:asvg="http://schemas.microsoft.com/office/drawing/2016/SVG/main" r:embed="rId8"/>
+                </a:ext>
+              </a:extLst>
+            </a:blip>
+            <a:stretch>
+              <a:fillRect l="0" t="0" r="0" b="0"/>
+            </a:stretch>
+          </a:blipFill>
+        </p:spPr>
+      </p:sp>
+      <p:pic>
+        <p:nvPicPr>
+          <p:cNvPr name="Picture 19" id="19"/>
+          <p:cNvPicPr>
+            <a:picLocks noChangeAspect="true"/>
+          </p:cNvPicPr>
+          <p:nvPr/>
+        </p:nvPicPr>
+        <p:blipFill>
+          <a:blip r:embed="rId4"/>
+          <a:srcRect l="0" t="0" r="0" b="0"/>
+          <a:stretch>
+            <a:fillRect/>
+          </a:stretch>
+        </p:blipFill>
+        <p:spPr>
+          <a:xfrm flipH="false" flipV="false" rot="0">
+            <a:off x="10288295" y="4082652"/>
+            <a:ext cx="1275265" cy="1275265"/>
+          </a:xfrm>
+          <a:prstGeom prst="rect">
+            <a:avLst/>
+          </a:prstGeom>
+        </p:spPr>
+      </p:pic>
+      <p:pic>
+        <p:nvPicPr>
+          <p:cNvPr name="Picture 20" id="20"/>
+          <p:cNvPicPr>
+            <a:picLocks noChangeAspect="true"/>
+          </p:cNvPicPr>
+          <p:nvPr/>
+        </p:nvPicPr>
+        <p:blipFill>
+          <a:blip r:embed="rId4"/>
+          <a:srcRect l="0" t="0" r="0" b="0"/>
+          <a:stretch>
+            <a:fillRect/>
+          </a:stretch>
+        </p:blipFill>
+        <p:spPr>
+          <a:xfrm flipH="false" flipV="false" rot="0">
+            <a:off x="10288295" y="7676586"/>
+            <a:ext cx="1275265" cy="1275265"/>
+          </a:xfrm>
+          <a:prstGeom prst="rect">
+            <a:avLst/>
+          </a:prstGeom>
+        </p:spPr>
+      </p:pic>
+      <p:sp>
+        <p:nvSpPr>
+          <p:cNvPr name="AutoShape 21" id="21"/>
+          <p:cNvSpPr/>
+          <p:nvPr/>
+        </p:nvSpPr>
+        <p:spPr>
+          <a:xfrm flipV="true">
+            <a:off x="8772542" y="5909284"/>
+            <a:ext cx="828176" cy="1599655"/>
+          </a:xfrm>
+          <a:prstGeom prst="line">
+            <a:avLst/>
+          </a:prstGeom>
+          <a:ln cap="flat" w="38100">
+            <a:solidFill>
+              <a:srgbClr val="000000"/>
+            </a:solidFill>
+            <a:prstDash val="solid"/>
+            <a:headEnd type="none" len="sm" w="sm"/>
+            <a:tailEnd type="triangle" len="med" w="lg"/>
+          </a:ln>
+        </p:spPr>
+      </p:sp>
+      <p:sp>
+        <p:nvSpPr>
+          <p:cNvPr name="AutoShape 22" id="22"/>
+          <p:cNvSpPr/>
+          <p:nvPr/>
+        </p:nvSpPr>
+        <p:spPr>
+          <a:xfrm>
+            <a:off x="8967511" y="8447568"/>
+            <a:ext cx="1045734" cy="58729"/>
+          </a:xfrm>
+          <a:prstGeom prst="line">
+            <a:avLst/>
+          </a:prstGeom>
+          <a:ln cap="flat" w="38100">
+            <a:solidFill>
+              <a:srgbClr val="000000"/>
+            </a:solidFill>
+            <a:prstDash val="solid"/>
+            <a:headEnd type="none" len="sm" w="sm"/>
+            <a:tailEnd type="triangle" len="med" w="lg"/>
+          </a:ln>
+        </p:spPr>
+      </p:sp>
+      <p:pic>
+        <p:nvPicPr>
+          <p:cNvPr name="Picture 23" id="23"/>
+          <p:cNvPicPr>
+            <a:picLocks noChangeAspect="true"/>
+          </p:cNvPicPr>
+          <p:nvPr/>
+        </p:nvPicPr>
+        <p:blipFill>
+          <a:blip r:embed="rId4"/>
+          <a:srcRect l="0" t="0" r="0" b="0"/>
+          <a:stretch>
+            <a:fillRect/>
+          </a:stretch>
+        </p:blipFill>
+        <p:spPr>
+          <a:xfrm flipH="false" flipV="false" rot="0">
+            <a:off x="12896658" y="3910568"/>
+            <a:ext cx="1275265" cy="1275265"/>
+          </a:xfrm>
+          <a:prstGeom prst="rect">
+            <a:avLst/>
+          </a:prstGeom>
+        </p:spPr>
+      </p:pic>
+      <p:sp>
+        <p:nvSpPr>
+          <p:cNvPr name="Freeform 24" id="24"/>
+          <p:cNvSpPr/>
+          <p:nvPr/>
+        </p:nvSpPr>
+        <p:spPr>
+          <a:xfrm flipH="false" flipV="false" rot="0">
+            <a:off x="10662926" y="6432178"/>
+            <a:ext cx="526003" cy="682752"/>
+          </a:xfrm>
+          <a:custGeom>
+            <a:avLst/>
+            <a:gdLst/>
+            <a:ahLst/>
+            <a:cxnLst/>
+            <a:rect r="r" b="b" t="t" l="l"/>
+            <a:pathLst>
+              <a:path h="682752" w="526003">
+                <a:moveTo>
+                  <a:pt x="0" y="0"/>
+                </a:moveTo>
+                <a:lnTo>
+                  <a:pt x="526003" y="0"/>
+                </a:lnTo>
+                <a:lnTo>
+                  <a:pt x="526003" y="682752"/>
+                </a:lnTo>
+                <a:lnTo>
+                  <a:pt x="0" y="682752"/>
+                </a:lnTo>
+                <a:lnTo>
+                  <a:pt x="0" y="0"/>
+                </a:lnTo>
+                <a:close/>
+              </a:path>
+            </a:pathLst>
+          </a:custGeom>
+          <a:blipFill>
+            <a:blip r:embed="rId10">
+              <a:extLst>
+                <a:ext uri="{96DAC541-7B7A-43D3-8B79-37D633B846F1}">
+                  <asvg:svgBlip xmlns:asvg="http://schemas.microsoft.com/office/drawing/2016/SVG/main" r:embed="rId11"/>
+                </a:ext>
+              </a:extLst>
+            </a:blip>
+            <a:stretch>
+              <a:fillRect l="0" t="0" r="0" b="0"/>
+            </a:stretch>
+          </a:blipFill>
+        </p:spPr>
+      </p:sp>
+      <p:sp>
+        <p:nvSpPr>
+          <p:cNvPr name="TextBox 25" id="25"/>
+          <p:cNvSpPr txBox="true"/>
+          <p:nvPr/>
+        </p:nvSpPr>
+        <p:spPr>
+          <a:xfrm rot="0">
+            <a:off x="10194795" y="5509021"/>
+            <a:ext cx="3526578" cy="331851"/>
+          </a:xfrm>
+          <a:prstGeom prst="rect">
+            <a:avLst/>
+          </a:prstGeom>
+        </p:spPr>
+        <p:txBody>
+          <a:bodyPr anchor="t" rtlCol="false" tIns="0" lIns="0" bIns="0" rIns="0">
+            <a:spAutoFit/>
+          </a:bodyPr>
+          <a:lstStyle/>
+          <a:p>
+            <a:pPr algn="just">
+              <a:lnSpc>
+                <a:spcPts val="2622"/>
+              </a:lnSpc>
+            </a:pPr>
+            <a:r>
+              <a:rPr lang="en-US" sz="2300">
+                <a:solidFill>
+                  <a:srgbClr val="000000"/>
+                </a:solidFill>
+                <a:latin typeface="Handy Casual"/>
+                <a:ea typeface="Handy Casual"/>
+                <a:cs typeface="Handy Casual"/>
+                <a:sym typeface="Handy Casual"/>
+              </a:rPr>
+              <a:t>Predict (XGBoost)</a:t>
+            </a:r>
+          </a:p>
+        </p:txBody>
+      </p:sp>
+      <p:sp>
+        <p:nvSpPr>
+          <p:cNvPr name="TextBox 26" id="26"/>
+          <p:cNvSpPr txBox="true"/>
+          <p:nvPr/>
+        </p:nvSpPr>
+        <p:spPr>
+          <a:xfrm rot="0">
+            <a:off x="12230310" y="5324070"/>
+            <a:ext cx="3156359" cy="979551"/>
+          </a:xfrm>
+          <a:prstGeom prst="rect">
+            <a:avLst/>
+          </a:prstGeom>
+        </p:spPr>
+        <p:txBody>
+          <a:bodyPr anchor="t" rtlCol="false" tIns="0" lIns="0" bIns="0" rIns="0">
+            <a:spAutoFit/>
+          </a:bodyPr>
+          <a:lstStyle/>
+          <a:p>
+            <a:pPr algn="just">
+              <a:lnSpc>
+                <a:spcPts val="2622"/>
+              </a:lnSpc>
+            </a:pPr>
+            <a:r>
+              <a:rPr lang="en-US" sz="2300">
+                <a:solidFill>
+                  <a:srgbClr val="000000"/>
+                </a:solidFill>
+                <a:latin typeface="Handy Casual"/>
+                <a:ea typeface="Handy Casual"/>
+                <a:cs typeface="Handy Casual"/>
+                <a:sym typeface="Handy Casual"/>
+              </a:rPr>
+              <a:t>Planning algorithm (weighing inmportance of weather conditions and waiting lines).</a:t>
+            </a:r>
+          </a:p>
+        </p:txBody>
+      </p:sp>
+      <p:sp>
+        <p:nvSpPr>
+          <p:cNvPr name="AutoShape 27" id="27"/>
+          <p:cNvSpPr/>
+          <p:nvPr/>
+        </p:nvSpPr>
+        <p:spPr>
+          <a:xfrm flipV="true">
+            <a:off x="10925928" y="7285618"/>
+            <a:ext cx="0" cy="390968"/>
+          </a:xfrm>
+          <a:prstGeom prst="line">
+            <a:avLst/>
+          </a:prstGeom>
+          <a:ln cap="flat" w="38100">
+            <a:solidFill>
+              <a:srgbClr val="000000"/>
+            </a:solidFill>
+            <a:prstDash val="solid"/>
+            <a:headEnd type="none" len="sm" w="sm"/>
+            <a:tailEnd type="triangle" len="med" w="lg"/>
+          </a:ln>
+        </p:spPr>
+      </p:sp>
+      <p:sp>
+        <p:nvSpPr>
+          <p:cNvPr name="AutoShape 28" id="28"/>
+          <p:cNvSpPr/>
+          <p:nvPr/>
+        </p:nvSpPr>
+        <p:spPr>
+          <a:xfrm flipV="true">
+            <a:off x="10925928" y="5840872"/>
+            <a:ext cx="0" cy="591306"/>
+          </a:xfrm>
+          <a:prstGeom prst="line">
+            <a:avLst/>
+          </a:prstGeom>
+          <a:ln cap="flat" w="38100">
+            <a:solidFill>
+              <a:srgbClr val="000000"/>
+            </a:solidFill>
+            <a:prstDash val="solid"/>
+            <a:headEnd type="none" len="sm" w="sm"/>
+            <a:tailEnd type="triangle" len="med" w="lg"/>
+          </a:ln>
+        </p:spPr>
+      </p:sp>
+      <p:sp>
+        <p:nvSpPr>
+          <p:cNvPr name="AutoShape 29" id="29"/>
+          <p:cNvSpPr/>
+          <p:nvPr/>
+        </p:nvSpPr>
+        <p:spPr>
+          <a:xfrm>
+            <a:off x="11698255" y="4633420"/>
+            <a:ext cx="1266413" cy="0"/>
+          </a:xfrm>
+          <a:prstGeom prst="line">
+            <a:avLst/>
+          </a:prstGeom>
+          <a:ln cap="flat" w="38100">
+            <a:solidFill>
+              <a:srgbClr val="000000"/>
+            </a:solidFill>
+            <a:prstDash val="solid"/>
+            <a:headEnd type="none" len="sm" w="sm"/>
+            <a:tailEnd type="triangle" len="med" w="lg"/>
+          </a:ln>
+        </p:spPr>
+      </p:sp>
+      <p:sp>
+        <p:nvSpPr>
+          <p:cNvPr name="AutoShape 30" id="30"/>
+          <p:cNvSpPr/>
+          <p:nvPr/>
+        </p:nvSpPr>
+        <p:spPr>
+          <a:xfrm>
+            <a:off x="16691594" y="5715089"/>
+            <a:ext cx="0" cy="640621"/>
+          </a:xfrm>
+          <a:prstGeom prst="line">
+            <a:avLst/>
+          </a:prstGeom>
+          <a:ln cap="flat" w="38100">
+            <a:solidFill>
+              <a:srgbClr val="000000"/>
+            </a:solidFill>
+            <a:prstDash val="solid"/>
+            <a:headEnd type="none" len="sm" w="sm"/>
+            <a:tailEnd type="triangle" len="med" w="lg"/>
+          </a:ln>
+        </p:spPr>
+      </p:sp>
+      <p:sp>
+        <p:nvSpPr>
+          <p:cNvPr name="AutoShape 31" id="31"/>
+          <p:cNvSpPr/>
+          <p:nvPr/>
+        </p:nvSpPr>
+        <p:spPr>
+          <a:xfrm>
+            <a:off x="14202857" y="5499496"/>
+            <a:ext cx="1486866" cy="1564849"/>
+          </a:xfrm>
+          <a:prstGeom prst="line">
+            <a:avLst/>
+          </a:prstGeom>
+          <a:ln cap="flat" w="38100">
+            <a:solidFill>
+              <a:srgbClr val="000000"/>
+            </a:solidFill>
+            <a:prstDash val="solid"/>
+            <a:headEnd type="none" len="sm" w="sm"/>
+            <a:tailEnd type="triangle" len="med" w="lg"/>
+          </a:ln>
+        </p:spPr>
+      </p:sp>
+      <p:sp>
+        <p:nvSpPr>
+          <p:cNvPr name="TextBox 32" id="32"/>
+          <p:cNvSpPr txBox="true"/>
+          <p:nvPr/>
+        </p:nvSpPr>
+        <p:spPr>
+          <a:xfrm rot="0">
+            <a:off x="789262" y="7124455"/>
+            <a:ext cx="2853281" cy="331851"/>
+          </a:xfrm>
+          <a:prstGeom prst="rect">
+            <a:avLst/>
+          </a:prstGeom>
+        </p:spPr>
+        <p:txBody>
+          <a:bodyPr anchor="t" rtlCol="false" tIns="0" lIns="0" bIns="0" rIns="0">
+            <a:spAutoFit/>
+          </a:bodyPr>
+          <a:lstStyle/>
+          <a:p>
+            <a:pPr algn="just">
+              <a:lnSpc>
+                <a:spcPts val="2622"/>
+              </a:lnSpc>
+            </a:pPr>
+            <a:r>
+              <a:rPr lang="en-US" sz="2300">
+                <a:solidFill>
+                  <a:srgbClr val="000000"/>
+                </a:solidFill>
+                <a:latin typeface="Handy Casual"/>
+                <a:ea typeface="Handy Casual"/>
+                <a:cs typeface="Handy Casual"/>
+                <a:sym typeface="Handy Casual"/>
+              </a:rPr>
+              <a:t>data/overview data</a:t>
+            </a:r>
+          </a:p>
+        </p:txBody>
+      </p:sp>
+      <p:sp>
+        <p:nvSpPr>
+          <p:cNvPr name="TextBox 33" id="33"/>
+          <p:cNvSpPr txBox="true"/>
+          <p:nvPr/>
+        </p:nvSpPr>
+        <p:spPr>
+          <a:xfrm rot="0">
+            <a:off x="4008422" y="3285484"/>
+            <a:ext cx="2168947" cy="331851"/>
+          </a:xfrm>
+          <a:prstGeom prst="rect">
+            <a:avLst/>
+          </a:prstGeom>
+        </p:spPr>
+        <p:txBody>
+          <a:bodyPr anchor="t" rtlCol="false" tIns="0" lIns="0" bIns="0" rIns="0">
+            <a:spAutoFit/>
+          </a:bodyPr>
+          <a:lstStyle/>
+          <a:p>
+            <a:pPr algn="just">
+              <a:lnSpc>
+                <a:spcPts val="2622"/>
+              </a:lnSpc>
+            </a:pPr>
+            <a:r>
+              <a:rPr lang="en-US" sz="2300">
+                <a:solidFill>
+                  <a:srgbClr val="000000"/>
+                </a:solidFill>
+                <a:latin typeface="Handy Casual"/>
+                <a:ea typeface="Handy Casual"/>
+                <a:cs typeface="Handy Casual"/>
+                <a:sym typeface="Handy Casual"/>
+              </a:rPr>
+              <a:t>Clean Weather Data</a:t>
+            </a:r>
+          </a:p>
+        </p:txBody>
+      </p:sp>
+      <p:sp>
+        <p:nvSpPr>
+          <p:cNvPr name="TextBox 34" id="34"/>
+          <p:cNvSpPr txBox="true"/>
+          <p:nvPr/>
+        </p:nvSpPr>
+        <p:spPr>
+          <a:xfrm rot="0">
+            <a:off x="4008422" y="6044924"/>
+            <a:ext cx="2367625" cy="331851"/>
+          </a:xfrm>
+          <a:prstGeom prst="rect">
+            <a:avLst/>
+          </a:prstGeom>
+        </p:spPr>
+        <p:txBody>
+          <a:bodyPr anchor="t" rtlCol="false" tIns="0" lIns="0" bIns="0" rIns="0">
+            <a:spAutoFit/>
+          </a:bodyPr>
+          <a:lstStyle/>
+          <a:p>
+            <a:pPr algn="just">
+              <a:lnSpc>
+                <a:spcPts val="2622"/>
+              </a:lnSpc>
+            </a:pPr>
+            <a:r>
+              <a:rPr lang="en-US" sz="2300">
+                <a:solidFill>
+                  <a:srgbClr val="000000"/>
+                </a:solidFill>
+                <a:latin typeface="Handy Casual"/>
+                <a:ea typeface="Handy Casual"/>
+                <a:cs typeface="Handy Casual"/>
+                <a:sym typeface="Handy Casual"/>
+              </a:rPr>
+              <a:t>Clean Attraction Data</a:t>
+            </a:r>
+          </a:p>
+        </p:txBody>
+      </p:sp>
+      <p:sp>
+        <p:nvSpPr>
+          <p:cNvPr name="TextBox 35" id="35"/>
+          <p:cNvSpPr txBox="true"/>
+          <p:nvPr/>
+        </p:nvSpPr>
+        <p:spPr>
+          <a:xfrm rot="0">
+            <a:off x="4008422" y="9129023"/>
+            <a:ext cx="2831206" cy="331851"/>
+          </a:xfrm>
+          <a:prstGeom prst="rect">
+            <a:avLst/>
+          </a:prstGeom>
+        </p:spPr>
+        <p:txBody>
+          <a:bodyPr anchor="t" rtlCol="false" tIns="0" lIns="0" bIns="0" rIns="0">
+            <a:spAutoFit/>
+          </a:bodyPr>
+          <a:lstStyle/>
+          <a:p>
+            <a:pPr algn="just">
+              <a:lnSpc>
+                <a:spcPts val="2622"/>
+              </a:lnSpc>
+            </a:pPr>
+            <a:r>
+              <a:rPr lang="en-US" sz="2300">
+                <a:solidFill>
+                  <a:srgbClr val="000000"/>
+                </a:solidFill>
+                <a:latin typeface="Handy Casual"/>
+                <a:ea typeface="Handy Casual"/>
+                <a:cs typeface="Handy Casual"/>
+                <a:sym typeface="Handy Casual"/>
+              </a:rPr>
+              <a:t>Merge Cleaned DataFrames</a:t>
+            </a:r>
+          </a:p>
+        </p:txBody>
+      </p:sp>
+      <p:sp>
+        <p:nvSpPr>
+          <p:cNvPr name="TextBox 36" id="36"/>
+          <p:cNvSpPr txBox="true"/>
+          <p:nvPr/>
+        </p:nvSpPr>
+        <p:spPr>
+          <a:xfrm rot="0">
+            <a:off x="6766707" y="593888"/>
+            <a:ext cx="2367625" cy="331851"/>
+          </a:xfrm>
+          <a:prstGeom prst="rect">
+            <a:avLst/>
+          </a:prstGeom>
+        </p:spPr>
+        <p:txBody>
+          <a:bodyPr anchor="t" rtlCol="false" tIns="0" lIns="0" bIns="0" rIns="0">
+            <a:spAutoFit/>
+          </a:bodyPr>
+          <a:lstStyle/>
+          <a:p>
+            <a:pPr algn="just">
+              <a:lnSpc>
+                <a:spcPts val="2622"/>
+              </a:lnSpc>
+            </a:pPr>
+            <a:r>
+              <a:rPr lang="en-US" sz="2300">
+                <a:solidFill>
+                  <a:srgbClr val="000000"/>
+                </a:solidFill>
+                <a:latin typeface="Handy Casual"/>
+                <a:ea typeface="Handy Casual"/>
+                <a:cs typeface="Handy Casual"/>
+                <a:sym typeface="Handy Casual"/>
+              </a:rPr>
+              <a:t>Feature Engineering</a:t>
+            </a:r>
+          </a:p>
+        </p:txBody>
+      </p:sp>
+      <p:sp>
+        <p:nvSpPr>
+          <p:cNvPr name="TextBox 37" id="37"/>
+          <p:cNvSpPr txBox="true"/>
+          <p:nvPr/>
+        </p:nvSpPr>
+        <p:spPr>
+          <a:xfrm rot="0">
+            <a:off x="6684380" y="2228113"/>
+            <a:ext cx="2916338" cy="655701"/>
+          </a:xfrm>
+          <a:prstGeom prst="rect">
+            <a:avLst/>
+          </a:prstGeom>
+        </p:spPr>
+        <p:txBody>
+          <a:bodyPr anchor="t" rtlCol="false" tIns="0" lIns="0" bIns="0" rIns="0">
+            <a:spAutoFit/>
+          </a:bodyPr>
+          <a:lstStyle/>
+          <a:p>
+            <a:pPr algn="just">
+              <a:lnSpc>
+                <a:spcPts val="2622"/>
+              </a:lnSpc>
+            </a:pPr>
+            <a:r>
+              <a:rPr lang="en-US" sz="2300">
+                <a:solidFill>
+                  <a:srgbClr val="000000"/>
+                </a:solidFill>
+                <a:latin typeface="Handy Casual"/>
+                <a:ea typeface="Handy Casual"/>
+                <a:cs typeface="Handy Casual"/>
+                <a:sym typeface="Handy Casual"/>
+              </a:rPr>
+              <a:t>Weather features (temperature, precipitation, ..)</a:t>
+            </a:r>
+          </a:p>
+        </p:txBody>
+      </p:sp>
+      <p:sp>
+        <p:nvSpPr>
+          <p:cNvPr name="TextBox 38" id="38"/>
+          <p:cNvSpPr txBox="true"/>
+          <p:nvPr/>
+        </p:nvSpPr>
+        <p:spPr>
+          <a:xfrm rot="0">
+            <a:off x="6684380" y="3041983"/>
+            <a:ext cx="3088127" cy="655701"/>
+          </a:xfrm>
+          <a:prstGeom prst="rect">
+            <a:avLst/>
+          </a:prstGeom>
+        </p:spPr>
+        <p:txBody>
+          <a:bodyPr anchor="t" rtlCol="false" tIns="0" lIns="0" bIns="0" rIns="0">
+            <a:spAutoFit/>
+          </a:bodyPr>
+          <a:lstStyle/>
+          <a:p>
+            <a:pPr algn="just">
+              <a:lnSpc>
+                <a:spcPts val="2622"/>
+              </a:lnSpc>
+            </a:pPr>
+            <a:r>
+              <a:rPr lang="en-US" sz="2300">
+                <a:solidFill>
+                  <a:srgbClr val="000000"/>
+                </a:solidFill>
+                <a:latin typeface="Handy Casual"/>
+                <a:ea typeface="Handy Casual"/>
+                <a:cs typeface="Handy Casual"/>
+                <a:sym typeface="Handy Casual"/>
+              </a:rPr>
+              <a:t>Date features (hour_of_day, day_of_week, ..)</a:t>
+            </a:r>
+          </a:p>
+        </p:txBody>
+      </p:sp>
+      <p:sp>
+        <p:nvSpPr>
+          <p:cNvPr name="TextBox 39" id="39"/>
+          <p:cNvSpPr txBox="true"/>
+          <p:nvPr/>
+        </p:nvSpPr>
+        <p:spPr>
+          <a:xfrm rot="0">
+            <a:off x="4138089" y="579941"/>
+            <a:ext cx="2367625" cy="331851"/>
+          </a:xfrm>
+          <a:prstGeom prst="rect">
+            <a:avLst/>
+          </a:prstGeom>
+        </p:spPr>
+        <p:txBody>
+          <a:bodyPr anchor="t" rtlCol="false" tIns="0" lIns="0" bIns="0" rIns="0">
+            <a:spAutoFit/>
+          </a:bodyPr>
+          <a:lstStyle/>
+          <a:p>
+            <a:pPr algn="just">
+              <a:lnSpc>
+                <a:spcPts val="2622"/>
+              </a:lnSpc>
+            </a:pPr>
+            <a:r>
+              <a:rPr lang="en-US" sz="2300">
+                <a:solidFill>
+                  <a:srgbClr val="000000"/>
+                </a:solidFill>
+                <a:latin typeface="Handy Casual"/>
+                <a:ea typeface="Handy Casual"/>
+                <a:cs typeface="Handy Casual"/>
+                <a:sym typeface="Handy Casual"/>
+              </a:rPr>
+              <a:t>Data clean up</a:t>
+            </a:r>
+          </a:p>
+        </p:txBody>
+      </p:sp>
+      <p:sp>
+        <p:nvSpPr>
+          <p:cNvPr name="TextBox 40" id="40"/>
+          <p:cNvSpPr txBox="true"/>
+          <p:nvPr/>
+        </p:nvSpPr>
+        <p:spPr>
+          <a:xfrm rot="0">
+            <a:off x="7009253" y="9129023"/>
+            <a:ext cx="3526578" cy="331851"/>
+          </a:xfrm>
+          <a:prstGeom prst="rect">
+            <a:avLst/>
+          </a:prstGeom>
+        </p:spPr>
+        <p:txBody>
+          <a:bodyPr anchor="t" rtlCol="false" tIns="0" lIns="0" bIns="0" rIns="0">
+            <a:spAutoFit/>
+          </a:bodyPr>
+          <a:lstStyle/>
+          <a:p>
+            <a:pPr algn="just">
+              <a:lnSpc>
+                <a:spcPts val="2622"/>
+              </a:lnSpc>
+            </a:pPr>
+            <a:r>
+              <a:rPr lang="en-US" sz="2300">
+                <a:solidFill>
+                  <a:srgbClr val="000000"/>
+                </a:solidFill>
+                <a:latin typeface="Handy Casual"/>
+                <a:ea typeface="Handy Casual"/>
+                <a:cs typeface="Handy Casual"/>
+                <a:sym typeface="Handy Casual"/>
+              </a:rPr>
+              <a:t>Feature Engineering</a:t>
+            </a:r>
+          </a:p>
+        </p:txBody>
+      </p:sp>
+      <p:sp>
+        <p:nvSpPr>
+          <p:cNvPr name="TextBox 41" id="41"/>
+          <p:cNvSpPr txBox="true"/>
+          <p:nvPr/>
+        </p:nvSpPr>
+        <p:spPr>
+          <a:xfrm rot="0">
+            <a:off x="10013245" y="593888"/>
+            <a:ext cx="2367625" cy="331851"/>
+          </a:xfrm>
+          <a:prstGeom prst="rect">
+            <a:avLst/>
+          </a:prstGeom>
+        </p:spPr>
+        <p:txBody>
+          <a:bodyPr anchor="t" rtlCol="false" tIns="0" lIns="0" bIns="0" rIns="0">
+            <a:spAutoFit/>
+          </a:bodyPr>
+          <a:lstStyle/>
+          <a:p>
+            <a:pPr algn="just">
+              <a:lnSpc>
+                <a:spcPts val="2622"/>
+              </a:lnSpc>
+            </a:pPr>
+            <a:r>
+              <a:rPr lang="en-US" sz="2300">
+                <a:solidFill>
+                  <a:srgbClr val="000000"/>
+                </a:solidFill>
+                <a:latin typeface="Handy Casual"/>
+                <a:ea typeface="Handy Casual"/>
+                <a:cs typeface="Handy Casual"/>
+                <a:sym typeface="Handy Casual"/>
+              </a:rPr>
+              <a:t>Machine Learning</a:t>
+            </a:r>
+          </a:p>
+        </p:txBody>
+      </p:sp>
+      <p:sp>
+        <p:nvSpPr>
+          <p:cNvPr name="TextBox 42" id="42"/>
+          <p:cNvSpPr txBox="true"/>
+          <p:nvPr/>
+        </p:nvSpPr>
+        <p:spPr>
+          <a:xfrm rot="0">
+            <a:off x="789262" y="3387836"/>
+            <a:ext cx="2168947" cy="331851"/>
+          </a:xfrm>
+          <a:prstGeom prst="rect">
+            <a:avLst/>
+          </a:prstGeom>
+        </p:spPr>
+        <p:txBody>
+          <a:bodyPr anchor="t" rtlCol="false" tIns="0" lIns="0" bIns="0" rIns="0">
+            <a:spAutoFit/>
+          </a:bodyPr>
+          <a:lstStyle/>
+          <a:p>
+            <a:pPr algn="just">
+              <a:lnSpc>
+                <a:spcPts val="2622"/>
+              </a:lnSpc>
+            </a:pPr>
+            <a:r>
+              <a:rPr lang="en-US" sz="2300">
+                <a:solidFill>
+                  <a:srgbClr val="000000"/>
+                </a:solidFill>
+                <a:latin typeface="Handy Casual"/>
+                <a:ea typeface="Handy Casual"/>
+                <a:cs typeface="Handy Casual"/>
+                <a:sym typeface="Handy Casual"/>
+              </a:rPr>
+              <a:t>Weather Data</a:t>
+            </a:r>
+          </a:p>
+        </p:txBody>
+      </p:sp>
+      <p:sp>
+        <p:nvSpPr>
+          <p:cNvPr name="TextBox 43" id="43"/>
+          <p:cNvSpPr txBox="true"/>
+          <p:nvPr/>
+        </p:nvSpPr>
+        <p:spPr>
+          <a:xfrm rot="0">
+            <a:off x="798787" y="3757787"/>
+            <a:ext cx="2168947" cy="331851"/>
+          </a:xfrm>
+          <a:prstGeom prst="rect">
+            <a:avLst/>
+          </a:prstGeom>
+        </p:spPr>
+        <p:txBody>
+          <a:bodyPr anchor="t" rtlCol="false" tIns="0" lIns="0" bIns="0" rIns="0">
+            <a:spAutoFit/>
+          </a:bodyPr>
+          <a:lstStyle/>
+          <a:p>
+            <a:pPr algn="just">
+              <a:lnSpc>
+                <a:spcPts val="2622"/>
+              </a:lnSpc>
+            </a:pPr>
+            <a:r>
+              <a:rPr lang="en-US" sz="2300">
+                <a:solidFill>
+                  <a:srgbClr val="000000"/>
+                </a:solidFill>
+                <a:latin typeface="Handy Casual"/>
+                <a:ea typeface="Handy Casual"/>
+                <a:cs typeface="Handy Casual"/>
+                <a:sym typeface="Handy Casual"/>
+              </a:rPr>
+              <a:t>api.open-meteo.com</a:t>
+            </a:r>
+          </a:p>
+        </p:txBody>
+      </p:sp>
+      <p:sp>
+        <p:nvSpPr>
+          <p:cNvPr name="TextBox 44" id="44"/>
+          <p:cNvSpPr txBox="true"/>
+          <p:nvPr/>
+        </p:nvSpPr>
+        <p:spPr>
+          <a:xfrm rot="0">
+            <a:off x="789262" y="6044924"/>
+            <a:ext cx="2853281" cy="331851"/>
+          </a:xfrm>
+          <a:prstGeom prst="rect">
+            <a:avLst/>
+          </a:prstGeom>
+        </p:spPr>
+        <p:txBody>
+          <a:bodyPr anchor="t" rtlCol="false" tIns="0" lIns="0" bIns="0" rIns="0">
+            <a:spAutoFit/>
+          </a:bodyPr>
+          <a:lstStyle/>
+          <a:p>
+            <a:pPr algn="just">
+              <a:lnSpc>
+                <a:spcPts val="2622"/>
+              </a:lnSpc>
+            </a:pPr>
+            <a:r>
+              <a:rPr lang="en-US" sz="2300">
+                <a:solidFill>
+                  <a:srgbClr val="000000"/>
+                </a:solidFill>
+                <a:latin typeface="Handy Casual"/>
+                <a:ea typeface="Handy Casual"/>
+                <a:cs typeface="Handy Casual"/>
+                <a:sym typeface="Handy Casual"/>
+              </a:rPr>
+              <a:t>Attraction Data</a:t>
+            </a:r>
+          </a:p>
+        </p:txBody>
+      </p:sp>
+      <p:sp>
+        <p:nvSpPr>
+          <p:cNvPr name="TextBox 45" id="45"/>
+          <p:cNvSpPr txBox="true"/>
+          <p:nvPr/>
+        </p:nvSpPr>
+        <p:spPr>
+          <a:xfrm rot="0">
+            <a:off x="798787" y="6386301"/>
+            <a:ext cx="2853281" cy="331851"/>
+          </a:xfrm>
+          <a:prstGeom prst="rect">
+            <a:avLst/>
+          </a:prstGeom>
+        </p:spPr>
+        <p:txBody>
+          <a:bodyPr anchor="t" rtlCol="false" tIns="0" lIns="0" bIns="0" rIns="0">
+            <a:spAutoFit/>
+          </a:bodyPr>
+          <a:lstStyle/>
+          <a:p>
+            <a:pPr algn="just">
+              <a:lnSpc>
+                <a:spcPts val="2622"/>
+              </a:lnSpc>
+            </a:pPr>
+            <a:r>
+              <a:rPr lang="en-US" sz="2300">
+                <a:solidFill>
+                  <a:srgbClr val="000000"/>
+                </a:solidFill>
+                <a:latin typeface="Handy Casual"/>
+                <a:ea typeface="Handy Casual"/>
+                <a:cs typeface="Handy Casual"/>
+                <a:sym typeface="Handy Casual"/>
+              </a:rPr>
+              <a:t>Metadata</a:t>
+            </a:r>
+          </a:p>
+        </p:txBody>
+      </p:sp>
+      <p:sp>
+        <p:nvSpPr>
+          <p:cNvPr name="TextBox 46" id="46"/>
+          <p:cNvSpPr txBox="true"/>
+          <p:nvPr/>
+        </p:nvSpPr>
+        <p:spPr>
+          <a:xfrm rot="0">
+            <a:off x="789262" y="6727677"/>
+            <a:ext cx="2853281" cy="331851"/>
+          </a:xfrm>
+          <a:prstGeom prst="rect">
+            <a:avLst/>
+          </a:prstGeom>
+        </p:spPr>
+        <p:txBody>
+          <a:bodyPr anchor="t" rtlCol="false" tIns="0" lIns="0" bIns="0" rIns="0">
+            <a:spAutoFit/>
+          </a:bodyPr>
+          <a:lstStyle/>
+          <a:p>
+            <a:pPr algn="just">
+              <a:lnSpc>
+                <a:spcPts val="2622"/>
+              </a:lnSpc>
+            </a:pPr>
+            <a:r>
+              <a:rPr lang="en-US" sz="2300">
+                <a:solidFill>
+                  <a:srgbClr val="000000"/>
+                </a:solidFill>
+                <a:latin typeface="Handy Casual"/>
+                <a:ea typeface="Handy Casual"/>
+                <a:cs typeface="Handy Casual"/>
+                <a:sym typeface="Handy Casual"/>
+              </a:rPr>
+              <a:t>data/waiting times</a:t>
+            </a:r>
+          </a:p>
+        </p:txBody>
+      </p:sp>
+      <p:sp>
+        <p:nvSpPr>
+          <p:cNvPr name="TextBox 47" id="47"/>
+          <p:cNvSpPr txBox="true"/>
+          <p:nvPr/>
+        </p:nvSpPr>
+        <p:spPr>
+          <a:xfrm rot="0">
+            <a:off x="15731394" y="628328"/>
+            <a:ext cx="2367625" cy="331851"/>
+          </a:xfrm>
+          <a:prstGeom prst="rect">
+            <a:avLst/>
+          </a:prstGeom>
+        </p:spPr>
+        <p:txBody>
+          <a:bodyPr anchor="t" rtlCol="false" tIns="0" lIns="0" bIns="0" rIns="0">
+            <a:spAutoFit/>
+          </a:bodyPr>
+          <a:lstStyle/>
+          <a:p>
+            <a:pPr algn="just">
+              <a:lnSpc>
+                <a:spcPts val="2622"/>
+              </a:lnSpc>
+            </a:pPr>
+            <a:r>
+              <a:rPr lang="en-US" sz="2300">
+                <a:solidFill>
+                  <a:srgbClr val="000000"/>
+                </a:solidFill>
+                <a:latin typeface="Handy Casual"/>
+                <a:ea typeface="Handy Casual"/>
+                <a:cs typeface="Handy Casual"/>
+                <a:sym typeface="Handy Casual"/>
+              </a:rPr>
+              <a:t>Frontend and Output</a:t>
+            </a:r>
+          </a:p>
+        </p:txBody>
+      </p:sp>
+      <p:sp>
+        <p:nvSpPr>
+          <p:cNvPr name="TextBox 48" id="48"/>
+          <p:cNvSpPr txBox="true"/>
+          <p:nvPr/>
+        </p:nvSpPr>
+        <p:spPr>
+          <a:xfrm rot="0">
+            <a:off x="15689723" y="4642945"/>
+            <a:ext cx="4685531" cy="331851"/>
+          </a:xfrm>
+          <a:prstGeom prst="rect">
+            <a:avLst/>
+          </a:prstGeom>
+        </p:spPr>
+        <p:txBody>
+          <a:bodyPr anchor="t" rtlCol="false" tIns="0" lIns="0" bIns="0" rIns="0">
+            <a:spAutoFit/>
+          </a:bodyPr>
+          <a:lstStyle/>
+          <a:p>
+            <a:pPr algn="just">
+              <a:lnSpc>
+                <a:spcPts val="2622"/>
+              </a:lnSpc>
+            </a:pPr>
+            <a:r>
+              <a:rPr lang="en-US" sz="2300">
+                <a:solidFill>
+                  <a:srgbClr val="000000"/>
+                </a:solidFill>
+                <a:latin typeface="Handy Casual"/>
+                <a:ea typeface="Handy Casual"/>
+                <a:cs typeface="Handy Casual"/>
+                <a:sym typeface="Handy Casual"/>
+              </a:rPr>
+              <a:t>Flask routes (/home, /planning)</a:t>
+            </a:r>
+          </a:p>
+        </p:txBody>
+      </p:sp>
+      <p:sp>
+        <p:nvSpPr>
+          <p:cNvPr name="TextBox 49" id="49"/>
+          <p:cNvSpPr txBox="true"/>
+          <p:nvPr/>
+        </p:nvSpPr>
+        <p:spPr>
+          <a:xfrm rot="0">
+            <a:off x="15689723" y="3878659"/>
+            <a:ext cx="4685531" cy="411861"/>
+          </a:xfrm>
+          <a:prstGeom prst="rect">
+            <a:avLst/>
+          </a:prstGeom>
+        </p:spPr>
+        <p:txBody>
+          <a:bodyPr anchor="t" rtlCol="false" tIns="0" lIns="0" bIns="0" rIns="0">
+            <a:spAutoFit/>
+          </a:bodyPr>
+          <a:lstStyle/>
+          <a:p>
+            <a:pPr algn="just">
+              <a:lnSpc>
+                <a:spcPts val="3191"/>
+              </a:lnSpc>
+            </a:pPr>
+            <a:r>
+              <a:rPr lang="en-US" sz="2799">
+                <a:solidFill>
+                  <a:srgbClr val="000000"/>
+                </a:solidFill>
+                <a:latin typeface="Handy Casual"/>
+                <a:ea typeface="Handy Casual"/>
+                <a:cs typeface="Handy Casual"/>
+                <a:sym typeface="Handy Casual"/>
+              </a:rPr>
+              <a:t>Front end</a:t>
+            </a:r>
+          </a:p>
+        </p:txBody>
+      </p:sp>
+      <p:sp>
+        <p:nvSpPr>
+          <p:cNvPr name="TextBox 50" id="50"/>
+          <p:cNvSpPr txBox="true"/>
+          <p:nvPr/>
+        </p:nvSpPr>
+        <p:spPr>
+          <a:xfrm rot="0">
+            <a:off x="15689723" y="5039154"/>
+            <a:ext cx="3060342" cy="655701"/>
+          </a:xfrm>
+          <a:prstGeom prst="rect">
+            <a:avLst/>
+          </a:prstGeom>
+        </p:spPr>
+        <p:txBody>
+          <a:bodyPr anchor="t" rtlCol="false" tIns="0" lIns="0" bIns="0" rIns="0">
+            <a:spAutoFit/>
+          </a:bodyPr>
+          <a:lstStyle/>
+          <a:p>
+            <a:pPr algn="just">
+              <a:lnSpc>
+                <a:spcPts val="2622"/>
+              </a:lnSpc>
+            </a:pPr>
+            <a:r>
+              <a:rPr lang="en-US" sz="2300">
+                <a:solidFill>
+                  <a:srgbClr val="000000"/>
+                </a:solidFill>
+                <a:latin typeface="Handy Casual"/>
+                <a:ea typeface="Handy Casual"/>
+                <a:cs typeface="Handy Casual"/>
+                <a:sym typeface="Handy Casual"/>
+              </a:rPr>
+              <a:t>User inputs: Dates, weather preferences, attractions.</a:t>
+            </a:r>
+          </a:p>
+        </p:txBody>
+      </p:sp>
+      <p:sp>
+        <p:nvSpPr>
+          <p:cNvPr name="TextBox 51" id="51"/>
+          <p:cNvSpPr txBox="true"/>
+          <p:nvPr/>
+        </p:nvSpPr>
+        <p:spPr>
+          <a:xfrm rot="0">
+            <a:off x="15747387" y="8305129"/>
+            <a:ext cx="4685531" cy="411861"/>
+          </a:xfrm>
+          <a:prstGeom prst="rect">
+            <a:avLst/>
+          </a:prstGeom>
+        </p:spPr>
+        <p:txBody>
+          <a:bodyPr anchor="t" rtlCol="false" tIns="0" lIns="0" bIns="0" rIns="0">
+            <a:spAutoFit/>
+          </a:bodyPr>
+          <a:lstStyle/>
+          <a:p>
+            <a:pPr algn="just">
+              <a:lnSpc>
+                <a:spcPts val="3191"/>
+              </a:lnSpc>
+            </a:pPr>
+            <a:r>
+              <a:rPr lang="en-US" sz="2799">
+                <a:solidFill>
+                  <a:srgbClr val="000000"/>
+                </a:solidFill>
+                <a:latin typeface="Handy Casual"/>
+                <a:ea typeface="Handy Casual"/>
+                <a:cs typeface="Handy Casual"/>
+                <a:sym typeface="Handy Casual"/>
+              </a:rPr>
+              <a:t>Output</a:t>
+            </a:r>
+          </a:p>
+        </p:txBody>
+      </p:sp>
+      <p:sp>
+        <p:nvSpPr>
+          <p:cNvPr name="TextBox 52" id="52"/>
+          <p:cNvSpPr txBox="true"/>
+          <p:nvPr/>
+        </p:nvSpPr>
+        <p:spPr>
+          <a:xfrm rot="0">
+            <a:off x="15747387" y="9050365"/>
+            <a:ext cx="4685531" cy="331851"/>
+          </a:xfrm>
+          <a:prstGeom prst="rect">
+            <a:avLst/>
+          </a:prstGeom>
+        </p:spPr>
+        <p:txBody>
+          <a:bodyPr anchor="t" rtlCol="false" tIns="0" lIns="0" bIns="0" rIns="0">
+            <a:spAutoFit/>
+          </a:bodyPr>
+          <a:lstStyle/>
+          <a:p>
+            <a:pPr algn="just">
+              <a:lnSpc>
+                <a:spcPts val="2622"/>
+              </a:lnSpc>
+            </a:pPr>
+            <a:r>
+              <a:rPr lang="en-US" sz="2300">
+                <a:solidFill>
+                  <a:srgbClr val="000000"/>
+                </a:solidFill>
+                <a:latin typeface="Handy Casual"/>
+                <a:ea typeface="Handy Casual"/>
+                <a:cs typeface="Handy Casual"/>
+                <a:sym typeface="Handy Casual"/>
+              </a:rPr>
+              <a:t>Trip plan recommendations.</a:t>
+            </a:r>
+          </a:p>
+        </p:txBody>
+      </p:sp>
+      <p:sp>
+        <p:nvSpPr>
+          <p:cNvPr name="TextBox 53" id="53"/>
+          <p:cNvSpPr txBox="true"/>
+          <p:nvPr/>
+        </p:nvSpPr>
+        <p:spPr>
+          <a:xfrm rot="0">
+            <a:off x="15747387" y="9470399"/>
+            <a:ext cx="3060342" cy="655701"/>
+          </a:xfrm>
+          <a:prstGeom prst="rect">
+            <a:avLst/>
+          </a:prstGeom>
+        </p:spPr>
+        <p:txBody>
+          <a:bodyPr anchor="t" rtlCol="false" tIns="0" lIns="0" bIns="0" rIns="0">
+            <a:spAutoFit/>
+          </a:bodyPr>
+          <a:lstStyle/>
+          <a:p>
+            <a:pPr algn="just">
+              <a:lnSpc>
+                <a:spcPts val="2622"/>
+              </a:lnSpc>
+            </a:pPr>
+            <a:r>
+              <a:rPr lang="en-US" sz="2300">
+                <a:solidFill>
+                  <a:srgbClr val="000000"/>
+                </a:solidFill>
+                <a:latin typeface="Handy Casual"/>
+                <a:ea typeface="Handy Casual"/>
+                <a:cs typeface="Handy Casual"/>
+                <a:sym typeface="Handy Casual"/>
+              </a:rPr>
+              <a:t>Suggested dates, attractions, and times</a:t>
+            </a:r>
+          </a:p>
+        </p:txBody>
+      </p:sp>
+      <p:sp>
+        <p:nvSpPr>
+          <p:cNvPr name="TextBox 54" id="54"/>
+          <p:cNvSpPr txBox="true"/>
+          <p:nvPr/>
+        </p:nvSpPr>
+        <p:spPr>
+          <a:xfrm rot="0">
+            <a:off x="13019044" y="598229"/>
+            <a:ext cx="2367625" cy="331851"/>
+          </a:xfrm>
+          <a:prstGeom prst="rect">
+            <a:avLst/>
+          </a:prstGeom>
+        </p:spPr>
+        <p:txBody>
+          <a:bodyPr anchor="t" rtlCol="false" tIns="0" lIns="0" bIns="0" rIns="0">
+            <a:spAutoFit/>
+          </a:bodyPr>
+          <a:lstStyle/>
+          <a:p>
+            <a:pPr algn="just">
+              <a:lnSpc>
+                <a:spcPts val="2622"/>
+              </a:lnSpc>
+            </a:pPr>
+            <a:r>
+              <a:rPr lang="en-US" sz="2300">
+                <a:solidFill>
+                  <a:srgbClr val="000000"/>
+                </a:solidFill>
+                <a:latin typeface="Handy Casual"/>
+                <a:ea typeface="Handy Casual"/>
+                <a:cs typeface="Handy Casual"/>
+                <a:sym typeface="Handy Casual"/>
+              </a:rPr>
+              <a:t>Planning algorithm</a:t>
+            </a:r>
+          </a:p>
+        </p:txBody>
+      </p:sp>
+      <p:sp>
+        <p:nvSpPr>
+          <p:cNvPr name="TextBox 55" id="55"/>
+          <p:cNvSpPr txBox="true"/>
+          <p:nvPr/>
+        </p:nvSpPr>
+        <p:spPr>
+          <a:xfrm rot="0">
+            <a:off x="10288295" y="9097137"/>
+            <a:ext cx="3526578" cy="331851"/>
+          </a:xfrm>
+          <a:prstGeom prst="rect">
+            <a:avLst/>
+          </a:prstGeom>
+        </p:spPr>
+        <p:txBody>
+          <a:bodyPr anchor="t" rtlCol="false" tIns="0" lIns="0" bIns="0" rIns="0">
+            <a:spAutoFit/>
+          </a:bodyPr>
+          <a:lstStyle/>
+          <a:p>
+            <a:pPr algn="just">
+              <a:lnSpc>
+                <a:spcPts val="2622"/>
+              </a:lnSpc>
+            </a:pPr>
+            <a:r>
+              <a:rPr lang="en-US" sz="2300">
+                <a:solidFill>
+                  <a:srgbClr val="000000"/>
+                </a:solidFill>
+                <a:latin typeface="Handy Casual"/>
+                <a:ea typeface="Handy Casual"/>
+                <a:cs typeface="Handy Casual"/>
+                <a:sym typeface="Handy Casual"/>
+              </a:rPr>
+              <a:t>Train (XGBoost)</a:t>
+            </a:r>
+          </a:p>
+        </p:txBody>
       </p:sp>
     </p:spTree>
   </p:cSld>
@@ -7705,8 +8331,8 @@
         </p:nvSpPr>
         <p:spPr>
           <a:xfrm rot="0">
-            <a:off x="829720" y="883662"/>
-            <a:ext cx="14883942" cy="4352925"/>
+            <a:off x="2146328" y="1849572"/>
+            <a:ext cx="15258928" cy="1457325"/>
           </a:xfrm>
           <a:prstGeom prst="rect">
             <a:avLst/>
@@ -7736,7 +8362,7 @@
                 <a:cs typeface="TAN Headline"/>
                 <a:sym typeface="TAN Headline"/>
               </a:rPr>
-              <a:t>Data Integration and Machine Learning Predictions</a:t>
+              <a:t>Working with github</a:t>
             </a:r>
           </a:p>
         </p:txBody>
@@ -7749,7 +8375,7 @@
         </p:nvSpPr>
         <p:spPr>
           <a:xfrm flipH="false" flipV="false" rot="0">
-            <a:off x="15408091" y="1028700"/>
+            <a:off x="15541815" y="567699"/>
             <a:ext cx="1488455" cy="1291398"/>
           </a:xfrm>
           <a:custGeom>
@@ -7931,8 +8557,8 @@
         </p:nvSpPr>
         <p:spPr>
           <a:xfrm rot="0">
-            <a:off x="540185" y="751937"/>
-            <a:ext cx="15258928" cy="2905125"/>
+            <a:off x="829720" y="883662"/>
+            <a:ext cx="14883942" cy="4352925"/>
           </a:xfrm>
           <a:prstGeom prst="rect">
             <a:avLst/>
@@ -7962,7 +8588,7 @@
                 <a:cs typeface="TAN Headline"/>
                 <a:sym typeface="TAN Headline"/>
               </a:rPr>
-              <a:t>Flask user input and trip recommendation</a:t>
+              <a:t>Data Integration and Machine Learning Predictions</a:t>
             </a:r>
           </a:p>
         </p:txBody>
@@ -7975,7 +8601,7 @@
         </p:nvSpPr>
         <p:spPr>
           <a:xfrm flipH="false" flipV="false" rot="0">
-            <a:off x="15054886" y="1359829"/>
+            <a:off x="15408091" y="1028700"/>
             <a:ext cx="1488455" cy="1291398"/>
           </a:xfrm>
           <a:custGeom>

--- a/Data Science - Disney World assignment.pptx
+++ b/Data Science - Disney World assignment.pptx
@@ -6829,8 +6829,8 @@
         </p:blipFill>
         <p:spPr>
           <a:xfrm flipH="false" flipV="false" rot="0">
-            <a:off x="15689723" y="1874579"/>
-            <a:ext cx="1482631" cy="1647368"/>
+            <a:off x="15689723" y="1417779"/>
+            <a:ext cx="1233480" cy="1370534"/>
           </a:xfrm>
           <a:prstGeom prst="rect">
             <a:avLst/>
@@ -7267,7 +7267,7 @@
         </p:nvSpPr>
         <p:spPr>
           <a:xfrm>
-            <a:off x="16691594" y="5715089"/>
+            <a:off x="16508600" y="5488773"/>
             <a:ext cx="0" cy="640621"/>
           </a:xfrm>
           <a:prstGeom prst="line">
@@ -7292,7 +7292,7 @@
         <p:spPr>
           <a:xfrm>
             <a:off x="14202857" y="5499496"/>
-            <a:ext cx="1486866" cy="1564849"/>
+            <a:ext cx="1486866" cy="1506419"/>
           </a:xfrm>
           <a:prstGeom prst="line">
             <a:avLst/>
@@ -7971,8 +7971,8 @@
         </p:nvSpPr>
         <p:spPr>
           <a:xfrm rot="0">
-            <a:off x="15689723" y="4642945"/>
-            <a:ext cx="4685531" cy="331851"/>
+            <a:off x="15689723" y="3554809"/>
+            <a:ext cx="2400430" cy="655701"/>
           </a:xfrm>
           <a:prstGeom prst="rect">
             <a:avLst/>
@@ -8012,7 +8012,7 @@
         </p:nvSpPr>
         <p:spPr>
           <a:xfrm rot="0">
-            <a:off x="15689723" y="3878659"/>
+            <a:off x="15689723" y="2925001"/>
             <a:ext cx="4685531" cy="411861"/>
           </a:xfrm>
           <a:prstGeom prst="rect">
@@ -8053,8 +8053,8 @@
         </p:nvSpPr>
         <p:spPr>
           <a:xfrm rot="0">
-            <a:off x="15689723" y="5039154"/>
-            <a:ext cx="3060342" cy="655701"/>
+            <a:off x="15731394" y="4381960"/>
+            <a:ext cx="2310120" cy="979551"/>
           </a:xfrm>
           <a:prstGeom prst="rect">
             <a:avLst/>
@@ -8094,7 +8094,7 @@
         </p:nvSpPr>
         <p:spPr>
           <a:xfrm rot="0">
-            <a:off x="15747387" y="8305129"/>
+            <a:off x="15731394" y="7796269"/>
             <a:ext cx="4685531" cy="411861"/>
           </a:xfrm>
           <a:prstGeom prst="rect">
@@ -8135,8 +8135,8 @@
         </p:nvSpPr>
         <p:spPr>
           <a:xfrm rot="0">
-            <a:off x="15747387" y="9050365"/>
-            <a:ext cx="4685531" cy="331851"/>
+            <a:off x="15731394" y="8348320"/>
+            <a:ext cx="2252455" cy="331851"/>
           </a:xfrm>
           <a:prstGeom prst="rect">
             <a:avLst/>
@@ -8163,7 +8163,7 @@
                 <a:cs typeface="Handy Casual"/>
                 <a:sym typeface="Handy Casual"/>
               </a:rPr>
-              <a:t>Trip plan recommendations.</a:t>
+              <a:t>Trip recommended plan.</a:t>
             </a:r>
           </a:p>
         </p:txBody>
@@ -8176,8 +8176,8 @@
         </p:nvSpPr>
         <p:spPr>
           <a:xfrm rot="0">
-            <a:off x="15747387" y="9470399"/>
-            <a:ext cx="3060342" cy="655701"/>
+            <a:off x="15747387" y="8899246"/>
+            <a:ext cx="2351631" cy="655701"/>
           </a:xfrm>
           <a:prstGeom prst="rect">
             <a:avLst/>
